--- a/documentação/img projeto/HLE_LLD.pptx
+++ b/documentação/img projeto/HLE_LLD.pptx
@@ -5,9 +5,9 @@
     <p:sldMasterId id="2147483648" r:id="rId1"/>
   </p:sldMasterIdLst>
   <p:sldIdLst>
-    <p:sldId id="258" r:id="rId3"/>
-    <p:sldId id="256" r:id="rId4"/>
-    <p:sldId id="261" r:id="rId5"/>
+    <p:sldId id="258" r:id="rId2"/>
+    <p:sldId id="256" r:id="rId3"/>
+    <p:sldId id="261" r:id="rId4"/>
   </p:sldIdLst>
   <p:sldSz cx="12192000" cy="6858000"/>
   <p:notesSz cx="6858000" cy="9144000"/>
@@ -106,6 +106,14 @@
       </a:defRPr>
     </a:lvl9pPr>
   </p:defaultTextStyle>
+  <p:extLst>
+    <p:ext uri="{EFAFB233-063F-42B5-8137-9DF3F51BA10A}">
+      <p15:sldGuideLst xmlns:p15="http://schemas.microsoft.com/office/powerpoint/2012/main"/>
+    </p:ext>
+    <p:ext uri="{2D200454-40CA-4A62-9FC3-DE9A4176ACB9}">
+      <p15:notesGuideLst xmlns:p15="http://schemas.microsoft.com/office/powerpoint/2012/main"/>
+    </p:ext>
+  </p:extLst>
 </p:presentation>
 </file>
 
@@ -151,10 +159,9 @@
           </a:lstStyle>
           <a:p>
             <a:r>
-              <a:rPr lang="pt-BR" smtClean="0"/>
+              <a:rPr lang="pt-BR"/>
               <a:t>Clique para editar o título mestre</a:t>
             </a:r>
-            <a:endParaRPr lang="pt-BR"/>
           </a:p>
         </p:txBody>
       </p:sp>
@@ -216,10 +223,9 @@
           </a:lstStyle>
           <a:p>
             <a:r>
-              <a:rPr lang="pt-BR" smtClean="0"/>
+              <a:rPr lang="pt-BR"/>
               <a:t>Clique para editar o estilo do subtítulo Mestre</a:t>
             </a:r>
-            <a:endParaRPr lang="pt-BR"/>
           </a:p>
         </p:txBody>
       </p:sp>
@@ -240,6 +246,7 @@
           <a:p>
             <a:fld id="{AC89BC54-1CDC-4473-9720-F58E1E464D2A}" type="datetimeFigureOut">
               <a:rPr lang="pt-BR" smtClean="0"/>
+              <a:t>15/04/2020</a:t>
             </a:fld>
             <a:endParaRPr lang="pt-BR"/>
           </a:p>
@@ -281,6 +288,7 @@
           <a:p>
             <a:fld id="{E3682030-28A4-485C-A222-4952DDFF562A}" type="slidenum">
               <a:rPr lang="pt-BR" smtClean="0"/>
+              <a:t>‹#›</a:t>
             </a:fld>
             <a:endParaRPr lang="pt-BR"/>
           </a:p>
@@ -328,10 +336,9 @@
           <a:lstStyle/>
           <a:p>
             <a:r>
-              <a:rPr lang="pt-BR" smtClean="0"/>
+              <a:rPr lang="pt-BR"/>
               <a:t>Clique para editar o título mestre</a:t>
             </a:r>
-            <a:endParaRPr lang="pt-BR"/>
           </a:p>
         </p:txBody>
       </p:sp>
@@ -352,42 +359,37 @@
           <a:p>
             <a:pPr lvl="0"/>
             <a:r>
-              <a:rPr lang="pt-BR" smtClean="0"/>
+              <a:rPr lang="pt-BR"/>
               <a:t>Editar estilos de texto Mestre</a:t>
             </a:r>
-            <a:endParaRPr lang="pt-BR" smtClean="0"/>
           </a:p>
           <a:p>
             <a:pPr lvl="1"/>
             <a:r>
-              <a:rPr lang="pt-BR" smtClean="0"/>
+              <a:rPr lang="pt-BR"/>
               <a:t>Segundo nível</a:t>
             </a:r>
-            <a:endParaRPr lang="pt-BR" smtClean="0"/>
           </a:p>
           <a:p>
             <a:pPr lvl="2"/>
             <a:r>
-              <a:rPr lang="pt-BR" smtClean="0"/>
+              <a:rPr lang="pt-BR"/>
               <a:t>Terceiro nível</a:t>
             </a:r>
-            <a:endParaRPr lang="pt-BR" smtClean="0"/>
           </a:p>
           <a:p>
             <a:pPr lvl="3"/>
             <a:r>
-              <a:rPr lang="pt-BR" smtClean="0"/>
+              <a:rPr lang="pt-BR"/>
               <a:t>Quarto nível</a:t>
             </a:r>
-            <a:endParaRPr lang="pt-BR" smtClean="0"/>
           </a:p>
           <a:p>
             <a:pPr lvl="4"/>
             <a:r>
-              <a:rPr lang="pt-BR" smtClean="0"/>
+              <a:rPr lang="pt-BR"/>
               <a:t>Quinto nível</a:t>
             </a:r>
-            <a:endParaRPr lang="pt-BR"/>
           </a:p>
         </p:txBody>
       </p:sp>
@@ -449,6 +451,7 @@
             <a:pPr lvl="0"/>
             <a:fld id="{9A0DB2DC-4C9A-4742-B13C-FB6460FD3503}" type="slidenum">
               <a:rPr lang="pt-BR"/>
+              <a:t>‹#›</a:t>
             </a:fld>
             <a:endParaRPr lang="pt-BR"/>
           </a:p>
@@ -501,10 +504,9 @@
           <a:lstStyle/>
           <a:p>
             <a:r>
-              <a:rPr lang="pt-BR" smtClean="0"/>
+              <a:rPr lang="pt-BR"/>
               <a:t>Clique para editar o título mestre</a:t>
             </a:r>
-            <a:endParaRPr lang="pt-BR"/>
           </a:p>
         </p:txBody>
       </p:sp>
@@ -530,42 +532,37 @@
           <a:p>
             <a:pPr lvl="0"/>
             <a:r>
-              <a:rPr lang="pt-BR" smtClean="0"/>
+              <a:rPr lang="pt-BR"/>
               <a:t>Editar estilos de texto Mestre</a:t>
             </a:r>
-            <a:endParaRPr lang="pt-BR" smtClean="0"/>
           </a:p>
           <a:p>
             <a:pPr lvl="1"/>
             <a:r>
-              <a:rPr lang="pt-BR" smtClean="0"/>
+              <a:rPr lang="pt-BR"/>
               <a:t>Segundo nível</a:t>
             </a:r>
-            <a:endParaRPr lang="pt-BR" smtClean="0"/>
           </a:p>
           <a:p>
             <a:pPr lvl="2"/>
             <a:r>
-              <a:rPr lang="pt-BR" smtClean="0"/>
+              <a:rPr lang="pt-BR"/>
               <a:t>Terceiro nível</a:t>
             </a:r>
-            <a:endParaRPr lang="pt-BR" smtClean="0"/>
           </a:p>
           <a:p>
             <a:pPr lvl="3"/>
             <a:r>
-              <a:rPr lang="pt-BR" smtClean="0"/>
+              <a:rPr lang="pt-BR"/>
               <a:t>Quarto nível</a:t>
             </a:r>
-            <a:endParaRPr lang="pt-BR" smtClean="0"/>
           </a:p>
           <a:p>
             <a:pPr lvl="4"/>
             <a:r>
-              <a:rPr lang="pt-BR" smtClean="0"/>
+              <a:rPr lang="pt-BR"/>
               <a:t>Quinto nível</a:t>
             </a:r>
-            <a:endParaRPr lang="pt-BR"/>
           </a:p>
         </p:txBody>
       </p:sp>
@@ -586,6 +583,7 @@
           <a:p>
             <a:fld id="{AC89BC54-1CDC-4473-9720-F58E1E464D2A}" type="datetimeFigureOut">
               <a:rPr lang="pt-BR" smtClean="0"/>
+              <a:t>15/04/2020</a:t>
             </a:fld>
             <a:endParaRPr lang="pt-BR"/>
           </a:p>
@@ -627,6 +625,7 @@
           <a:p>
             <a:fld id="{E3682030-28A4-485C-A222-4952DDFF562A}" type="slidenum">
               <a:rPr lang="pt-BR" smtClean="0"/>
+              <a:t>‹#›</a:t>
             </a:fld>
             <a:endParaRPr lang="pt-BR"/>
           </a:p>
@@ -674,10 +673,9 @@
           <a:lstStyle/>
           <a:p>
             <a:r>
-              <a:rPr lang="pt-BR" smtClean="0"/>
+              <a:rPr lang="pt-BR"/>
               <a:t>Clique para editar o título mestre</a:t>
             </a:r>
-            <a:endParaRPr lang="pt-BR"/>
           </a:p>
         </p:txBody>
       </p:sp>
@@ -698,42 +696,37 @@
           <a:p>
             <a:pPr lvl="0"/>
             <a:r>
-              <a:rPr lang="pt-BR" smtClean="0"/>
+              <a:rPr lang="pt-BR"/>
               <a:t>Editar estilos de texto Mestre</a:t>
             </a:r>
-            <a:endParaRPr lang="pt-BR" smtClean="0"/>
           </a:p>
           <a:p>
             <a:pPr lvl="1"/>
             <a:r>
-              <a:rPr lang="pt-BR" smtClean="0"/>
+              <a:rPr lang="pt-BR"/>
               <a:t>Segundo nível</a:t>
             </a:r>
-            <a:endParaRPr lang="pt-BR" smtClean="0"/>
           </a:p>
           <a:p>
             <a:pPr lvl="2"/>
             <a:r>
-              <a:rPr lang="pt-BR" smtClean="0"/>
+              <a:rPr lang="pt-BR"/>
               <a:t>Terceiro nível</a:t>
             </a:r>
-            <a:endParaRPr lang="pt-BR" smtClean="0"/>
           </a:p>
           <a:p>
             <a:pPr lvl="3"/>
             <a:r>
-              <a:rPr lang="pt-BR" smtClean="0"/>
+              <a:rPr lang="pt-BR"/>
               <a:t>Quarto nível</a:t>
             </a:r>
-            <a:endParaRPr lang="pt-BR" smtClean="0"/>
           </a:p>
           <a:p>
             <a:pPr lvl="4"/>
             <a:r>
-              <a:rPr lang="pt-BR" smtClean="0"/>
+              <a:rPr lang="pt-BR"/>
               <a:t>Quinto nível</a:t>
             </a:r>
-            <a:endParaRPr lang="pt-BR"/>
           </a:p>
         </p:txBody>
       </p:sp>
@@ -754,6 +747,7 @@
           <a:p>
             <a:fld id="{AC89BC54-1CDC-4473-9720-F58E1E464D2A}" type="datetimeFigureOut">
               <a:rPr lang="pt-BR" smtClean="0"/>
+              <a:t>15/04/2020</a:t>
             </a:fld>
             <a:endParaRPr lang="pt-BR"/>
           </a:p>
@@ -795,6 +789,7 @@
           <a:p>
             <a:fld id="{E3682030-28A4-485C-A222-4952DDFF562A}" type="slidenum">
               <a:rPr lang="pt-BR" smtClean="0"/>
+              <a:t>‹#›</a:t>
             </a:fld>
             <a:endParaRPr lang="pt-BR"/>
           </a:p>
@@ -851,10 +846,9 @@
           </a:lstStyle>
           <a:p>
             <a:r>
-              <a:rPr lang="pt-BR" smtClean="0"/>
+              <a:rPr lang="pt-BR"/>
               <a:t>Clique para editar o título mestre</a:t>
             </a:r>
-            <a:endParaRPr lang="pt-BR"/>
           </a:p>
         </p:txBody>
       </p:sp>
@@ -971,10 +965,9 @@
           <a:p>
             <a:pPr lvl="0"/>
             <a:r>
-              <a:rPr lang="pt-BR" smtClean="0"/>
+              <a:rPr lang="pt-BR"/>
               <a:t>Editar estilos de texto Mestre</a:t>
             </a:r>
-            <a:endParaRPr lang="pt-BR" smtClean="0"/>
           </a:p>
         </p:txBody>
       </p:sp>
@@ -995,6 +988,7 @@
           <a:p>
             <a:fld id="{AC89BC54-1CDC-4473-9720-F58E1E464D2A}" type="datetimeFigureOut">
               <a:rPr lang="pt-BR" smtClean="0"/>
+              <a:t>15/04/2020</a:t>
             </a:fld>
             <a:endParaRPr lang="pt-BR"/>
           </a:p>
@@ -1036,6 +1030,7 @@
           <a:p>
             <a:fld id="{E3682030-28A4-485C-A222-4952DDFF562A}" type="slidenum">
               <a:rPr lang="pt-BR" smtClean="0"/>
+              <a:t>‹#›</a:t>
             </a:fld>
             <a:endParaRPr lang="pt-BR"/>
           </a:p>
@@ -1083,10 +1078,9 @@
           <a:lstStyle/>
           <a:p>
             <a:r>
-              <a:rPr lang="pt-BR" smtClean="0"/>
+              <a:rPr lang="pt-BR"/>
               <a:t>Clique para editar o título mestre</a:t>
             </a:r>
-            <a:endParaRPr lang="pt-BR"/>
           </a:p>
         </p:txBody>
       </p:sp>
@@ -1112,42 +1106,37 @@
           <a:p>
             <a:pPr lvl="0"/>
             <a:r>
-              <a:rPr lang="pt-BR" smtClean="0"/>
+              <a:rPr lang="pt-BR"/>
               <a:t>Editar estilos de texto Mestre</a:t>
             </a:r>
-            <a:endParaRPr lang="pt-BR" smtClean="0"/>
           </a:p>
           <a:p>
             <a:pPr lvl="1"/>
             <a:r>
-              <a:rPr lang="pt-BR" smtClean="0"/>
+              <a:rPr lang="pt-BR"/>
               <a:t>Segundo nível</a:t>
             </a:r>
-            <a:endParaRPr lang="pt-BR" smtClean="0"/>
           </a:p>
           <a:p>
             <a:pPr lvl="2"/>
             <a:r>
-              <a:rPr lang="pt-BR" smtClean="0"/>
+              <a:rPr lang="pt-BR"/>
               <a:t>Terceiro nível</a:t>
             </a:r>
-            <a:endParaRPr lang="pt-BR" smtClean="0"/>
           </a:p>
           <a:p>
             <a:pPr lvl="3"/>
             <a:r>
-              <a:rPr lang="pt-BR" smtClean="0"/>
+              <a:rPr lang="pt-BR"/>
               <a:t>Quarto nível</a:t>
             </a:r>
-            <a:endParaRPr lang="pt-BR" smtClean="0"/>
           </a:p>
           <a:p>
             <a:pPr lvl="4"/>
             <a:r>
-              <a:rPr lang="pt-BR" smtClean="0"/>
+              <a:rPr lang="pt-BR"/>
               <a:t>Quinto nível</a:t>
             </a:r>
-            <a:endParaRPr lang="pt-BR"/>
           </a:p>
         </p:txBody>
       </p:sp>
@@ -1173,42 +1162,37 @@
           <a:p>
             <a:pPr lvl="0"/>
             <a:r>
-              <a:rPr lang="pt-BR" smtClean="0"/>
+              <a:rPr lang="pt-BR"/>
               <a:t>Editar estilos de texto Mestre</a:t>
             </a:r>
-            <a:endParaRPr lang="pt-BR" smtClean="0"/>
           </a:p>
           <a:p>
             <a:pPr lvl="1"/>
             <a:r>
-              <a:rPr lang="pt-BR" smtClean="0"/>
+              <a:rPr lang="pt-BR"/>
               <a:t>Segundo nível</a:t>
             </a:r>
-            <a:endParaRPr lang="pt-BR" smtClean="0"/>
           </a:p>
           <a:p>
             <a:pPr lvl="2"/>
             <a:r>
-              <a:rPr lang="pt-BR" smtClean="0"/>
+              <a:rPr lang="pt-BR"/>
               <a:t>Terceiro nível</a:t>
             </a:r>
-            <a:endParaRPr lang="pt-BR" smtClean="0"/>
           </a:p>
           <a:p>
             <a:pPr lvl="3"/>
             <a:r>
-              <a:rPr lang="pt-BR" smtClean="0"/>
+              <a:rPr lang="pt-BR"/>
               <a:t>Quarto nível</a:t>
             </a:r>
-            <a:endParaRPr lang="pt-BR" smtClean="0"/>
           </a:p>
           <a:p>
             <a:pPr lvl="4"/>
             <a:r>
-              <a:rPr lang="pt-BR" smtClean="0"/>
+              <a:rPr lang="pt-BR"/>
               <a:t>Quinto nível</a:t>
             </a:r>
-            <a:endParaRPr lang="pt-BR"/>
           </a:p>
         </p:txBody>
       </p:sp>
@@ -1229,6 +1213,7 @@
           <a:p>
             <a:fld id="{AC89BC54-1CDC-4473-9720-F58E1E464D2A}" type="datetimeFigureOut">
               <a:rPr lang="pt-BR" smtClean="0"/>
+              <a:t>15/04/2020</a:t>
             </a:fld>
             <a:endParaRPr lang="pt-BR"/>
           </a:p>
@@ -1270,6 +1255,7 @@
           <a:p>
             <a:fld id="{E3682030-28A4-485C-A222-4952DDFF562A}" type="slidenum">
               <a:rPr lang="pt-BR" smtClean="0"/>
+              <a:t>‹#›</a:t>
             </a:fld>
             <a:endParaRPr lang="pt-BR"/>
           </a:p>
@@ -1322,10 +1308,9 @@
           <a:lstStyle/>
           <a:p>
             <a:r>
-              <a:rPr lang="pt-BR" smtClean="0"/>
+              <a:rPr lang="pt-BR"/>
               <a:t>Clique para editar o título mestre</a:t>
             </a:r>
-            <a:endParaRPr lang="pt-BR"/>
           </a:p>
         </p:txBody>
       </p:sp>
@@ -1388,10 +1373,9 @@
           <a:p>
             <a:pPr lvl="0"/>
             <a:r>
-              <a:rPr lang="pt-BR" smtClean="0"/>
+              <a:rPr lang="pt-BR"/>
               <a:t>Editar estilos de texto Mestre</a:t>
             </a:r>
-            <a:endParaRPr lang="pt-BR" smtClean="0"/>
           </a:p>
         </p:txBody>
       </p:sp>
@@ -1417,42 +1401,37 @@
           <a:p>
             <a:pPr lvl="0"/>
             <a:r>
-              <a:rPr lang="pt-BR" smtClean="0"/>
+              <a:rPr lang="pt-BR"/>
               <a:t>Editar estilos de texto Mestre</a:t>
             </a:r>
-            <a:endParaRPr lang="pt-BR" smtClean="0"/>
           </a:p>
           <a:p>
             <a:pPr lvl="1"/>
             <a:r>
-              <a:rPr lang="pt-BR" smtClean="0"/>
+              <a:rPr lang="pt-BR"/>
               <a:t>Segundo nível</a:t>
             </a:r>
-            <a:endParaRPr lang="pt-BR" smtClean="0"/>
           </a:p>
           <a:p>
             <a:pPr lvl="2"/>
             <a:r>
-              <a:rPr lang="pt-BR" smtClean="0"/>
+              <a:rPr lang="pt-BR"/>
               <a:t>Terceiro nível</a:t>
             </a:r>
-            <a:endParaRPr lang="pt-BR" smtClean="0"/>
           </a:p>
           <a:p>
             <a:pPr lvl="3"/>
             <a:r>
-              <a:rPr lang="pt-BR" smtClean="0"/>
+              <a:rPr lang="pt-BR"/>
               <a:t>Quarto nível</a:t>
             </a:r>
-            <a:endParaRPr lang="pt-BR" smtClean="0"/>
           </a:p>
           <a:p>
             <a:pPr lvl="4"/>
             <a:r>
-              <a:rPr lang="pt-BR" smtClean="0"/>
+              <a:rPr lang="pt-BR"/>
               <a:t>Quinto nível</a:t>
             </a:r>
-            <a:endParaRPr lang="pt-BR"/>
           </a:p>
         </p:txBody>
       </p:sp>
@@ -1515,10 +1494,9 @@
           <a:p>
             <a:pPr lvl="0"/>
             <a:r>
-              <a:rPr lang="pt-BR" smtClean="0"/>
+              <a:rPr lang="pt-BR"/>
               <a:t>Editar estilos de texto Mestre</a:t>
             </a:r>
-            <a:endParaRPr lang="pt-BR" smtClean="0"/>
           </a:p>
         </p:txBody>
       </p:sp>
@@ -1544,42 +1522,37 @@
           <a:p>
             <a:pPr lvl="0"/>
             <a:r>
-              <a:rPr lang="pt-BR" smtClean="0"/>
+              <a:rPr lang="pt-BR"/>
               <a:t>Editar estilos de texto Mestre</a:t>
             </a:r>
-            <a:endParaRPr lang="pt-BR" smtClean="0"/>
           </a:p>
           <a:p>
             <a:pPr lvl="1"/>
             <a:r>
-              <a:rPr lang="pt-BR" smtClean="0"/>
+              <a:rPr lang="pt-BR"/>
               <a:t>Segundo nível</a:t>
             </a:r>
-            <a:endParaRPr lang="pt-BR" smtClean="0"/>
           </a:p>
           <a:p>
             <a:pPr lvl="2"/>
             <a:r>
-              <a:rPr lang="pt-BR" smtClean="0"/>
+              <a:rPr lang="pt-BR"/>
               <a:t>Terceiro nível</a:t>
             </a:r>
-            <a:endParaRPr lang="pt-BR" smtClean="0"/>
           </a:p>
           <a:p>
             <a:pPr lvl="3"/>
             <a:r>
-              <a:rPr lang="pt-BR" smtClean="0"/>
+              <a:rPr lang="pt-BR"/>
               <a:t>Quarto nível</a:t>
             </a:r>
-            <a:endParaRPr lang="pt-BR" smtClean="0"/>
           </a:p>
           <a:p>
             <a:pPr lvl="4"/>
             <a:r>
-              <a:rPr lang="pt-BR" smtClean="0"/>
+              <a:rPr lang="pt-BR"/>
               <a:t>Quinto nível</a:t>
             </a:r>
-            <a:endParaRPr lang="pt-BR"/>
           </a:p>
         </p:txBody>
       </p:sp>
@@ -1600,6 +1573,7 @@
           <a:p>
             <a:fld id="{AC89BC54-1CDC-4473-9720-F58E1E464D2A}" type="datetimeFigureOut">
               <a:rPr lang="pt-BR" smtClean="0"/>
+              <a:t>15/04/2020</a:t>
             </a:fld>
             <a:endParaRPr lang="pt-BR"/>
           </a:p>
@@ -1641,6 +1615,7 @@
           <a:p>
             <a:fld id="{E3682030-28A4-485C-A222-4952DDFF562A}" type="slidenum">
               <a:rPr lang="pt-BR" smtClean="0"/>
+              <a:t>‹#›</a:t>
             </a:fld>
             <a:endParaRPr lang="pt-BR"/>
           </a:p>
@@ -1688,10 +1663,9 @@
           <a:lstStyle/>
           <a:p>
             <a:r>
-              <a:rPr lang="pt-BR" smtClean="0"/>
+              <a:rPr lang="pt-BR"/>
               <a:t>Clique para editar o título mestre</a:t>
             </a:r>
-            <a:endParaRPr lang="pt-BR"/>
           </a:p>
         </p:txBody>
       </p:sp>
@@ -1712,6 +1686,7 @@
           <a:p>
             <a:fld id="{AC89BC54-1CDC-4473-9720-F58E1E464D2A}" type="datetimeFigureOut">
               <a:rPr lang="pt-BR" smtClean="0"/>
+              <a:t>15/04/2020</a:t>
             </a:fld>
             <a:endParaRPr lang="pt-BR"/>
           </a:p>
@@ -1753,6 +1728,7 @@
           <a:p>
             <a:fld id="{E3682030-28A4-485C-A222-4952DDFF562A}" type="slidenum">
               <a:rPr lang="pt-BR" smtClean="0"/>
+              <a:t>‹#›</a:t>
             </a:fld>
             <a:endParaRPr lang="pt-BR"/>
           </a:p>
@@ -1801,6 +1777,7 @@
           <a:p>
             <a:fld id="{AC89BC54-1CDC-4473-9720-F58E1E464D2A}" type="datetimeFigureOut">
               <a:rPr lang="pt-BR" smtClean="0"/>
+              <a:t>15/04/2020</a:t>
             </a:fld>
             <a:endParaRPr lang="pt-BR"/>
           </a:p>
@@ -1842,6 +1819,7 @@
           <a:p>
             <a:fld id="{E3682030-28A4-485C-A222-4952DDFF562A}" type="slidenum">
               <a:rPr lang="pt-BR" smtClean="0"/>
+              <a:t>‹#›</a:t>
             </a:fld>
             <a:endParaRPr lang="pt-BR"/>
           </a:p>
@@ -1898,10 +1876,9 @@
           </a:lstStyle>
           <a:p>
             <a:r>
-              <a:rPr lang="pt-BR" smtClean="0"/>
+              <a:rPr lang="pt-BR"/>
               <a:t>Clique para editar o título mestre</a:t>
             </a:r>
-            <a:endParaRPr lang="pt-BR"/>
           </a:p>
         </p:txBody>
       </p:sp>
@@ -1955,42 +1932,37 @@
           <a:p>
             <a:pPr lvl="0"/>
             <a:r>
-              <a:rPr lang="pt-BR" smtClean="0"/>
+              <a:rPr lang="pt-BR"/>
               <a:t>Editar estilos de texto Mestre</a:t>
             </a:r>
-            <a:endParaRPr lang="pt-BR" smtClean="0"/>
           </a:p>
           <a:p>
             <a:pPr lvl="1"/>
             <a:r>
-              <a:rPr lang="pt-BR" smtClean="0"/>
+              <a:rPr lang="pt-BR"/>
               <a:t>Segundo nível</a:t>
             </a:r>
-            <a:endParaRPr lang="pt-BR" smtClean="0"/>
           </a:p>
           <a:p>
             <a:pPr lvl="2"/>
             <a:r>
-              <a:rPr lang="pt-BR" smtClean="0"/>
+              <a:rPr lang="pt-BR"/>
               <a:t>Terceiro nível</a:t>
             </a:r>
-            <a:endParaRPr lang="pt-BR" smtClean="0"/>
           </a:p>
           <a:p>
             <a:pPr lvl="3"/>
             <a:r>
-              <a:rPr lang="pt-BR" smtClean="0"/>
+              <a:rPr lang="pt-BR"/>
               <a:t>Quarto nível</a:t>
             </a:r>
-            <a:endParaRPr lang="pt-BR" smtClean="0"/>
           </a:p>
           <a:p>
             <a:pPr lvl="4"/>
             <a:r>
-              <a:rPr lang="pt-BR" smtClean="0"/>
+              <a:rPr lang="pt-BR"/>
               <a:t>Quinto nível</a:t>
             </a:r>
-            <a:endParaRPr lang="pt-BR"/>
           </a:p>
         </p:txBody>
       </p:sp>
@@ -2053,10 +2025,9 @@
           <a:p>
             <a:pPr lvl="0"/>
             <a:r>
-              <a:rPr lang="pt-BR" smtClean="0"/>
+              <a:rPr lang="pt-BR"/>
               <a:t>Editar estilos de texto Mestre</a:t>
             </a:r>
-            <a:endParaRPr lang="pt-BR" smtClean="0"/>
           </a:p>
         </p:txBody>
       </p:sp>
@@ -2118,6 +2089,7 @@
             <a:pPr lvl="0"/>
             <a:fld id="{9A0DB2DC-4C9A-4742-B13C-FB6460FD3503}" type="slidenum">
               <a:rPr lang="pt-BR"/>
+              <a:t>‹#›</a:t>
             </a:fld>
             <a:endParaRPr lang="pt-BR"/>
           </a:p>
@@ -2174,10 +2146,9 @@
           </a:lstStyle>
           <a:p>
             <a:r>
-              <a:rPr lang="pt-BR" smtClean="0"/>
+              <a:rPr lang="pt-BR"/>
               <a:t>Clique para editar o título mestre</a:t>
             </a:r>
-            <a:endParaRPr lang="pt-BR"/>
           </a:p>
         </p:txBody>
       </p:sp>
@@ -2301,10 +2272,9 @@
           <a:p>
             <a:pPr lvl="0"/>
             <a:r>
-              <a:rPr lang="pt-BR" smtClean="0"/>
+              <a:rPr lang="pt-BR"/>
               <a:t>Editar estilos de texto Mestre</a:t>
             </a:r>
-            <a:endParaRPr lang="pt-BR" smtClean="0"/>
           </a:p>
         </p:txBody>
       </p:sp>
@@ -2325,6 +2295,7 @@
           <a:p>
             <a:fld id="{AC89BC54-1CDC-4473-9720-F58E1E464D2A}" type="datetimeFigureOut">
               <a:rPr lang="pt-BR" smtClean="0"/>
+              <a:t>15/04/2020</a:t>
             </a:fld>
             <a:endParaRPr lang="pt-BR"/>
           </a:p>
@@ -2366,6 +2337,7 @@
           <a:p>
             <a:fld id="{E3682030-28A4-485C-A222-4952DDFF562A}" type="slidenum">
               <a:rPr lang="pt-BR" smtClean="0"/>
+              <a:t>‹#›</a:t>
             </a:fld>
             <a:endParaRPr lang="pt-BR"/>
           </a:p>
@@ -2399,11 +2371,20 @@
         <p:cNvGrpSpPr/>
         <p:nvPr/>
       </p:nvGrpSpPr>
-      <p:grpSpPr/>
+      <p:grpSpPr>
+        <a:xfrm>
+          <a:off x="0" y="0"/>
+          <a:ext cx="0" cy="0"/>
+          <a:chOff x="0" y="0"/>
+          <a:chExt cx="0" cy="0"/>
+        </a:xfrm>
+      </p:grpSpPr>
       <p:sp>
         <p:nvSpPr>
           <p:cNvPr id="1026" name="Título 1025"/>
-          <p:cNvSpPr/>
+          <p:cNvSpPr>
+            <a:spLocks noGrp="1"/>
+          </p:cNvSpPr>
           <p:nvPr>
             <p:ph type="title"/>
           </p:nvPr>
@@ -2423,6 +2404,7 @@
         </p:spPr>
         <p:txBody>
           <a:bodyPr anchor="ctr"/>
+          <a:lstStyle/>
           <a:p>
             <a:pPr lvl="0"/>
             <a:r>
@@ -2434,7 +2416,9 @@
       <p:sp>
         <p:nvSpPr>
           <p:cNvPr id="1027" name="Espaço Reservado para Texto 1026"/>
-          <p:cNvSpPr/>
+          <p:cNvSpPr>
+            <a:spLocks noGrp="1"/>
+          </p:cNvSpPr>
           <p:nvPr>
             <p:ph type="body" idx="1"/>
           </p:nvPr>
@@ -2454,6 +2438,7 @@
         </p:spPr>
         <p:txBody>
           <a:bodyPr/>
+          <a:lstStyle/>
           <a:p>
             <a:pPr lvl="0"/>
             <a:r>
@@ -2489,7 +2474,9 @@
       <p:sp>
         <p:nvSpPr>
           <p:cNvPr id="1028" name="Espaço Reservado para Data 1027"/>
-          <p:cNvSpPr/>
+          <p:cNvSpPr>
+            <a:spLocks noGrp="1"/>
+          </p:cNvSpPr>
           <p:nvPr>
             <p:ph type="dt" sz="half" idx="2"/>
           </p:nvPr>
@@ -2517,6 +2504,7 @@
           <a:p>
             <a:fld id="{AC89BC54-1CDC-4473-9720-F58E1E464D2A}" type="datetimeFigureOut">
               <a:rPr lang="pt-BR" smtClean="0"/>
+              <a:t>15/04/2020</a:t>
             </a:fld>
             <a:endParaRPr lang="pt-BR"/>
           </a:p>
@@ -2525,7 +2513,9 @@
       <p:sp>
         <p:nvSpPr>
           <p:cNvPr id="1029" name="Espaço Reservado para Rodapé 1028"/>
-          <p:cNvSpPr/>
+          <p:cNvSpPr>
+            <a:spLocks noGrp="1"/>
+          </p:cNvSpPr>
           <p:nvPr>
             <p:ph type="ftr" sz="quarter" idx="3"/>
           </p:nvPr>
@@ -2558,7 +2548,9 @@
       <p:sp>
         <p:nvSpPr>
           <p:cNvPr id="1030" name="Espaço Reservado para Número de Slide 1029"/>
-          <p:cNvSpPr/>
+          <p:cNvSpPr>
+            <a:spLocks noGrp="1"/>
+          </p:cNvSpPr>
           <p:nvPr>
             <p:ph type="sldNum" sz="quarter" idx="4"/>
           </p:nvPr>
@@ -2586,6 +2578,7 @@
           <a:p>
             <a:fld id="{E3682030-28A4-485C-A222-4952DDFF562A}" type="slidenum">
               <a:rPr lang="pt-BR" smtClean="0"/>
+              <a:t>‹#›</a:t>
             </a:fld>
             <a:endParaRPr lang="pt-BR"/>
           </a:p>
@@ -3017,7 +3010,14 @@
         <p:cNvGrpSpPr/>
         <p:nvPr/>
       </p:nvGrpSpPr>
-      <p:grpSpPr/>
+      <p:grpSpPr>
+        <a:xfrm>
+          <a:off x="0" y="0"/>
+          <a:ext cx="0" cy="0"/>
+          <a:chOff x="0" y="0"/>
+          <a:chExt cx="0" cy="0"/>
+        </a:xfrm>
+      </p:grpSpPr>
       <p:graphicFrame>
         <p:nvGraphicFramePr>
           <p:cNvPr id="4" name="Tabela 3"/>
@@ -3035,13 +3035,26 @@
                 <a:tableStyleId>{5C22544A-7EE6-4342-B048-85BDC9FD1C3A}</a:tableStyleId>
               </a:tblPr>
               <a:tblGrid>
-                <a:gridCol w="5191125"/>
-                <a:gridCol w="7009765"/>
+                <a:gridCol w="5191125">
+                  <a:extLst>
+                    <a:ext uri="{9D8B030D-6E8A-4147-A177-3AD203B41FA5}">
+                      <a16:colId xmlns:a16="http://schemas.microsoft.com/office/drawing/2014/main" val="20000"/>
+                    </a:ext>
+                  </a:extLst>
+                </a:gridCol>
+                <a:gridCol w="7009765">
+                  <a:extLst>
+                    <a:ext uri="{9D8B030D-6E8A-4147-A177-3AD203B41FA5}">
+                      <a16:colId xmlns:a16="http://schemas.microsoft.com/office/drawing/2014/main" val="20001"/>
+                    </a:ext>
+                  </a:extLst>
+                </a:gridCol>
               </a:tblGrid>
               <a:tr h="979170">
                 <a:tc>
                   <a:txBody>
                     <a:bodyPr/>
+                    <a:lstStyle/>
                     <a:p>
                       <a:pPr>
                         <a:buNone/>
@@ -3050,7 +3063,6 @@
                         <a:rPr lang="en-US" altLang="pt-BR"/>
                         <a:t>RA</a:t>
                       </a:r>
-                      <a:endParaRPr lang="en-US" altLang="pt-BR"/>
                     </a:p>
                   </a:txBody>
                   <a:tcPr/>
@@ -3058,6 +3070,7 @@
                 <a:tc>
                   <a:txBody>
                     <a:bodyPr/>
+                    <a:lstStyle/>
                     <a:p>
                       <a:pPr>
                         <a:buNone/>
@@ -3066,16 +3079,21 @@
                         <a:rPr lang="en-US" altLang="pt-BR"/>
                         <a:t>NOME</a:t>
                       </a:r>
-                      <a:endParaRPr lang="en-US" altLang="pt-BR"/>
                     </a:p>
                   </a:txBody>
                   <a:tcPr/>
                 </a:tc>
+                <a:extLst>
+                  <a:ext uri="{0D108BD9-81ED-4DB2-BD59-A6C34878D82A}">
+                    <a16:rowId xmlns:a16="http://schemas.microsoft.com/office/drawing/2014/main" val="10000"/>
+                  </a:ext>
+                </a:extLst>
               </a:tr>
               <a:tr h="979170">
                 <a:tc>
                   <a:txBody>
                     <a:bodyPr/>
+                    <a:lstStyle/>
                     <a:p>
                       <a:pPr>
                         <a:buNone/>
@@ -3084,7 +3102,6 @@
                         <a:rPr lang="pt-BR" altLang="en-US"/>
                         <a:t>01201134</a:t>
                       </a:r>
-                      <a:endParaRPr lang="pt-BR" altLang="en-US"/>
                     </a:p>
                   </a:txBody>
                   <a:tcPr/>
@@ -3092,6 +3109,7 @@
                 <a:tc>
                   <a:txBody>
                     <a:bodyPr/>
+                    <a:lstStyle/>
                     <a:p>
                       <a:pPr>
                         <a:buNone/>
@@ -3100,16 +3118,21 @@
                         <a:rPr lang="pt-BR" altLang="en-US"/>
                         <a:t>Bruno Sampaio Santana </a:t>
                       </a:r>
-                      <a:endParaRPr lang="pt-BR" altLang="en-US"/>
                     </a:p>
                   </a:txBody>
                   <a:tcPr/>
                 </a:tc>
+                <a:extLst>
+                  <a:ext uri="{0D108BD9-81ED-4DB2-BD59-A6C34878D82A}">
+                    <a16:rowId xmlns:a16="http://schemas.microsoft.com/office/drawing/2014/main" val="10001"/>
+                  </a:ext>
+                </a:extLst>
               </a:tr>
               <a:tr h="979170">
                 <a:tc>
                   <a:txBody>
                     <a:bodyPr/>
+                    <a:lstStyle/>
                     <a:p>
                       <a:pPr>
                         <a:buNone/>
@@ -3118,7 +3141,6 @@
                         <a:rPr lang="pt-BR" altLang="en-US"/>
                         <a:t>01201035</a:t>
                       </a:r>
-                      <a:endParaRPr lang="pt-BR" altLang="en-US"/>
                     </a:p>
                   </a:txBody>
                   <a:tcPr/>
@@ -3126,6 +3148,7 @@
                 <a:tc>
                   <a:txBody>
                     <a:bodyPr/>
+                    <a:lstStyle/>
                     <a:p>
                       <a:pPr>
                         <a:buNone/>
@@ -3134,16 +3157,21 @@
                         <a:rPr lang="pt-BR" altLang="en-US"/>
                         <a:t>Gabriel Bezerra Pinheiro</a:t>
                       </a:r>
-                      <a:endParaRPr lang="pt-BR" altLang="en-US"/>
                     </a:p>
                   </a:txBody>
                   <a:tcPr/>
                 </a:tc>
+                <a:extLst>
+                  <a:ext uri="{0D108BD9-81ED-4DB2-BD59-A6C34878D82A}">
+                    <a16:rowId xmlns:a16="http://schemas.microsoft.com/office/drawing/2014/main" val="10002"/>
+                  </a:ext>
+                </a:extLst>
               </a:tr>
               <a:tr h="979170">
                 <a:tc>
                   <a:txBody>
                     <a:bodyPr/>
+                    <a:lstStyle/>
                     <a:p>
                       <a:pPr>
                         <a:buNone/>
@@ -3152,7 +3180,6 @@
                         <a:rPr lang="pt-BR" altLang="en-US"/>
                         <a:t>01201123</a:t>
                       </a:r>
-                      <a:endParaRPr lang="pt-BR" altLang="en-US"/>
                     </a:p>
                   </a:txBody>
                   <a:tcPr/>
@@ -3160,6 +3187,7 @@
                 <a:tc>
                   <a:txBody>
                     <a:bodyPr/>
+                    <a:lstStyle/>
                     <a:p>
                       <a:pPr>
                         <a:buNone/>
@@ -3168,16 +3196,21 @@
                         <a:rPr lang="pt-BR" altLang="en-US"/>
                         <a:t>Raphael De Oliveira Moitinho</a:t>
                       </a:r>
-                      <a:endParaRPr lang="pt-BR" altLang="en-US"/>
                     </a:p>
                   </a:txBody>
                   <a:tcPr/>
                 </a:tc>
+                <a:extLst>
+                  <a:ext uri="{0D108BD9-81ED-4DB2-BD59-A6C34878D82A}">
+                    <a16:rowId xmlns:a16="http://schemas.microsoft.com/office/drawing/2014/main" val="10003"/>
+                  </a:ext>
+                </a:extLst>
               </a:tr>
               <a:tr h="979170">
                 <a:tc>
                   <a:txBody>
                     <a:bodyPr/>
+                    <a:lstStyle/>
                     <a:p>
                       <a:pPr>
                         <a:buNone/>
@@ -3190,7 +3223,6 @@
                         <a:rPr lang="pt-BR" altLang="en-US"/>
                         <a:t>1201103</a:t>
                       </a:r>
-                      <a:endParaRPr lang="pt-BR" altLang="en-US"/>
                     </a:p>
                   </a:txBody>
                   <a:tcPr/>
@@ -3198,6 +3230,7 @@
                 <a:tc>
                   <a:txBody>
                     <a:bodyPr/>
+                    <a:lstStyle/>
                     <a:p>
                       <a:pPr>
                         <a:buNone/>
@@ -3206,16 +3239,21 @@
                         <a:rPr lang="pt-BR" altLang="en-US"/>
                         <a:t>Stefany Batista</a:t>
                       </a:r>
-                      <a:endParaRPr lang="pt-BR" altLang="en-US"/>
                     </a:p>
                   </a:txBody>
                   <a:tcPr/>
                 </a:tc>
+                <a:extLst>
+                  <a:ext uri="{0D108BD9-81ED-4DB2-BD59-A6C34878D82A}">
+                    <a16:rowId xmlns:a16="http://schemas.microsoft.com/office/drawing/2014/main" val="10004"/>
+                  </a:ext>
+                </a:extLst>
               </a:tr>
               <a:tr h="979170">
                 <a:tc>
                   <a:txBody>
                     <a:bodyPr/>
+                    <a:lstStyle/>
                     <a:p>
                       <a:pPr>
                         <a:buNone/>
@@ -3224,7 +3262,6 @@
                         <a:rPr lang="pt-BR" altLang="en-US"/>
                         <a:t>01201051</a:t>
                       </a:r>
-                      <a:endParaRPr lang="pt-BR" altLang="en-US"/>
                     </a:p>
                   </a:txBody>
                   <a:tcPr/>
@@ -3232,6 +3269,7 @@
                 <a:tc>
                   <a:txBody>
                     <a:bodyPr/>
+                    <a:lstStyle/>
                     <a:p>
                       <a:pPr>
                         <a:buNone/>
@@ -3240,16 +3278,21 @@
                         <a:rPr lang="pt-BR" altLang="en-US"/>
                         <a:t>Graziela Batista de Lucena Lima</a:t>
                       </a:r>
-                      <a:endParaRPr lang="pt-BR" altLang="en-US"/>
                     </a:p>
                   </a:txBody>
                   <a:tcPr/>
                 </a:tc>
+                <a:extLst>
+                  <a:ext uri="{0D108BD9-81ED-4DB2-BD59-A6C34878D82A}">
+                    <a16:rowId xmlns:a16="http://schemas.microsoft.com/office/drawing/2014/main" val="10005"/>
+                  </a:ext>
+                </a:extLst>
               </a:tr>
               <a:tr h="979170">
                 <a:tc>
                   <a:txBody>
                     <a:bodyPr/>
+                    <a:lstStyle/>
                     <a:p>
                       <a:pPr>
                         <a:buNone/>
@@ -3258,7 +3301,6 @@
                         <a:rPr lang="en-US" altLang="pt-BR"/>
                         <a:t>01201117</a:t>
                       </a:r>
-                      <a:endParaRPr lang="en-US" altLang="pt-BR"/>
                     </a:p>
                   </a:txBody>
                   <a:tcPr/>
@@ -3266,6 +3308,7 @@
                 <a:tc>
                   <a:txBody>
                     <a:bodyPr/>
+                    <a:lstStyle/>
                     <a:p>
                       <a:pPr>
                         <a:buNone/>
@@ -3274,11 +3317,15 @@
                         <a:rPr lang="en-US" altLang="pt-BR"/>
                         <a:t>Yuri de Jesus Morais Vedovate</a:t>
                       </a:r>
-                      <a:endParaRPr lang="en-US" altLang="pt-BR"/>
                     </a:p>
                   </a:txBody>
                   <a:tcPr/>
                 </a:tc>
+                <a:extLst>
+                  <a:ext uri="{0D108BD9-81ED-4DB2-BD59-A6C34878D82A}">
+                    <a16:rowId xmlns:a16="http://schemas.microsoft.com/office/drawing/2014/main" val="10006"/>
+                  </a:ext>
+                </a:extLst>
               </a:tr>
             </a:tbl>
           </a:graphicData>
@@ -3301,75 +3348,50 @@
         <p:cNvGrpSpPr/>
         <p:nvPr/>
       </p:nvGrpSpPr>
-      <p:grpSpPr/>
-      <p:grpSp>
-        <p:nvGrpSpPr>
-          <p:cNvPr id="6" name="Grupo 5"/>
-          <p:cNvGrpSpPr/>
+      <p:grpSpPr>
+        <a:xfrm>
+          <a:off x="0" y="0"/>
+          <a:ext cx="0" cy="0"/>
+          <a:chOff x="0" y="0"/>
+          <a:chExt cx="0" cy="0"/>
+        </a:xfrm>
+      </p:grpSpPr>
+      <p:pic>
+        <p:nvPicPr>
+          <p:cNvPr id="3" name="Picture 2">
+            <a:extLst>
+              <a:ext uri="{FF2B5EF4-FFF2-40B4-BE49-F238E27FC236}">
+                <a16:creationId xmlns:a16="http://schemas.microsoft.com/office/drawing/2014/main" id="{1CF03E58-0B96-4176-890C-5C38BB20B555}"/>
+              </a:ext>
+            </a:extLst>
+          </p:cNvPr>
+          <p:cNvPicPr>
+            <a:picLocks noChangeAspect="1"/>
+          </p:cNvPicPr>
           <p:nvPr/>
-        </p:nvGrpSpPr>
-        <p:grpSpPr>
+        </p:nvPicPr>
+        <p:blipFill>
+          <a:blip r:embed="rId2">
+            <a:extLst>
+              <a:ext uri="{28A0092B-C50C-407E-A947-70E740481C1C}">
+                <a14:useLocalDpi xmlns:a14="http://schemas.microsoft.com/office/drawing/2010/main" val="0"/>
+              </a:ext>
+            </a:extLst>
+          </a:blip>
+          <a:stretch>
+            <a:fillRect/>
+          </a:stretch>
+        </p:blipFill>
+        <p:spPr>
           <a:xfrm>
-            <a:off x="-60960" y="71120"/>
-            <a:ext cx="12935585" cy="6808470"/>
-            <a:chOff x="-96" y="112"/>
-            <a:chExt cx="20371" cy="10722"/>
+            <a:off x="12105" y="0"/>
+            <a:ext cx="12167790" cy="6858000"/>
           </a:xfrm>
-        </p:grpSpPr>
-        <p:pic>
-          <p:nvPicPr>
-            <p:cNvPr id="4" name="Imagem 3" descr="hld"/>
-            <p:cNvPicPr>
-              <a:picLocks noChangeAspect="1"/>
-            </p:cNvPicPr>
-            <p:nvPr/>
-          </p:nvPicPr>
-          <p:blipFill>
-            <a:blip r:embed="rId1"/>
-            <a:stretch>
-              <a:fillRect/>
-            </a:stretch>
-          </p:blipFill>
-          <p:spPr>
-            <a:xfrm>
-              <a:off x="-96" y="714"/>
-              <a:ext cx="19530" cy="10121"/>
-            </a:xfrm>
-            <a:prstGeom prst="rect">
-              <a:avLst/>
-            </a:prstGeom>
-          </p:spPr>
-        </p:pic>
-        <p:sp>
-          <p:nvSpPr>
-            <p:cNvPr id="5" name="Caixa de Texto 4"/>
-            <p:cNvSpPr txBox="1"/>
-            <p:nvPr/>
-          </p:nvSpPr>
-          <p:spPr>
-            <a:xfrm>
-              <a:off x="10751" y="112"/>
-              <a:ext cx="9525" cy="822"/>
-            </a:xfrm>
-            <a:prstGeom prst="rect">
-              <a:avLst/>
-            </a:prstGeom>
-            <a:noFill/>
-          </p:spPr>
-          <p:txBody>
-            <a:bodyPr wrap="square" rtlCol="0">
-              <a:spAutoFit/>
-            </a:bodyPr>
-            <a:p>
-              <a:r>
-                <a:rPr lang="en-US" altLang="pt-BR" sz="2800" b="1"/>
-                <a:t>HLD - High Level Design</a:t>
-              </a:r>
-              <a:endParaRPr lang="en-US" altLang="pt-BR" sz="2800" b="1"/>
-            </a:p>
-          </p:txBody>
-        </p:sp>
-      </p:grpSp>
+          <a:prstGeom prst="rect">
+            <a:avLst/>
+          </a:prstGeom>
+        </p:spPr>
+      </p:pic>
     </p:spTree>
   </p:cSld>
   <p:clrMapOvr>
@@ -3387,7 +3409,14 @@
         <p:cNvGrpSpPr/>
         <p:nvPr/>
       </p:nvGrpSpPr>
-      <p:grpSpPr/>
+      <p:grpSpPr>
+        <a:xfrm>
+          <a:off x="0" y="0"/>
+          <a:ext cx="0" cy="0"/>
+          <a:chOff x="0" y="0"/>
+          <a:chExt cx="0" cy="0"/>
+        </a:xfrm>
+      </p:grpSpPr>
       <p:grpSp>
         <p:nvGrpSpPr>
           <p:cNvPr id="78" name="Grupo 77"/>
@@ -3455,6 +3484,7 @@
             </p:style>
             <p:txBody>
               <a:bodyPr rtlCol="0" anchor="ctr"/>
+              <a:lstStyle/>
               <a:p>
                 <a:pPr algn="ctr"/>
                 <a:endParaRPr lang="pt-BR" altLang="en-US"/>
@@ -3526,7 +3556,7 @@
                       <p:nvPr/>
                     </p:nvPicPr>
                     <p:blipFill>
-                      <a:blip r:embed="rId1">
+                      <a:blip r:embed="rId2">
                         <a:clrChange>
                           <a:clrFrom>
                             <a:srgbClr val="F4F5F6">
@@ -3575,19 +3605,18 @@
                       <a:bodyPr wrap="square" rtlCol="0">
                         <a:spAutoFit/>
                       </a:bodyPr>
+                      <a:lstStyle/>
                       <a:p>
                         <a:r>
                           <a:rPr lang="en-US" altLang="pt-BR" sz="1200" b="1"/>
                           <a:t>modulo de internet </a:t>
                         </a:r>
-                        <a:endParaRPr lang="en-US" altLang="pt-BR" sz="1200" b="1"/>
                       </a:p>
                       <a:p>
                         <a:r>
                           <a:rPr lang="en-US" altLang="pt-BR" sz="1200" b="1"/>
                           <a:t>esp-8266</a:t>
                         </a:r>
-                        <a:endParaRPr lang="en-US" altLang="pt-BR" sz="1200" b="1"/>
                       </a:p>
                     </p:txBody>
                   </p:sp>
@@ -3649,19 +3678,18 @@
                     <a:bodyPr wrap="square" rtlCol="0">
                       <a:spAutoFit/>
                     </a:bodyPr>
+                    <a:lstStyle/>
                     <a:p>
                       <a:r>
                         <a:rPr lang="en-US" altLang="pt-BR" sz="1200" b="1"/>
                         <a:t>sensores opticos </a:t>
                       </a:r>
-                      <a:endParaRPr lang="en-US" altLang="pt-BR" sz="1200" b="1"/>
                     </a:p>
                     <a:p>
                       <a:r>
                         <a:rPr lang="en-US" altLang="pt-BR" sz="1200" b="1"/>
                         <a:t>TX, RX</a:t>
                       </a:r>
-                      <a:endParaRPr lang="en-US" altLang="pt-BR" sz="1200" b="1"/>
                     </a:p>
                   </p:txBody>
                 </p:sp>
@@ -3723,12 +3751,12 @@
                   <a:bodyPr wrap="square" rtlCol="0">
                     <a:spAutoFit/>
                   </a:bodyPr>
+                  <a:lstStyle/>
                   <a:p>
                     <a:r>
                       <a:rPr lang="en-US" altLang="en-US" sz="1200" b="1"/>
                       <a:t>Arduino Uno</a:t>
                     </a:r>
-                    <a:endParaRPr lang="en-US" altLang="en-US" sz="1200" b="1"/>
                   </a:p>
                 </p:txBody>
               </p:sp>
@@ -3742,7 +3770,7 @@
                 <p:nvPr/>
               </p:nvPicPr>
               <p:blipFill>
-                <a:blip r:embed="rId2"/>
+                <a:blip r:embed="rId3"/>
                 <a:stretch>
                   <a:fillRect/>
                 </a:stretch>
@@ -3780,7 +3808,7 @@
                   <p:nvPr/>
                 </p:nvPicPr>
                 <p:blipFill>
-                  <a:blip r:embed="rId3"/>
+                  <a:blip r:embed="rId4"/>
                   <a:stretch>
                     <a:fillRect/>
                   </a:stretch>
@@ -3815,12 +3843,12 @@
                   <a:bodyPr wrap="square" rtlCol="0">
                     <a:spAutoFit/>
                   </a:bodyPr>
+                  <a:lstStyle/>
                   <a:p>
                     <a:r>
                       <a:rPr lang="en-US" altLang="pt-BR" sz="1200" b="1"/>
                       <a:t>Modem LAN/WIFI</a:t>
                     </a:r>
-                    <a:endParaRPr lang="en-US" altLang="pt-BR" sz="1200" b="1"/>
                   </a:p>
                 </p:txBody>
               </p:sp>
@@ -3881,6 +3909,7 @@
             </p:style>
             <p:txBody>
               <a:bodyPr rtlCol="0" anchor="ctr"/>
+              <a:lstStyle/>
               <a:p>
                 <a:pPr algn="ctr"/>
                 <a:endParaRPr lang="pt-BR" altLang="en-US"/>
@@ -3910,7 +3939,7 @@
                 <p:nvPr/>
               </p:nvPicPr>
               <p:blipFill>
-                <a:blip r:embed="rId4"/>
+                <a:blip r:embed="rId5"/>
                 <a:stretch>
                   <a:fillRect/>
                 </a:stretch>
@@ -3934,7 +3963,7 @@
                 <p:nvPr/>
               </p:nvPicPr>
               <p:blipFill>
-                <a:blip r:embed="rId5"/>
+                <a:blip r:embed="rId6"/>
                 <a:stretch>
                   <a:fillRect/>
                 </a:stretch>
@@ -3974,6 +4003,7 @@
                 <a:bodyPr wrap="square" rtlCol="0">
                   <a:spAutoFit/>
                 </a:bodyPr>
+                <a:lstStyle/>
                 <a:p>
                   <a:r>
                     <a:rPr lang="pt-BR" altLang="en-US" sz="1200" b="1"/>
@@ -3983,7 +4013,6 @@
                     <a:rPr lang="en-US" altLang="pt-BR" sz="1200" b="1"/>
                     <a:t>windows 10</a:t>
                   </a:r>
-                  <a:endParaRPr lang="en-US" altLang="pt-BR" sz="1200" b="1"/>
                 </a:p>
               </p:txBody>
             </p:sp>
@@ -3996,7 +4025,7 @@
                 <p:nvPr/>
               </p:nvPicPr>
               <p:blipFill>
-                <a:blip r:embed="rId6">
+                <a:blip r:embed="rId7">
                   <a:clrChange>
                     <a:clrFrom>
                       <a:srgbClr val="FFFFFF">
@@ -4034,7 +4063,7 @@
                 <p:nvPr/>
               </p:nvPicPr>
               <p:blipFill>
-                <a:blip r:embed="rId7">
+                <a:blip r:embed="rId8">
                   <a:clrChange>
                     <a:clrFrom>
                       <a:srgbClr val="000000">
@@ -4072,7 +4101,7 @@
                 <p:nvPr/>
               </p:nvPicPr>
               <p:blipFill>
-                <a:blip r:embed="rId2"/>
+                <a:blip r:embed="rId3"/>
                 <a:stretch>
                   <a:fillRect/>
                 </a:stretch>
@@ -4139,7 +4168,7 @@
                     <p:nvPr/>
                   </p:nvPicPr>
                   <p:blipFill>
-                    <a:blip r:embed="rId8">
+                    <a:blip r:embed="rId9">
                       <a:clrChange>
                         <a:clrFrom>
                           <a:srgbClr val="FFFFFF">
@@ -4177,7 +4206,7 @@
                     <p:nvPr/>
                   </p:nvPicPr>
                   <p:blipFill>
-                    <a:blip r:embed="rId5"/>
+                    <a:blip r:embed="rId6"/>
                     <a:stretch>
                       <a:fillRect/>
                     </a:stretch>
@@ -4218,19 +4247,18 @@
                   <a:bodyPr wrap="square" rtlCol="0">
                     <a:spAutoFit/>
                   </a:bodyPr>
+                  <a:lstStyle/>
                   <a:p>
                     <a:r>
                       <a:rPr lang="en-US" altLang="pt-BR" sz="1200" b="1"/>
                       <a:t>android versao 7+</a:t>
                     </a:r>
-                    <a:endParaRPr lang="en-US" altLang="pt-BR" sz="1200" b="1"/>
                   </a:p>
                   <a:p>
                     <a:r>
                       <a:rPr lang="en-US" altLang="pt-BR" sz="1200" b="1"/>
                       <a:t>ios versao 10+</a:t>
                     </a:r>
-                    <a:endParaRPr lang="en-US" altLang="pt-BR" sz="1200" b="1"/>
                   </a:p>
                 </p:txBody>
               </p:sp>
@@ -4243,7 +4271,7 @@
                   <p:nvPr/>
                 </p:nvPicPr>
                 <p:blipFill>
-                  <a:blip r:embed="rId9">
+                  <a:blip r:embed="rId10">
                     <a:clrChange>
                       <a:clrFrom>
                         <a:srgbClr val="F6F6F6">
@@ -4282,7 +4310,7 @@
                 <p:nvPr/>
               </p:nvPicPr>
               <p:blipFill>
-                <a:blip r:embed="rId2"/>
+                <a:blip r:embed="rId3"/>
                 <a:stretch>
                   <a:fillRect/>
                 </a:stretch>
@@ -4321,7 +4349,7 @@
                 <p:nvPr/>
               </p:nvPicPr>
               <p:blipFill>
-                <a:blip r:embed="rId3"/>
+                <a:blip r:embed="rId4"/>
                 <a:stretch>
                   <a:fillRect/>
                 </a:stretch>
@@ -4356,12 +4384,12 @@
                 <a:bodyPr wrap="square" rtlCol="0">
                   <a:spAutoFit/>
                 </a:bodyPr>
+                <a:lstStyle/>
                 <a:p>
                   <a:r>
                     <a:rPr lang="en-US" altLang="pt-BR" sz="1200" b="1"/>
                     <a:t>Modem LAN/WIFI</a:t>
                   </a:r>
-                  <a:endParaRPr lang="en-US" altLang="pt-BR" sz="1200" b="1"/>
                 </a:p>
               </p:txBody>
             </p:sp>
@@ -4421,6 +4449,7 @@
             </p:style>
             <p:txBody>
               <a:bodyPr rtlCol="0" anchor="ctr"/>
+              <a:lstStyle/>
               <a:p>
                 <a:pPr algn="ctr"/>
                 <a:endParaRPr lang="pt-BR" altLang="en-US"/>
@@ -4436,9 +4465,9 @@
             <p:grpSpPr>
               <a:xfrm>
                 <a:off x="10732" y="2338"/>
-                <a:ext cx="4505" cy="3819"/>
+                <a:ext cx="4505" cy="3682"/>
                 <a:chOff x="10708" y="2882"/>
-                <a:chExt cx="4505" cy="3819"/>
+                <a:chExt cx="4505" cy="3682"/>
               </a:xfrm>
             </p:grpSpPr>
             <p:pic>
@@ -4450,7 +4479,7 @@
                 <p:nvPr/>
               </p:nvPicPr>
               <p:blipFill>
-                <a:blip r:embed="rId10"/>
+                <a:blip r:embed="rId11"/>
                 <a:stretch>
                   <a:fillRect/>
                 </a:stretch>
@@ -4474,7 +4503,7 @@
               <p:spPr>
                 <a:xfrm>
                   <a:off x="10708" y="5227"/>
-                  <a:ext cx="4505" cy="1474"/>
+                  <a:ext cx="4505" cy="1337"/>
                 </a:xfrm>
                 <a:prstGeom prst="rect">
                   <a:avLst/>
@@ -4485,12 +4514,24 @@
                 <a:bodyPr wrap="square" rtlCol="0">
                   <a:spAutoFit/>
                 </a:bodyPr>
+                <a:lstStyle/>
                 <a:p>
                   <a:r>
-                    <a:rPr lang="pt-BR" altLang="en-US" sz="1200" b="1"/>
-                    <a:t>Servidor HPE Micro Server Gen10 (Dual Core) </a:t>
+                    <a:rPr lang="pt-BR" altLang="en-US" sz="1200" b="1" dirty="0"/>
+                    <a:t>Servidor Aplicações </a:t>
                   </a:r>
-                  <a:endParaRPr lang="pt-BR" altLang="en-US" sz="1200" b="1"/>
+                </a:p>
+                <a:p>
+                  <a:r>
+                    <a:rPr lang="pt-BR" altLang="en-US" sz="1200" b="1" dirty="0"/>
+                    <a:t>nodeJS/HTML/CSS/</a:t>
+                  </a:r>
+                </a:p>
+                <a:p>
+                  <a:r>
+                    <a:rPr lang="pt-BR" altLang="en-US" sz="1200" b="1" dirty="0"/>
+                    <a:t>javascript</a:t>
+                  </a:r>
                 </a:p>
               </p:txBody>
             </p:sp>
@@ -4503,7 +4544,7 @@
             </p:nvSpPr>
             <p:spPr>
               <a:xfrm>
-                <a:off x="5278" y="1641"/>
+                <a:off x="7552" y="1548"/>
                 <a:ext cx="6065" cy="697"/>
               </a:xfrm>
               <a:prstGeom prst="rect">
@@ -4515,12 +4556,16 @@
               <a:bodyPr wrap="square" rtlCol="0">
                 <a:spAutoFit/>
               </a:bodyPr>
+              <a:lstStyle/>
               <a:p>
                 <a:r>
                   <a:rPr lang="en-US" altLang="pt-BR" sz="1600" b="1"/>
-                  <a:t>microsoft azure</a:t>
+                  <a:t>microsoft</a:t>
                 </a:r>
-                <a:endParaRPr lang="en-US" altLang="pt-BR" sz="1600" b="1"/>
+                <a:r>
+                  <a:rPr lang="en-US" altLang="pt-BR" sz="1600" b="1" dirty="0"/>
+                  <a:t> azure</a:t>
+                </a:r>
               </a:p>
             </p:txBody>
           </p:sp>
@@ -4547,7 +4592,7 @@
                 <p:nvPr/>
               </p:nvPicPr>
               <p:blipFill>
-                <a:blip r:embed="rId11">
+                <a:blip r:embed="rId12">
                   <a:lum bright="-100000"/>
                 </a:blip>
                 <a:stretch>
@@ -4584,12 +4629,12 @@
                 <a:bodyPr wrap="square" rtlCol="0">
                   <a:spAutoFit/>
                 </a:bodyPr>
+                <a:lstStyle/>
                 <a:p>
                   <a:r>
                     <a:rPr lang="en-US" altLang="en-US" sz="1200" b="1"/>
                     <a:t>BD SQL SERVER</a:t>
                   </a:r>
-                  <a:endParaRPr lang="en-US" altLang="en-US" sz="1200" b="1"/>
                 </a:p>
               </p:txBody>
             </p:sp>
@@ -4604,7 +4649,7 @@
             <p:nvPr/>
           </p:nvPicPr>
           <p:blipFill>
-            <a:blip r:embed="rId12"/>
+            <a:blip r:embed="rId13"/>
             <a:stretch>
               <a:fillRect/>
             </a:stretch>
@@ -4628,7 +4673,7 @@
             <p:nvPr/>
           </p:nvPicPr>
           <p:blipFill>
-            <a:blip r:embed="rId12"/>
+            <a:blip r:embed="rId13"/>
             <a:stretch>
               <a:fillRect/>
             </a:stretch>
@@ -4652,7 +4697,7 @@
             <p:nvPr/>
           </p:nvPicPr>
           <p:blipFill>
-            <a:blip r:embed="rId13"/>
+            <a:blip r:embed="rId14"/>
             <a:stretch>
               <a:fillRect/>
             </a:stretch>
@@ -4687,12 +4732,12 @@
             <a:bodyPr wrap="square" rtlCol="0">
               <a:spAutoFit/>
             </a:bodyPr>
+            <a:lstStyle/>
             <a:p>
               <a:r>
                 <a:rPr lang="en-US" altLang="pt-BR" sz="1200" b="1"/>
                 <a:t>internet</a:t>
               </a:r>
-              <a:endParaRPr lang="en-US" altLang="pt-BR" sz="1200" b="1"/>
             </a:p>
           </p:txBody>
         </p:sp>
@@ -4716,12 +4761,12 @@
             <a:bodyPr wrap="square" rtlCol="0">
               <a:spAutoFit/>
             </a:bodyPr>
+            <a:lstStyle/>
             <a:p>
               <a:r>
                 <a:rPr lang="en-US" altLang="pt-BR" sz="1200" b="1"/>
                 <a:t>antena</a:t>
               </a:r>
-              <a:endParaRPr lang="en-US" altLang="pt-BR" sz="1200" b="1"/>
             </a:p>
           </p:txBody>
         </p:sp>
@@ -4745,12 +4790,12 @@
             <a:bodyPr wrap="square" rtlCol="0">
               <a:spAutoFit/>
             </a:bodyPr>
+            <a:lstStyle/>
             <a:p>
               <a:r>
                 <a:rPr lang="en-US" altLang="pt-BR" sz="1200" b="1"/>
                 <a:t>antena</a:t>
               </a:r>
-              <a:endParaRPr lang="en-US" altLang="pt-BR" sz="1200" b="1"/>
             </a:p>
           </p:txBody>
         </p:sp>
@@ -4774,12 +4819,12 @@
             <a:bodyPr wrap="square" rtlCol="0">
               <a:spAutoFit/>
             </a:bodyPr>
+            <a:lstStyle/>
             <a:p>
               <a:r>
                 <a:rPr lang="en-US" altLang="pt-BR" b="1"/>
                 <a:t>produto</a:t>
               </a:r>
-              <a:endParaRPr lang="en-US" altLang="pt-BR" b="1"/>
             </a:p>
           </p:txBody>
         </p:sp>
@@ -4803,41 +4848,12 @@
             <a:bodyPr wrap="square" rtlCol="0">
               <a:spAutoFit/>
             </a:bodyPr>
+            <a:lstStyle/>
             <a:p>
               <a:r>
                 <a:rPr lang="en-US" altLang="en-US" b="1"/>
                 <a:t>cliente</a:t>
               </a:r>
-              <a:endParaRPr lang="en-US" altLang="en-US" b="1"/>
-            </a:p>
-          </p:txBody>
-        </p:sp>
-        <p:sp>
-          <p:nvSpPr>
-            <p:cNvPr id="70" name="Caixa de Texto 69"/>
-            <p:cNvSpPr txBox="1"/>
-            <p:nvPr/>
-          </p:nvSpPr>
-          <p:spPr>
-            <a:xfrm>
-              <a:off x="11219" y="73"/>
-              <a:ext cx="2647" cy="580"/>
-            </a:xfrm>
-            <a:prstGeom prst="rect">
-              <a:avLst/>
-            </a:prstGeom>
-            <a:noFill/>
-          </p:spPr>
-          <p:txBody>
-            <a:bodyPr wrap="square" rtlCol="0">
-              <a:spAutoFit/>
-            </a:bodyPr>
-            <a:p>
-              <a:r>
-                <a:rPr lang="en-US" altLang="en-US" b="1"/>
-                <a:t>BD</a:t>
-              </a:r>
-              <a:endParaRPr lang="en-US" altLang="en-US" b="1"/>
             </a:p>
           </p:txBody>
         </p:sp>
@@ -5036,6 +5052,41 @@
           </p:style>
         </p:cxnSp>
       </p:grpSp>
+      <p:sp>
+        <p:nvSpPr>
+          <p:cNvPr id="2" name="TextBox 1">
+            <a:extLst>
+              <a:ext uri="{FF2B5EF4-FFF2-40B4-BE49-F238E27FC236}">
+                <a16:creationId xmlns:a16="http://schemas.microsoft.com/office/drawing/2014/main" id="{8FDD14A6-46E4-4758-AB9E-68C746B09700}"/>
+              </a:ext>
+            </a:extLst>
+          </p:cNvPr>
+          <p:cNvSpPr txBox="1"/>
+          <p:nvPr/>
+        </p:nvSpPr>
+        <p:spPr>
+          <a:xfrm>
+            <a:off x="8923564" y="111035"/>
+            <a:ext cx="3211467" cy="369332"/>
+          </a:xfrm>
+          <a:prstGeom prst="rect">
+            <a:avLst/>
+          </a:prstGeom>
+          <a:noFill/>
+        </p:spPr>
+        <p:txBody>
+          <a:bodyPr wrap="square" rtlCol="0">
+            <a:spAutoFit/>
+          </a:bodyPr>
+          <a:lstStyle/>
+          <a:p>
+            <a:r>
+              <a:rPr lang="pt-BR" b="1" dirty="0"/>
+              <a:t>LLD – Desenho de solução</a:t>
+            </a:r>
+          </a:p>
+        </p:txBody>
+      </p:sp>
     </p:spTree>
   </p:cSld>
   <p:clrMapOvr>
@@ -5235,6 +5286,7 @@
       </a:bgFillStyleLst>
     </a:fmtScheme>
   </a:themeElements>
+  <a:objectDefaults/>
   <a:extraClrSchemeLst>
     <a:extraClrScheme>
       <a:clrScheme name="">

--- a/documentação/img projeto/HLE_LLD.pptx
+++ b/documentação/img projeto/HLE_LLD.pptx
@@ -3358,10 +3358,10 @@
       </p:grpSpPr>
       <p:pic>
         <p:nvPicPr>
-          <p:cNvPr id="3" name="Picture 2">
+          <p:cNvPr id="4" name="Imagem 3" descr="Mapa colorido com texto preto sobre fundo branco&#10;&#10;Descrição gerada automaticamente">
             <a:extLst>
               <a:ext uri="{FF2B5EF4-FFF2-40B4-BE49-F238E27FC236}">
-                <a16:creationId xmlns:a16="http://schemas.microsoft.com/office/drawing/2014/main" id="{1CF03E58-0B96-4176-890C-5C38BB20B555}"/>
+                <a16:creationId xmlns:a16="http://schemas.microsoft.com/office/drawing/2014/main" id="{2B45B350-A80F-47EF-8559-1411A6DF0E58}"/>
               </a:ext>
             </a:extLst>
           </p:cNvPr>
@@ -3384,8 +3384,8 @@
         </p:blipFill>
         <p:spPr>
           <a:xfrm>
-            <a:off x="12105" y="0"/>
-            <a:ext cx="12167790" cy="6858000"/>
+            <a:off x="-9770" y="0"/>
+            <a:ext cx="12211539" cy="6858000"/>
           </a:xfrm>
           <a:prstGeom prst="rect">
             <a:avLst/>

--- a/documentação/img projeto/HLE_LLD.pptx
+++ b/documentação/img projeto/HLE_LLD.pptx
@@ -8,6 +8,8 @@
     <p:sldId id="258" r:id="rId2"/>
     <p:sldId id="256" r:id="rId3"/>
     <p:sldId id="261" r:id="rId4"/>
+    <p:sldId id="262" r:id="rId5"/>
+    <p:sldId id="263" r:id="rId6"/>
   </p:sldIdLst>
   <p:sldSz cx="12192000" cy="6858000"/>
   <p:notesSz cx="6858000" cy="9144000"/>
@@ -246,7 +248,7 @@
           <a:p>
             <a:fld id="{AC89BC54-1CDC-4473-9720-F58E1E464D2A}" type="datetimeFigureOut">
               <a:rPr lang="pt-BR" smtClean="0"/>
-              <a:t>23/04/2020</a:t>
+              <a:t>26/04/2020</a:t>
             </a:fld>
             <a:endParaRPr lang="pt-BR"/>
           </a:p>
@@ -583,7 +585,7 @@
           <a:p>
             <a:fld id="{AC89BC54-1CDC-4473-9720-F58E1E464D2A}" type="datetimeFigureOut">
               <a:rPr lang="pt-BR" smtClean="0"/>
-              <a:t>23/04/2020</a:t>
+              <a:t>26/04/2020</a:t>
             </a:fld>
             <a:endParaRPr lang="pt-BR"/>
           </a:p>
@@ -747,7 +749,7 @@
           <a:p>
             <a:fld id="{AC89BC54-1CDC-4473-9720-F58E1E464D2A}" type="datetimeFigureOut">
               <a:rPr lang="pt-BR" smtClean="0"/>
-              <a:t>23/04/2020</a:t>
+              <a:t>26/04/2020</a:t>
             </a:fld>
             <a:endParaRPr lang="pt-BR"/>
           </a:p>
@@ -988,7 +990,7 @@
           <a:p>
             <a:fld id="{AC89BC54-1CDC-4473-9720-F58E1E464D2A}" type="datetimeFigureOut">
               <a:rPr lang="pt-BR" smtClean="0"/>
-              <a:t>23/04/2020</a:t>
+              <a:t>26/04/2020</a:t>
             </a:fld>
             <a:endParaRPr lang="pt-BR"/>
           </a:p>
@@ -1213,7 +1215,7 @@
           <a:p>
             <a:fld id="{AC89BC54-1CDC-4473-9720-F58E1E464D2A}" type="datetimeFigureOut">
               <a:rPr lang="pt-BR" smtClean="0"/>
-              <a:t>23/04/2020</a:t>
+              <a:t>26/04/2020</a:t>
             </a:fld>
             <a:endParaRPr lang="pt-BR"/>
           </a:p>
@@ -1573,7 +1575,7 @@
           <a:p>
             <a:fld id="{AC89BC54-1CDC-4473-9720-F58E1E464D2A}" type="datetimeFigureOut">
               <a:rPr lang="pt-BR" smtClean="0"/>
-              <a:t>23/04/2020</a:t>
+              <a:t>26/04/2020</a:t>
             </a:fld>
             <a:endParaRPr lang="pt-BR"/>
           </a:p>
@@ -1686,7 +1688,7 @@
           <a:p>
             <a:fld id="{AC89BC54-1CDC-4473-9720-F58E1E464D2A}" type="datetimeFigureOut">
               <a:rPr lang="pt-BR" smtClean="0"/>
-              <a:t>23/04/2020</a:t>
+              <a:t>26/04/2020</a:t>
             </a:fld>
             <a:endParaRPr lang="pt-BR"/>
           </a:p>
@@ -1777,7 +1779,7 @@
           <a:p>
             <a:fld id="{AC89BC54-1CDC-4473-9720-F58E1E464D2A}" type="datetimeFigureOut">
               <a:rPr lang="pt-BR" smtClean="0"/>
-              <a:t>23/04/2020</a:t>
+              <a:t>26/04/2020</a:t>
             </a:fld>
             <a:endParaRPr lang="pt-BR"/>
           </a:p>
@@ -2295,7 +2297,7 @@
           <a:p>
             <a:fld id="{AC89BC54-1CDC-4473-9720-F58E1E464D2A}" type="datetimeFigureOut">
               <a:rPr lang="pt-BR" smtClean="0"/>
-              <a:t>23/04/2020</a:t>
+              <a:t>26/04/2020</a:t>
             </a:fld>
             <a:endParaRPr lang="pt-BR"/>
           </a:p>
@@ -2504,7 +2506,7 @@
           <a:p>
             <a:fld id="{AC89BC54-1CDC-4473-9720-F58E1E464D2A}" type="datetimeFigureOut">
               <a:rPr lang="pt-BR" smtClean="0"/>
-              <a:t>23/04/2020</a:t>
+              <a:t>26/04/2020</a:t>
             </a:fld>
             <a:endParaRPr lang="pt-BR"/>
           </a:p>
@@ -4476,7 +4478,7 @@
               <a:lstStyle/>
               <a:p>
                 <a:pPr algn="ctr"/>
-                <a:endParaRPr lang="pt-BR" altLang="en-US"/>
+                <a:endParaRPr lang="pt-BR" altLang="en-US" dirty="0"/>
               </a:p>
             </p:txBody>
           </p:sp>
@@ -5168,6 +5170,1882 @@
         </p:sp>
       </p:grpSp>
     </p:spTree>
+  </p:cSld>
+  <p:clrMapOvr>
+    <a:masterClrMapping/>
+  </p:clrMapOvr>
+</p:sld>
+</file>
+
+<file path=ppt/slides/slide4.xml><?xml version="1.0" encoding="utf-8"?>
+<p:sld xmlns:a="http://schemas.openxmlformats.org/drawingml/2006/main" xmlns:r="http://schemas.openxmlformats.org/officeDocument/2006/relationships" xmlns:p="http://schemas.openxmlformats.org/presentationml/2006/main">
+  <p:cSld>
+    <p:spTree>
+      <p:nvGrpSpPr>
+        <p:cNvPr id="1" name=""/>
+        <p:cNvGrpSpPr/>
+        <p:nvPr/>
+      </p:nvGrpSpPr>
+      <p:grpSpPr>
+        <a:xfrm>
+          <a:off x="0" y="0"/>
+          <a:ext cx="0" cy="0"/>
+          <a:chOff x="0" y="0"/>
+          <a:chExt cx="0" cy="0"/>
+        </a:xfrm>
+      </p:grpSpPr>
+      <p:sp>
+        <p:nvSpPr>
+          <p:cNvPr id="50" name="Retângulo arredondado 50">
+            <a:extLst>
+              <a:ext uri="{FF2B5EF4-FFF2-40B4-BE49-F238E27FC236}">
+                <a16:creationId xmlns:a16="http://schemas.microsoft.com/office/drawing/2014/main" id="{DED68DD1-2280-42C4-9642-D2D896CF5548}"/>
+              </a:ext>
+            </a:extLst>
+          </p:cNvPr>
+          <p:cNvSpPr/>
+          <p:nvPr/>
+        </p:nvSpPr>
+        <p:spPr>
+          <a:xfrm>
+            <a:off x="2041072" y="1649550"/>
+            <a:ext cx="8055428" cy="3763736"/>
+          </a:xfrm>
+          <a:prstGeom prst="roundRect">
+            <a:avLst/>
+          </a:prstGeom>
+          <a:noFill/>
+          <a:ln w="28575" cmpd="sng">
+            <a:solidFill>
+              <a:schemeClr val="tx1"/>
+            </a:solidFill>
+            <a:prstDash val="solid"/>
+          </a:ln>
+        </p:spPr>
+        <p:style>
+          <a:lnRef idx="2">
+            <a:schemeClr val="accent1">
+              <a:shade val="50000"/>
+            </a:schemeClr>
+          </a:lnRef>
+          <a:fillRef idx="1">
+            <a:schemeClr val="accent1"/>
+          </a:fillRef>
+          <a:effectRef idx="0">
+            <a:schemeClr val="accent1"/>
+          </a:effectRef>
+          <a:fontRef idx="minor">
+            <a:schemeClr val="lt1"/>
+          </a:fontRef>
+        </p:style>
+        <p:txBody>
+          <a:bodyPr rtlCol="0" anchor="ctr"/>
+          <a:lstStyle/>
+          <a:p>
+            <a:pPr algn="ctr"/>
+            <a:endParaRPr lang="pt-BR" altLang="en-US" dirty="0"/>
+          </a:p>
+        </p:txBody>
+      </p:sp>
+      <p:pic>
+        <p:nvPicPr>
+          <p:cNvPr id="51" name="Imagem 50">
+            <a:extLst>
+              <a:ext uri="{FF2B5EF4-FFF2-40B4-BE49-F238E27FC236}">
+                <a16:creationId xmlns:a16="http://schemas.microsoft.com/office/drawing/2014/main" id="{3B5CEAC8-47F4-4188-BAC6-DF5450F3678C}"/>
+              </a:ext>
+            </a:extLst>
+          </p:cNvPr>
+          <p:cNvPicPr>
+            <a:picLocks noChangeAspect="1"/>
+          </p:cNvPicPr>
+          <p:nvPr/>
+        </p:nvPicPr>
+        <p:blipFill rotWithShape="1">
+          <a:blip r:embed="rId2" cstate="print">
+            <a:extLst>
+              <a:ext uri="{BEBA8EAE-BF5A-486C-A8C5-ECC9F3942E4B}">
+                <a14:imgProps xmlns:a14="http://schemas.microsoft.com/office/drawing/2010/main">
+                  <a14:imgLayer r:embed="rId3">
+                    <a14:imgEffect>
+                      <a14:backgroundRemoval t="21852" b="77870" l="30400" r="71000">
+                        <a14:foregroundMark x1="50300" y1="35926" x2="50300" y2="35926"/>
+                        <a14:foregroundMark x1="39700" y1="33056" x2="44500" y2="31204"/>
+                        <a14:foregroundMark x1="45700" y1="30833" x2="49900" y2="30278"/>
+                        <a14:foregroundMark x1="51700" y1="30463" x2="55200" y2="30648"/>
+                        <a14:foregroundMark x1="36200" y1="27222" x2="41000" y2="25278"/>
+                        <a14:foregroundMark x1="43500" y1="56296" x2="50300" y2="56852"/>
+                        <a14:foregroundMark x1="45300" y1="72593" x2="45300" y2="72593"/>
+                        <a14:foregroundMark x1="48000" y1="73241" x2="48000" y2="73241"/>
+                        <a14:foregroundMark x1="50800" y1="73426" x2="50800" y2="73426"/>
+                        <a14:foregroundMark x1="53000" y1="73981" x2="53000" y2="73981"/>
+                        <a14:foregroundMark x1="55800" y1="73704" x2="55800" y2="73704"/>
+                        <a14:foregroundMark x1="44600" y1="74259" x2="44600" y2="74259"/>
+                        <a14:backgroundMark x1="53700" y1="73981" x2="53700" y2="73981"/>
+                        <a14:backgroundMark x1="56500" y1="73056" x2="56500" y2="73056"/>
+                      </a14:backgroundRemoval>
+                    </a14:imgEffect>
+                  </a14:imgLayer>
+                </a14:imgProps>
+              </a:ext>
+              <a:ext uri="{28A0092B-C50C-407E-A947-70E740481C1C}">
+                <a14:useLocalDpi xmlns:a14="http://schemas.microsoft.com/office/drawing/2010/main" val="0"/>
+              </a:ext>
+            </a:extLst>
+          </a:blip>
+          <a:srcRect l="30757" t="69152" r="26553" b="23094"/>
+          <a:stretch/>
+        </p:blipFill>
+        <p:spPr>
+          <a:xfrm>
+            <a:off x="2430242" y="4166640"/>
+            <a:ext cx="1678252" cy="333434"/>
+          </a:xfrm>
+          <a:prstGeom prst="rect">
+            <a:avLst/>
+          </a:prstGeom>
+        </p:spPr>
+      </p:pic>
+      <p:pic>
+        <p:nvPicPr>
+          <p:cNvPr id="52" name="Imagem 51">
+            <a:extLst>
+              <a:ext uri="{FF2B5EF4-FFF2-40B4-BE49-F238E27FC236}">
+                <a16:creationId xmlns:a16="http://schemas.microsoft.com/office/drawing/2014/main" id="{98F0A73B-7F36-4F4E-9D05-84F71FCEDE0A}"/>
+              </a:ext>
+            </a:extLst>
+          </p:cNvPr>
+          <p:cNvPicPr>
+            <a:picLocks noChangeAspect="1"/>
+          </p:cNvPicPr>
+          <p:nvPr/>
+        </p:nvPicPr>
+        <p:blipFill rotWithShape="1">
+          <a:blip r:embed="rId4">
+            <a:extLst>
+              <a:ext uri="{28A0092B-C50C-407E-A947-70E740481C1C}">
+                <a14:useLocalDpi xmlns:a14="http://schemas.microsoft.com/office/drawing/2010/main" val="0"/>
+              </a:ext>
+            </a:extLst>
+          </a:blip>
+          <a:srcRect l="4378" t="7096" r="5364" b="5712"/>
+          <a:stretch/>
+        </p:blipFill>
+        <p:spPr>
+          <a:xfrm>
+            <a:off x="7611497" y="2843195"/>
+            <a:ext cx="2388850" cy="1570397"/>
+          </a:xfrm>
+          <a:prstGeom prst="rect">
+            <a:avLst/>
+          </a:prstGeom>
+        </p:spPr>
+      </p:pic>
+      <p:pic>
+        <p:nvPicPr>
+          <p:cNvPr id="53" name="Imagem 52">
+            <a:extLst>
+              <a:ext uri="{FF2B5EF4-FFF2-40B4-BE49-F238E27FC236}">
+                <a16:creationId xmlns:a16="http://schemas.microsoft.com/office/drawing/2014/main" id="{82096135-F75D-42F7-B6B0-5176E7ED2C54}"/>
+              </a:ext>
+            </a:extLst>
+          </p:cNvPr>
+          <p:cNvPicPr>
+            <a:picLocks noChangeAspect="1"/>
+          </p:cNvPicPr>
+          <p:nvPr/>
+        </p:nvPicPr>
+        <p:blipFill>
+          <a:blip r:embed="rId5" cstate="print">
+            <a:extLst>
+              <a:ext uri="{28A0092B-C50C-407E-A947-70E740481C1C}">
+                <a14:useLocalDpi xmlns:a14="http://schemas.microsoft.com/office/drawing/2010/main" val="0"/>
+              </a:ext>
+            </a:extLst>
+          </a:blip>
+          <a:stretch>
+            <a:fillRect/>
+          </a:stretch>
+        </p:blipFill>
+        <p:spPr>
+          <a:xfrm>
+            <a:off x="4601622" y="2751241"/>
+            <a:ext cx="2476840" cy="1915543"/>
+          </a:xfrm>
+          <a:prstGeom prst="rect">
+            <a:avLst/>
+          </a:prstGeom>
+        </p:spPr>
+      </p:pic>
+      <p:cxnSp>
+        <p:nvCxnSpPr>
+          <p:cNvPr id="55" name="Conector de Seta Reta 54">
+            <a:extLst>
+              <a:ext uri="{FF2B5EF4-FFF2-40B4-BE49-F238E27FC236}">
+                <a16:creationId xmlns:a16="http://schemas.microsoft.com/office/drawing/2014/main" id="{0E63BFC9-662A-478F-AD1D-F44DB6EFCF44}"/>
+              </a:ext>
+            </a:extLst>
+          </p:cNvPr>
+          <p:cNvCxnSpPr>
+            <a:cxnSpLocks/>
+          </p:cNvCxnSpPr>
+          <p:nvPr/>
+        </p:nvCxnSpPr>
+        <p:spPr>
+          <a:xfrm>
+            <a:off x="4012328" y="3709013"/>
+            <a:ext cx="769058" cy="0"/>
+          </a:xfrm>
+          <a:prstGeom prst="straightConnector1">
+            <a:avLst/>
+          </a:prstGeom>
+          <a:ln w="28575" cmpd="sng">
+            <a:solidFill>
+              <a:schemeClr val="tx1"/>
+            </a:solidFill>
+            <a:prstDash val="sysDash"/>
+            <a:tailEnd type="arrow"/>
+          </a:ln>
+        </p:spPr>
+        <p:style>
+          <a:lnRef idx="1">
+            <a:schemeClr val="accent1"/>
+          </a:lnRef>
+          <a:fillRef idx="0">
+            <a:schemeClr val="accent1"/>
+          </a:fillRef>
+          <a:effectRef idx="0">
+            <a:schemeClr val="accent1"/>
+          </a:effectRef>
+          <a:fontRef idx="minor">
+            <a:schemeClr val="tx1"/>
+          </a:fontRef>
+        </p:style>
+      </p:cxnSp>
+      <p:sp>
+        <p:nvSpPr>
+          <p:cNvPr id="56" name="CaixaDeTexto 55">
+            <a:extLst>
+              <a:ext uri="{FF2B5EF4-FFF2-40B4-BE49-F238E27FC236}">
+                <a16:creationId xmlns:a16="http://schemas.microsoft.com/office/drawing/2014/main" id="{E0128916-AEB9-4BB0-A248-D9B45905237A}"/>
+              </a:ext>
+            </a:extLst>
+          </p:cNvPr>
+          <p:cNvSpPr txBox="1"/>
+          <p:nvPr/>
+        </p:nvSpPr>
+        <p:spPr>
+          <a:xfrm>
+            <a:off x="8870721" y="1679459"/>
+            <a:ext cx="855419" cy="369332"/>
+          </a:xfrm>
+          <a:prstGeom prst="rect">
+            <a:avLst/>
+          </a:prstGeom>
+          <a:noFill/>
+        </p:spPr>
+        <p:txBody>
+          <a:bodyPr wrap="square" rtlCol="0">
+            <a:spAutoFit/>
+          </a:bodyPr>
+          <a:lstStyle/>
+          <a:p>
+            <a:r>
+              <a:rPr lang="pt-BR" b="1" dirty="0">
+                <a:latin typeface="+mj-lt"/>
+              </a:rPr>
+              <a:t>Local</a:t>
+            </a:r>
+            <a:endParaRPr lang="pt-BR" sz="1400" b="1" dirty="0">
+              <a:latin typeface="+mj-lt"/>
+            </a:endParaRPr>
+          </a:p>
+        </p:txBody>
+      </p:sp>
+      <p:sp>
+        <p:nvSpPr>
+          <p:cNvPr id="57" name="CaixaDeTexto 56">
+            <a:extLst>
+              <a:ext uri="{FF2B5EF4-FFF2-40B4-BE49-F238E27FC236}">
+                <a16:creationId xmlns:a16="http://schemas.microsoft.com/office/drawing/2014/main" id="{0B368CC2-C078-4C2C-B5EA-FAE3A17D465F}"/>
+              </a:ext>
+            </a:extLst>
+          </p:cNvPr>
+          <p:cNvSpPr txBox="1"/>
+          <p:nvPr/>
+        </p:nvSpPr>
+        <p:spPr>
+          <a:xfrm>
+            <a:off x="5082474" y="1649550"/>
+            <a:ext cx="1828387" cy="369332"/>
+          </a:xfrm>
+          <a:prstGeom prst="rect">
+            <a:avLst/>
+          </a:prstGeom>
+          <a:noFill/>
+        </p:spPr>
+        <p:txBody>
+          <a:bodyPr wrap="square" rtlCol="0">
+            <a:spAutoFit/>
+          </a:bodyPr>
+          <a:lstStyle/>
+          <a:p>
+            <a:r>
+              <a:rPr lang="pt-BR" b="1" dirty="0">
+                <a:latin typeface="+mj-lt"/>
+              </a:rPr>
+              <a:t>Sensor Virtual</a:t>
+            </a:r>
+          </a:p>
+        </p:txBody>
+      </p:sp>
+      <p:pic>
+        <p:nvPicPr>
+          <p:cNvPr id="58" name="Imagem 57">
+            <a:extLst>
+              <a:ext uri="{FF2B5EF4-FFF2-40B4-BE49-F238E27FC236}">
+                <a16:creationId xmlns:a16="http://schemas.microsoft.com/office/drawing/2014/main" id="{DCAC7098-638B-4DD6-8B7C-70D49B2DEC36}"/>
+              </a:ext>
+            </a:extLst>
+          </p:cNvPr>
+          <p:cNvPicPr>
+            <a:picLocks noChangeAspect="1"/>
+          </p:cNvPicPr>
+          <p:nvPr/>
+        </p:nvPicPr>
+        <p:blipFill rotWithShape="1">
+          <a:blip r:embed="rId6" cstate="print">
+            <a:extLst>
+              <a:ext uri="{BEBA8EAE-BF5A-486C-A8C5-ECC9F3942E4B}">
+                <a14:imgProps xmlns:a14="http://schemas.microsoft.com/office/drawing/2010/main">
+                  <a14:imgLayer r:embed="rId7">
+                    <a14:imgEffect>
+                      <a14:backgroundRemoval t="21852" b="77870" l="30400" r="71000">
+                        <a14:foregroundMark x1="50300" y1="35926" x2="50300" y2="35926"/>
+                        <a14:foregroundMark x1="39700" y1="33056" x2="44500" y2="31204"/>
+                        <a14:foregroundMark x1="45700" y1="30833" x2="49900" y2="30278"/>
+                        <a14:foregroundMark x1="51700" y1="30463" x2="55200" y2="30648"/>
+                        <a14:foregroundMark x1="36200" y1="27222" x2="41000" y2="25278"/>
+                        <a14:foregroundMark x1="43500" y1="56296" x2="50300" y2="56852"/>
+                        <a14:foregroundMark x1="45300" y1="72593" x2="45300" y2="72593"/>
+                        <a14:foregroundMark x1="48000" y1="73241" x2="48000" y2="73241"/>
+                        <a14:foregroundMark x1="50800" y1="73426" x2="50800" y2="73426"/>
+                        <a14:foregroundMark x1="53000" y1="73981" x2="53000" y2="73981"/>
+                        <a14:foregroundMark x1="55800" y1="73704" x2="55800" y2="73704"/>
+                        <a14:foregroundMark x1="44600" y1="74259" x2="44600" y2="74259"/>
+                        <a14:backgroundMark x1="53700" y1="73981" x2="53700" y2="73981"/>
+                        <a14:backgroundMark x1="56500" y1="73056" x2="56500" y2="73056"/>
+                      </a14:backgroundRemoval>
+                    </a14:imgEffect>
+                  </a14:imgLayer>
+                </a14:imgProps>
+              </a:ext>
+              <a:ext uri="{28A0092B-C50C-407E-A947-70E740481C1C}">
+                <a14:useLocalDpi xmlns:a14="http://schemas.microsoft.com/office/drawing/2010/main" val="0"/>
+              </a:ext>
+            </a:extLst>
+          </a:blip>
+          <a:srcRect l="30757" t="21786" r="29000" b="33665"/>
+          <a:stretch/>
+        </p:blipFill>
+        <p:spPr>
+          <a:xfrm>
+            <a:off x="2430242" y="2471228"/>
+            <a:ext cx="1582086" cy="1915543"/>
+          </a:xfrm>
+          <a:prstGeom prst="rect">
+            <a:avLst/>
+          </a:prstGeom>
+        </p:spPr>
+      </p:pic>
+      <p:sp>
+        <p:nvSpPr>
+          <p:cNvPr id="59" name="CaixaDeTexto 58">
+            <a:extLst>
+              <a:ext uri="{FF2B5EF4-FFF2-40B4-BE49-F238E27FC236}">
+                <a16:creationId xmlns:a16="http://schemas.microsoft.com/office/drawing/2014/main" id="{A839019D-C6CD-4535-B5FE-A9A1AEBF8E0F}"/>
+              </a:ext>
+            </a:extLst>
+          </p:cNvPr>
+          <p:cNvSpPr txBox="1"/>
+          <p:nvPr/>
+        </p:nvSpPr>
+        <p:spPr>
+          <a:xfrm>
+            <a:off x="8805922" y="4500074"/>
+            <a:ext cx="823663" cy="338554"/>
+          </a:xfrm>
+          <a:prstGeom prst="rect">
+            <a:avLst/>
+          </a:prstGeom>
+          <a:noFill/>
+        </p:spPr>
+        <p:txBody>
+          <a:bodyPr wrap="square" rtlCol="0">
+            <a:spAutoFit/>
+          </a:bodyPr>
+          <a:lstStyle/>
+          <a:p>
+            <a:r>
+              <a:rPr lang="pt-BR" sz="1600" dirty="0"/>
+              <a:t>API</a:t>
+            </a:r>
+            <a:endParaRPr lang="pt-BR" sz="1100" dirty="0"/>
+          </a:p>
+        </p:txBody>
+      </p:sp>
+      <p:pic>
+        <p:nvPicPr>
+          <p:cNvPr id="69" name="Imagem 68">
+            <a:extLst>
+              <a:ext uri="{FF2B5EF4-FFF2-40B4-BE49-F238E27FC236}">
+                <a16:creationId xmlns:a16="http://schemas.microsoft.com/office/drawing/2014/main" id="{9A38B837-808E-4415-BB6F-7B25381C58B8}"/>
+              </a:ext>
+            </a:extLst>
+          </p:cNvPr>
+          <p:cNvPicPr>
+            <a:picLocks noChangeAspect="1"/>
+          </p:cNvPicPr>
+          <p:nvPr/>
+        </p:nvPicPr>
+        <p:blipFill rotWithShape="1">
+          <a:blip r:embed="rId8">
+            <a:extLst>
+              <a:ext uri="{28A0092B-C50C-407E-A947-70E740481C1C}">
+                <a14:useLocalDpi xmlns:a14="http://schemas.microsoft.com/office/drawing/2010/main" val="0"/>
+              </a:ext>
+            </a:extLst>
+          </a:blip>
+          <a:srcRect t="20701" b="32849"/>
+          <a:stretch/>
+        </p:blipFill>
+        <p:spPr>
+          <a:xfrm>
+            <a:off x="8581560" y="3081636"/>
+            <a:ext cx="1048025" cy="482438"/>
+          </a:xfrm>
+          <a:prstGeom prst="rect">
+            <a:avLst/>
+          </a:prstGeom>
+        </p:spPr>
+      </p:pic>
+      <p:cxnSp>
+        <p:nvCxnSpPr>
+          <p:cNvPr id="71" name="Conector de Seta Reta 70">
+            <a:extLst>
+              <a:ext uri="{FF2B5EF4-FFF2-40B4-BE49-F238E27FC236}">
+                <a16:creationId xmlns:a16="http://schemas.microsoft.com/office/drawing/2014/main" id="{220B0B33-A9EC-4F93-A8D1-235B86A82B40}"/>
+              </a:ext>
+            </a:extLst>
+          </p:cNvPr>
+          <p:cNvCxnSpPr>
+            <a:cxnSpLocks/>
+          </p:cNvCxnSpPr>
+          <p:nvPr/>
+        </p:nvCxnSpPr>
+        <p:spPr>
+          <a:xfrm flipV="1">
+            <a:off x="6924435" y="3709011"/>
+            <a:ext cx="535590" cy="1"/>
+          </a:xfrm>
+          <a:prstGeom prst="straightConnector1">
+            <a:avLst/>
+          </a:prstGeom>
+          <a:ln w="28575" cmpd="sng">
+            <a:solidFill>
+              <a:schemeClr val="tx1"/>
+            </a:solidFill>
+            <a:prstDash val="sysDash"/>
+            <a:tailEnd type="arrow"/>
+          </a:ln>
+        </p:spPr>
+        <p:style>
+          <a:lnRef idx="1">
+            <a:schemeClr val="accent1"/>
+          </a:lnRef>
+          <a:fillRef idx="0">
+            <a:schemeClr val="accent1"/>
+          </a:fillRef>
+          <a:effectRef idx="0">
+            <a:schemeClr val="accent1"/>
+          </a:effectRef>
+          <a:fontRef idx="minor">
+            <a:schemeClr val="tx1"/>
+          </a:fontRef>
+        </p:style>
+      </p:cxnSp>
+    </p:spTree>
+    <p:extLst>
+      <p:ext uri="{BB962C8B-B14F-4D97-AF65-F5344CB8AC3E}">
+        <p14:creationId xmlns:p14="http://schemas.microsoft.com/office/powerpoint/2010/main" val="2265591422"/>
+      </p:ext>
+    </p:extLst>
+  </p:cSld>
+  <p:clrMapOvr>
+    <a:masterClrMapping/>
+  </p:clrMapOvr>
+</p:sld>
+</file>
+
+<file path=ppt/slides/slide5.xml><?xml version="1.0" encoding="utf-8"?>
+<p:sld xmlns:a="http://schemas.openxmlformats.org/drawingml/2006/main" xmlns:r="http://schemas.openxmlformats.org/officeDocument/2006/relationships" xmlns:p="http://schemas.openxmlformats.org/presentationml/2006/main">
+  <p:cSld>
+    <p:spTree>
+      <p:nvGrpSpPr>
+        <p:cNvPr id="1" name=""/>
+        <p:cNvGrpSpPr/>
+        <p:nvPr/>
+      </p:nvGrpSpPr>
+      <p:grpSpPr>
+        <a:xfrm>
+          <a:off x="0" y="0"/>
+          <a:ext cx="0" cy="0"/>
+          <a:chOff x="0" y="0"/>
+          <a:chExt cx="0" cy="0"/>
+        </a:xfrm>
+      </p:grpSpPr>
+      <p:grpSp>
+        <p:nvGrpSpPr>
+          <p:cNvPr id="82" name="Agrupar 81">
+            <a:extLst>
+              <a:ext uri="{FF2B5EF4-FFF2-40B4-BE49-F238E27FC236}">
+                <a16:creationId xmlns:a16="http://schemas.microsoft.com/office/drawing/2014/main" id="{DC9540FA-7BE5-4838-9C28-C256F4C0C7CB}"/>
+              </a:ext>
+            </a:extLst>
+          </p:cNvPr>
+          <p:cNvGrpSpPr/>
+          <p:nvPr/>
+        </p:nvGrpSpPr>
+        <p:grpSpPr>
+          <a:xfrm>
+            <a:off x="118095" y="257176"/>
+            <a:ext cx="11955810" cy="6950436"/>
+            <a:chOff x="70755" y="167369"/>
+            <a:chExt cx="11955810" cy="6950436"/>
+          </a:xfrm>
+        </p:grpSpPr>
+        <p:grpSp>
+          <p:nvGrpSpPr>
+            <p:cNvPr id="70" name="Agrupar 69">
+              <a:extLst>
+                <a:ext uri="{FF2B5EF4-FFF2-40B4-BE49-F238E27FC236}">
+                  <a16:creationId xmlns:a16="http://schemas.microsoft.com/office/drawing/2014/main" id="{719BE80D-73F9-4BCF-ADA8-E8563FB5E71D}"/>
+                </a:ext>
+              </a:extLst>
+            </p:cNvPr>
+            <p:cNvGrpSpPr/>
+            <p:nvPr/>
+          </p:nvGrpSpPr>
+          <p:grpSpPr>
+            <a:xfrm>
+              <a:off x="280728" y="2367127"/>
+              <a:ext cx="4959851" cy="4750678"/>
+              <a:chOff x="280728" y="2367127"/>
+              <a:chExt cx="4959851" cy="4750678"/>
+            </a:xfrm>
+          </p:grpSpPr>
+          <p:pic>
+            <p:nvPicPr>
+              <p:cNvPr id="35" name="Imagem 34">
+                <a:extLst>
+                  <a:ext uri="{FF2B5EF4-FFF2-40B4-BE49-F238E27FC236}">
+                    <a16:creationId xmlns:a16="http://schemas.microsoft.com/office/drawing/2014/main" id="{460E6642-8724-45C3-8DF4-B6D6A9A119F1}"/>
+                  </a:ext>
+                </a:extLst>
+              </p:cNvPr>
+              <p:cNvPicPr>
+                <a:picLocks noChangeAspect="1"/>
+              </p:cNvPicPr>
+              <p:nvPr/>
+            </p:nvPicPr>
+            <p:blipFill>
+              <a:blip r:embed="rId2">
+                <a:extLst>
+                  <a:ext uri="{28A0092B-C50C-407E-A947-70E740481C1C}">
+                    <a14:useLocalDpi xmlns:a14="http://schemas.microsoft.com/office/drawing/2010/main" val="0"/>
+                  </a:ext>
+                </a:extLst>
+              </a:blip>
+              <a:stretch>
+                <a:fillRect/>
+              </a:stretch>
+            </p:blipFill>
+            <p:spPr>
+              <a:xfrm>
+                <a:off x="280728" y="2367127"/>
+                <a:ext cx="4959851" cy="4750678"/>
+              </a:xfrm>
+              <a:prstGeom prst="rect">
+                <a:avLst/>
+              </a:prstGeom>
+            </p:spPr>
+          </p:pic>
+          <p:grpSp>
+            <p:nvGrpSpPr>
+              <p:cNvPr id="50" name="Agrupar 49">
+                <a:extLst>
+                  <a:ext uri="{FF2B5EF4-FFF2-40B4-BE49-F238E27FC236}">
+                    <a16:creationId xmlns:a16="http://schemas.microsoft.com/office/drawing/2014/main" id="{2F5D4460-A988-40C9-94FA-07520E95E59F}"/>
+                  </a:ext>
+                </a:extLst>
+              </p:cNvPr>
+              <p:cNvGrpSpPr/>
+              <p:nvPr/>
+            </p:nvGrpSpPr>
+            <p:grpSpPr>
+              <a:xfrm>
+                <a:off x="3162799" y="3604911"/>
+                <a:ext cx="1507712" cy="1351935"/>
+                <a:chOff x="3162799" y="3604911"/>
+                <a:chExt cx="1507712" cy="1351935"/>
+              </a:xfrm>
+            </p:grpSpPr>
+            <p:pic>
+              <p:nvPicPr>
+                <p:cNvPr id="46" name="Imagem 45" descr="icon_database">
+                  <a:extLst>
+                    <a:ext uri="{FF2B5EF4-FFF2-40B4-BE49-F238E27FC236}">
+                      <a16:creationId xmlns:a16="http://schemas.microsoft.com/office/drawing/2014/main" id="{2AAB21DD-9A95-4C47-8333-1557052D8152}"/>
+                    </a:ext>
+                  </a:extLst>
+                </p:cNvPr>
+                <p:cNvPicPr>
+                  <a:picLocks noChangeAspect="1"/>
+                </p:cNvPicPr>
+                <p:nvPr/>
+              </p:nvPicPr>
+              <p:blipFill>
+                <a:blip r:embed="rId3">
+                  <a:lum bright="-100000"/>
+                </a:blip>
+                <a:stretch>
+                  <a:fillRect/>
+                </a:stretch>
+              </p:blipFill>
+              <p:spPr>
+                <a:xfrm>
+                  <a:off x="3162799" y="3604911"/>
+                  <a:ext cx="762067" cy="926922"/>
+                </a:xfrm>
+                <a:prstGeom prst="rect">
+                  <a:avLst/>
+                </a:prstGeom>
+              </p:spPr>
+            </p:pic>
+            <p:pic>
+              <p:nvPicPr>
+                <p:cNvPr id="49" name="Imagem 48">
+                  <a:extLst>
+                    <a:ext uri="{FF2B5EF4-FFF2-40B4-BE49-F238E27FC236}">
+                      <a16:creationId xmlns:a16="http://schemas.microsoft.com/office/drawing/2014/main" id="{F1A57FAA-9CE7-4D6C-8284-2203CB317121}"/>
+                    </a:ext>
+                  </a:extLst>
+                </p:cNvPr>
+                <p:cNvPicPr>
+                  <a:picLocks noChangeAspect="1"/>
+                </p:cNvPicPr>
+                <p:nvPr/>
+              </p:nvPicPr>
+              <p:blipFill>
+                <a:blip r:embed="rId4" cstate="print">
+                  <a:extLst>
+                    <a:ext uri="{28A0092B-C50C-407E-A947-70E740481C1C}">
+                      <a14:useLocalDpi xmlns:a14="http://schemas.microsoft.com/office/drawing/2010/main" val="0"/>
+                    </a:ext>
+                  </a:extLst>
+                </a:blip>
+                <a:srcRect/>
+                <a:stretch/>
+              </p:blipFill>
+              <p:spPr>
+                <a:xfrm>
+                  <a:off x="3179221" y="3746523"/>
+                  <a:ext cx="1491290" cy="1210323"/>
+                </a:xfrm>
+                <a:prstGeom prst="rect">
+                  <a:avLst/>
+                </a:prstGeom>
+              </p:spPr>
+            </p:pic>
+          </p:grpSp>
+          <p:pic>
+            <p:nvPicPr>
+              <p:cNvPr id="52" name="Imagem 51">
+                <a:extLst>
+                  <a:ext uri="{FF2B5EF4-FFF2-40B4-BE49-F238E27FC236}">
+                    <a16:creationId xmlns:a16="http://schemas.microsoft.com/office/drawing/2014/main" id="{8C24D198-38AA-4C48-A8B6-9F81A2BED55B}"/>
+                  </a:ext>
+                </a:extLst>
+              </p:cNvPr>
+              <p:cNvPicPr>
+                <a:picLocks noChangeAspect="1"/>
+              </p:cNvPicPr>
+              <p:nvPr/>
+            </p:nvPicPr>
+            <p:blipFill>
+              <a:blip r:embed="rId5">
+                <a:extLst>
+                  <a:ext uri="{28A0092B-C50C-407E-A947-70E740481C1C}">
+                    <a14:useLocalDpi xmlns:a14="http://schemas.microsoft.com/office/drawing/2010/main" val="0"/>
+                  </a:ext>
+                </a:extLst>
+              </a:blip>
+              <a:stretch>
+                <a:fillRect/>
+              </a:stretch>
+            </p:blipFill>
+            <p:spPr>
+              <a:xfrm>
+                <a:off x="942343" y="4068372"/>
+                <a:ext cx="1381459" cy="1381459"/>
+              </a:xfrm>
+              <a:prstGeom prst="rect">
+                <a:avLst/>
+              </a:prstGeom>
+            </p:spPr>
+          </p:pic>
+          <p:pic>
+            <p:nvPicPr>
+              <p:cNvPr id="54" name="Imagem 53">
+                <a:extLst>
+                  <a:ext uri="{FF2B5EF4-FFF2-40B4-BE49-F238E27FC236}">
+                    <a16:creationId xmlns:a16="http://schemas.microsoft.com/office/drawing/2014/main" id="{194F2AA7-3940-4866-ABA9-4448E3B2401A}"/>
+                  </a:ext>
+                </a:extLst>
+              </p:cNvPr>
+              <p:cNvPicPr>
+                <a:picLocks noChangeAspect="1"/>
+              </p:cNvPicPr>
+              <p:nvPr/>
+            </p:nvPicPr>
+            <p:blipFill>
+              <a:blip r:embed="rId6" cstate="print">
+                <a:extLst>
+                  <a:ext uri="{28A0092B-C50C-407E-A947-70E740481C1C}">
+                    <a14:useLocalDpi xmlns:a14="http://schemas.microsoft.com/office/drawing/2010/main" val="0"/>
+                  </a:ext>
+                </a:extLst>
+              </a:blip>
+              <a:stretch>
+                <a:fillRect/>
+              </a:stretch>
+            </p:blipFill>
+            <p:spPr>
+              <a:xfrm>
+                <a:off x="2255399" y="4996070"/>
+                <a:ext cx="1027223" cy="1027223"/>
+              </a:xfrm>
+              <a:prstGeom prst="rect">
+                <a:avLst/>
+              </a:prstGeom>
+            </p:spPr>
+          </p:pic>
+        </p:grpSp>
+        <p:grpSp>
+          <p:nvGrpSpPr>
+            <p:cNvPr id="79" name="Agrupar 78">
+              <a:extLst>
+                <a:ext uri="{FF2B5EF4-FFF2-40B4-BE49-F238E27FC236}">
+                  <a16:creationId xmlns:a16="http://schemas.microsoft.com/office/drawing/2014/main" id="{036A7F85-FC15-4E87-BDD4-E3F1550FC24F}"/>
+                </a:ext>
+              </a:extLst>
+            </p:cNvPr>
+            <p:cNvGrpSpPr/>
+            <p:nvPr/>
+          </p:nvGrpSpPr>
+          <p:grpSpPr>
+            <a:xfrm>
+              <a:off x="70755" y="167369"/>
+              <a:ext cx="11955810" cy="6339567"/>
+              <a:chOff x="70755" y="167369"/>
+              <a:chExt cx="11955810" cy="6339567"/>
+            </a:xfrm>
+          </p:grpSpPr>
+          <p:grpSp>
+            <p:nvGrpSpPr>
+              <p:cNvPr id="4" name="Agrupar 3">
+                <a:extLst>
+                  <a:ext uri="{FF2B5EF4-FFF2-40B4-BE49-F238E27FC236}">
+                    <a16:creationId xmlns:a16="http://schemas.microsoft.com/office/drawing/2014/main" id="{878DE1DE-BC3D-4063-8B14-25C9344C77FD}"/>
+                  </a:ext>
+                </a:extLst>
+              </p:cNvPr>
+              <p:cNvGrpSpPr/>
+              <p:nvPr/>
+            </p:nvGrpSpPr>
+            <p:grpSpPr>
+              <a:xfrm>
+                <a:off x="70757" y="167369"/>
+                <a:ext cx="6110026" cy="1930852"/>
+                <a:chOff x="1948543" y="1939019"/>
+                <a:chExt cx="8411633" cy="2624818"/>
+              </a:xfrm>
+            </p:grpSpPr>
+            <p:grpSp>
+              <p:nvGrpSpPr>
+                <p:cNvPr id="5" name="Agrupar 4">
+                  <a:extLst>
+                    <a:ext uri="{FF2B5EF4-FFF2-40B4-BE49-F238E27FC236}">
+                      <a16:creationId xmlns:a16="http://schemas.microsoft.com/office/drawing/2014/main" id="{97D44B02-D2A1-4F7D-A41B-C2FA14E78FD0}"/>
+                    </a:ext>
+                  </a:extLst>
+                </p:cNvPr>
+                <p:cNvGrpSpPr/>
+                <p:nvPr/>
+              </p:nvGrpSpPr>
+              <p:grpSpPr>
+                <a:xfrm>
+                  <a:off x="1948543" y="1939019"/>
+                  <a:ext cx="8411633" cy="2624818"/>
+                  <a:chOff x="1948543" y="2016580"/>
+                  <a:chExt cx="8411633" cy="2624818"/>
+                </a:xfrm>
+              </p:grpSpPr>
+              <p:sp>
+                <p:nvSpPr>
+                  <p:cNvPr id="7" name="Retângulo arredondado 50">
+                    <a:extLst>
+                      <a:ext uri="{FF2B5EF4-FFF2-40B4-BE49-F238E27FC236}">
+                        <a16:creationId xmlns:a16="http://schemas.microsoft.com/office/drawing/2014/main" id="{166A7AB2-1228-4F71-894D-B2886540C7B4}"/>
+                      </a:ext>
+                    </a:extLst>
+                  </p:cNvPr>
+                  <p:cNvSpPr/>
+                  <p:nvPr/>
+                </p:nvSpPr>
+                <p:spPr>
+                  <a:xfrm>
+                    <a:off x="1948543" y="2016580"/>
+                    <a:ext cx="8294913" cy="2624818"/>
+                  </a:xfrm>
+                  <a:prstGeom prst="roundRect">
+                    <a:avLst/>
+                  </a:prstGeom>
+                  <a:noFill/>
+                  <a:ln w="28575" cmpd="sng">
+                    <a:solidFill>
+                      <a:schemeClr val="tx1"/>
+                    </a:solidFill>
+                    <a:prstDash val="solid"/>
+                  </a:ln>
+                </p:spPr>
+                <p:style>
+                  <a:lnRef idx="2">
+                    <a:schemeClr val="accent1">
+                      <a:shade val="50000"/>
+                    </a:schemeClr>
+                  </a:lnRef>
+                  <a:fillRef idx="1">
+                    <a:schemeClr val="accent1"/>
+                  </a:fillRef>
+                  <a:effectRef idx="0">
+                    <a:schemeClr val="accent1"/>
+                  </a:effectRef>
+                  <a:fontRef idx="minor">
+                    <a:schemeClr val="lt1"/>
+                  </a:fontRef>
+                </p:style>
+                <p:txBody>
+                  <a:bodyPr rtlCol="0" anchor="ctr"/>
+                  <a:lstStyle/>
+                  <a:p>
+                    <a:pPr algn="ctr"/>
+                    <a:endParaRPr lang="pt-BR" altLang="en-US" dirty="0"/>
+                  </a:p>
+                </p:txBody>
+              </p:sp>
+              <p:grpSp>
+                <p:nvGrpSpPr>
+                  <p:cNvPr id="8" name="Agrupar 7">
+                    <a:extLst>
+                      <a:ext uri="{FF2B5EF4-FFF2-40B4-BE49-F238E27FC236}">
+                        <a16:creationId xmlns:a16="http://schemas.microsoft.com/office/drawing/2014/main" id="{CD43C392-574E-4F5B-B2DF-67A046DBDFCF}"/>
+                      </a:ext>
+                    </a:extLst>
+                  </p:cNvPr>
+                  <p:cNvGrpSpPr/>
+                  <p:nvPr/>
+                </p:nvGrpSpPr>
+                <p:grpSpPr>
+                  <a:xfrm>
+                    <a:off x="2160873" y="2539529"/>
+                    <a:ext cx="7870253" cy="1769719"/>
+                    <a:chOff x="2160873" y="2539529"/>
+                    <a:chExt cx="7870253" cy="1769719"/>
+                  </a:xfrm>
+                </p:grpSpPr>
+                <p:pic>
+                  <p:nvPicPr>
+                    <p:cNvPr id="11" name="Imagem 10">
+                      <a:extLst>
+                        <a:ext uri="{FF2B5EF4-FFF2-40B4-BE49-F238E27FC236}">
+                          <a16:creationId xmlns:a16="http://schemas.microsoft.com/office/drawing/2014/main" id="{A39C3845-7E6E-4F43-92F3-286FF6FF622F}"/>
+                        </a:ext>
+                      </a:extLst>
+                    </p:cNvPr>
+                    <p:cNvPicPr>
+                      <a:picLocks noChangeAspect="1"/>
+                    </p:cNvPicPr>
+                    <p:nvPr/>
+                  </p:nvPicPr>
+                  <p:blipFill rotWithShape="1">
+                    <a:blip r:embed="rId7" cstate="print">
+                      <a:extLst>
+                        <a:ext uri="{BEBA8EAE-BF5A-486C-A8C5-ECC9F3942E4B}">
+                          <a14:imgProps xmlns:a14="http://schemas.microsoft.com/office/drawing/2010/main">
+                            <a14:imgLayer r:embed="rId8">
+                              <a14:imgEffect>
+                                <a14:backgroundRemoval t="21852" b="77870" l="30400" r="71000">
+                                  <a14:foregroundMark x1="50300" y1="35926" x2="50300" y2="35926"/>
+                                  <a14:foregroundMark x1="39700" y1="33056" x2="44500" y2="31204"/>
+                                  <a14:foregroundMark x1="45700" y1="30833" x2="49900" y2="30278"/>
+                                  <a14:foregroundMark x1="51700" y1="30463" x2="55200" y2="30648"/>
+                                  <a14:foregroundMark x1="36200" y1="27222" x2="41000" y2="25278"/>
+                                  <a14:foregroundMark x1="43500" y1="56296" x2="50300" y2="56852"/>
+                                  <a14:foregroundMark x1="45300" y1="72593" x2="45300" y2="72593"/>
+                                  <a14:foregroundMark x1="48000" y1="73241" x2="48000" y2="73241"/>
+                                  <a14:foregroundMark x1="50800" y1="73426" x2="50800" y2="73426"/>
+                                  <a14:foregroundMark x1="53000" y1="73981" x2="53000" y2="73981"/>
+                                  <a14:foregroundMark x1="55800" y1="73704" x2="55800" y2="73704"/>
+                                  <a14:foregroundMark x1="44600" y1="74259" x2="44600" y2="74259"/>
+                                  <a14:backgroundMark x1="53700" y1="73981" x2="53700" y2="73981"/>
+                                  <a14:backgroundMark x1="56500" y1="73056" x2="56500" y2="73056"/>
+                                </a14:backgroundRemoval>
+                              </a14:imgEffect>
+                            </a14:imgLayer>
+                          </a14:imgProps>
+                        </a:ext>
+                        <a:ext uri="{28A0092B-C50C-407E-A947-70E740481C1C}">
+                          <a14:useLocalDpi xmlns:a14="http://schemas.microsoft.com/office/drawing/2010/main" val="0"/>
+                        </a:ext>
+                      </a:extLst>
+                    </a:blip>
+                    <a:srcRect l="30757" t="69152" r="26553" b="23094"/>
+                    <a:stretch/>
+                  </p:blipFill>
+                  <p:spPr>
+                    <a:xfrm>
+                      <a:off x="2160873" y="3969427"/>
+                      <a:ext cx="1570206" cy="308050"/>
+                    </a:xfrm>
+                    <a:prstGeom prst="rect">
+                      <a:avLst/>
+                    </a:prstGeom>
+                  </p:spPr>
+                </p:pic>
+                <p:grpSp>
+                  <p:nvGrpSpPr>
+                    <p:cNvPr id="12" name="Agrupar 11">
+                      <a:extLst>
+                        <a:ext uri="{FF2B5EF4-FFF2-40B4-BE49-F238E27FC236}">
+                          <a16:creationId xmlns:a16="http://schemas.microsoft.com/office/drawing/2014/main" id="{74A51819-BFD5-403C-8A87-EB7E1082CA6A}"/>
+                        </a:ext>
+                      </a:extLst>
+                    </p:cNvPr>
+                    <p:cNvGrpSpPr/>
+                    <p:nvPr/>
+                  </p:nvGrpSpPr>
+                  <p:grpSpPr>
+                    <a:xfrm>
+                      <a:off x="7821385" y="2651505"/>
+                      <a:ext cx="2209741" cy="1543050"/>
+                      <a:chOff x="7669044" y="2669721"/>
+                      <a:chExt cx="2209741" cy="1543050"/>
+                    </a:xfrm>
+                  </p:grpSpPr>
+                  <p:pic>
+                    <p:nvPicPr>
+                      <p:cNvPr id="17" name="Imagem 16">
+                        <a:extLst>
+                          <a:ext uri="{FF2B5EF4-FFF2-40B4-BE49-F238E27FC236}">
+                            <a16:creationId xmlns:a16="http://schemas.microsoft.com/office/drawing/2014/main" id="{CB01797E-A91A-4FFD-AA2B-28F7A4F2DD09}"/>
+                          </a:ext>
+                        </a:extLst>
+                      </p:cNvPr>
+                      <p:cNvPicPr>
+                        <a:picLocks noChangeAspect="1"/>
+                      </p:cNvPicPr>
+                      <p:nvPr/>
+                    </p:nvPicPr>
+                    <p:blipFill rotWithShape="1">
+                      <a:blip r:embed="rId9">
+                        <a:extLst>
+                          <a:ext uri="{28A0092B-C50C-407E-A947-70E740481C1C}">
+                            <a14:useLocalDpi xmlns:a14="http://schemas.microsoft.com/office/drawing/2010/main" val="0"/>
+                          </a:ext>
+                        </a:extLst>
+                      </a:blip>
+                      <a:srcRect l="4378" t="7096" r="5364" b="5712"/>
+                      <a:stretch/>
+                    </p:blipFill>
+                    <p:spPr>
+                      <a:xfrm>
+                        <a:off x="7669044" y="2669721"/>
+                        <a:ext cx="2209741" cy="1543050"/>
+                      </a:xfrm>
+                      <a:prstGeom prst="rect">
+                        <a:avLst/>
+                      </a:prstGeom>
+                    </p:spPr>
+                  </p:pic>
+                  <p:pic>
+                    <p:nvPicPr>
+                      <p:cNvPr id="18" name="Imagem 17">
+                        <a:extLst>
+                          <a:ext uri="{FF2B5EF4-FFF2-40B4-BE49-F238E27FC236}">
+                            <a16:creationId xmlns:a16="http://schemas.microsoft.com/office/drawing/2014/main" id="{304E74CF-4952-48FD-8218-D21EFD7C92A4}"/>
+                          </a:ext>
+                        </a:extLst>
+                      </p:cNvPr>
+                      <p:cNvPicPr>
+                        <a:picLocks noChangeAspect="1"/>
+                      </p:cNvPicPr>
+                      <p:nvPr/>
+                    </p:nvPicPr>
+                    <p:blipFill rotWithShape="1">
+                      <a:blip r:embed="rId5">
+                        <a:extLst>
+                          <a:ext uri="{28A0092B-C50C-407E-A947-70E740481C1C}">
+                            <a14:useLocalDpi xmlns:a14="http://schemas.microsoft.com/office/drawing/2010/main" val="0"/>
+                          </a:ext>
+                        </a:extLst>
+                      </a:blip>
+                      <a:srcRect t="20701" b="32849"/>
+                      <a:stretch/>
+                    </p:blipFill>
+                    <p:spPr>
+                      <a:xfrm>
+                        <a:off x="8485947" y="2886596"/>
+                        <a:ext cx="1152820" cy="524016"/>
+                      </a:xfrm>
+                      <a:prstGeom prst="rect">
+                        <a:avLst/>
+                      </a:prstGeom>
+                    </p:spPr>
+                  </p:pic>
+                </p:grpSp>
+                <p:grpSp>
+                  <p:nvGrpSpPr>
+                    <p:cNvPr id="13" name="Agrupar 12">
+                      <a:extLst>
+                        <a:ext uri="{FF2B5EF4-FFF2-40B4-BE49-F238E27FC236}">
+                          <a16:creationId xmlns:a16="http://schemas.microsoft.com/office/drawing/2014/main" id="{D31F9704-CA69-4685-ADB5-7510CB57616D}"/>
+                        </a:ext>
+                      </a:extLst>
+                    </p:cNvPr>
+                    <p:cNvGrpSpPr/>
+                    <p:nvPr/>
+                  </p:nvGrpSpPr>
+                  <p:grpSpPr>
+                    <a:xfrm>
+                      <a:off x="3641104" y="2539529"/>
+                      <a:ext cx="4180281" cy="1769719"/>
+                      <a:chOff x="3641104" y="2539529"/>
+                      <a:chExt cx="4180281" cy="1769719"/>
+                    </a:xfrm>
+                  </p:grpSpPr>
+                  <p:pic>
+                    <p:nvPicPr>
+                      <p:cNvPr id="14" name="Imagem 13">
+                        <a:extLst>
+                          <a:ext uri="{FF2B5EF4-FFF2-40B4-BE49-F238E27FC236}">
+                            <a16:creationId xmlns:a16="http://schemas.microsoft.com/office/drawing/2014/main" id="{530E4512-3A3C-4E70-875D-36824CBF6CC2}"/>
+                          </a:ext>
+                        </a:extLst>
+                      </p:cNvPr>
+                      <p:cNvPicPr>
+                        <a:picLocks noChangeAspect="1"/>
+                      </p:cNvPicPr>
+                      <p:nvPr/>
+                    </p:nvPicPr>
+                    <p:blipFill>
+                      <a:blip r:embed="rId10" cstate="print">
+                        <a:extLst>
+                          <a:ext uri="{28A0092B-C50C-407E-A947-70E740481C1C}">
+                            <a14:useLocalDpi xmlns:a14="http://schemas.microsoft.com/office/drawing/2010/main" val="0"/>
+                          </a:ext>
+                        </a:extLst>
+                      </a:blip>
+                      <a:stretch>
+                        <a:fillRect/>
+                      </a:stretch>
+                    </p:blipFill>
+                    <p:spPr>
+                      <a:xfrm>
+                        <a:off x="4699861" y="2539529"/>
+                        <a:ext cx="2317381" cy="1769719"/>
+                      </a:xfrm>
+                      <a:prstGeom prst="rect">
+                        <a:avLst/>
+                      </a:prstGeom>
+                    </p:spPr>
+                  </p:pic>
+                  <p:cxnSp>
+                    <p:nvCxnSpPr>
+                      <p:cNvPr id="15" name="Conector de Seta Reta 14">
+                        <a:extLst>
+                          <a:ext uri="{FF2B5EF4-FFF2-40B4-BE49-F238E27FC236}">
+                            <a16:creationId xmlns:a16="http://schemas.microsoft.com/office/drawing/2014/main" id="{3843516F-45DA-4D29-B594-6AA6E1191197}"/>
+                          </a:ext>
+                        </a:extLst>
+                      </p:cNvPr>
+                      <p:cNvCxnSpPr>
+                        <a:cxnSpLocks/>
+                        <a:stCxn id="14" idx="3"/>
+                        <a:endCxn id="17" idx="1"/>
+                      </p:cNvCxnSpPr>
+                      <p:nvPr/>
+                    </p:nvCxnSpPr>
+                    <p:spPr>
+                      <a:xfrm flipV="1">
+                        <a:off x="7017242" y="3423030"/>
+                        <a:ext cx="804143" cy="1359"/>
+                      </a:xfrm>
+                      <a:prstGeom prst="straightConnector1">
+                        <a:avLst/>
+                      </a:prstGeom>
+                      <a:ln w="28575" cmpd="sng">
+                        <a:solidFill>
+                          <a:schemeClr val="tx1"/>
+                        </a:solidFill>
+                        <a:prstDash val="sysDash"/>
+                        <a:tailEnd type="arrow"/>
+                      </a:ln>
+                    </p:spPr>
+                    <p:style>
+                      <a:lnRef idx="1">
+                        <a:schemeClr val="accent1"/>
+                      </a:lnRef>
+                      <a:fillRef idx="0">
+                        <a:schemeClr val="accent1"/>
+                      </a:fillRef>
+                      <a:effectRef idx="0">
+                        <a:schemeClr val="accent1"/>
+                      </a:effectRef>
+                      <a:fontRef idx="minor">
+                        <a:schemeClr val="tx1"/>
+                      </a:fontRef>
+                    </p:style>
+                  </p:cxnSp>
+                  <p:cxnSp>
+                    <p:nvCxnSpPr>
+                      <p:cNvPr id="16" name="Conector de Seta Reta 15">
+                        <a:extLst>
+                          <a:ext uri="{FF2B5EF4-FFF2-40B4-BE49-F238E27FC236}">
+                            <a16:creationId xmlns:a16="http://schemas.microsoft.com/office/drawing/2014/main" id="{1DCCE984-010F-47A4-82C1-C8FBD7A68CB1}"/>
+                          </a:ext>
+                        </a:extLst>
+                      </p:cNvPr>
+                      <p:cNvCxnSpPr>
+                        <a:cxnSpLocks/>
+                        <a:endCxn id="14" idx="1"/>
+                      </p:cNvCxnSpPr>
+                      <p:nvPr/>
+                    </p:nvCxnSpPr>
+                    <p:spPr>
+                      <a:xfrm>
+                        <a:off x="3641104" y="3424389"/>
+                        <a:ext cx="1058757" cy="0"/>
+                      </a:xfrm>
+                      <a:prstGeom prst="straightConnector1">
+                        <a:avLst/>
+                      </a:prstGeom>
+                      <a:ln w="28575" cmpd="sng">
+                        <a:solidFill>
+                          <a:schemeClr val="tx1"/>
+                        </a:solidFill>
+                        <a:prstDash val="sysDash"/>
+                        <a:tailEnd type="arrow"/>
+                      </a:ln>
+                    </p:spPr>
+                    <p:style>
+                      <a:lnRef idx="1">
+                        <a:schemeClr val="accent1"/>
+                      </a:lnRef>
+                      <a:fillRef idx="0">
+                        <a:schemeClr val="accent1"/>
+                      </a:fillRef>
+                      <a:effectRef idx="0">
+                        <a:schemeClr val="accent1"/>
+                      </a:effectRef>
+                      <a:fontRef idx="minor">
+                        <a:schemeClr val="tx1"/>
+                      </a:fontRef>
+                    </p:style>
+                  </p:cxnSp>
+                </p:grpSp>
+              </p:grpSp>
+              <p:sp>
+                <p:nvSpPr>
+                  <p:cNvPr id="9" name="CaixaDeTexto 8">
+                    <a:extLst>
+                      <a:ext uri="{FF2B5EF4-FFF2-40B4-BE49-F238E27FC236}">
+                        <a16:creationId xmlns:a16="http://schemas.microsoft.com/office/drawing/2014/main" id="{21BC4FE9-68AA-4A99-ADAD-8FF6F247579D}"/>
+                      </a:ext>
+                    </a:extLst>
+                  </p:cNvPr>
+                  <p:cNvSpPr txBox="1"/>
+                  <p:nvPr/>
+                </p:nvSpPr>
+                <p:spPr>
+                  <a:xfrm>
+                    <a:off x="9182526" y="2065918"/>
+                    <a:ext cx="1177650" cy="418395"/>
+                  </a:xfrm>
+                  <a:prstGeom prst="rect">
+                    <a:avLst/>
+                  </a:prstGeom>
+                  <a:noFill/>
+                </p:spPr>
+                <p:txBody>
+                  <a:bodyPr wrap="square" rtlCol="0">
+                    <a:spAutoFit/>
+                  </a:bodyPr>
+                  <a:lstStyle/>
+                  <a:p>
+                    <a:r>
+                      <a:rPr lang="pt-BR" sz="1400" b="1" dirty="0">
+                        <a:latin typeface="+mj-lt"/>
+                      </a:rPr>
+                      <a:t>Local</a:t>
+                    </a:r>
+                  </a:p>
+                </p:txBody>
+              </p:sp>
+              <p:sp>
+                <p:nvSpPr>
+                  <p:cNvPr id="10" name="CaixaDeTexto 9">
+                    <a:extLst>
+                      <a:ext uri="{FF2B5EF4-FFF2-40B4-BE49-F238E27FC236}">
+                        <a16:creationId xmlns:a16="http://schemas.microsoft.com/office/drawing/2014/main" id="{1DFCE42B-53AB-4A57-9AC5-F7ABE714A789}"/>
+                      </a:ext>
+                    </a:extLst>
+                  </p:cNvPr>
+                  <p:cNvSpPr txBox="1"/>
+                  <p:nvPr/>
+                </p:nvSpPr>
+                <p:spPr>
+                  <a:xfrm>
+                    <a:off x="4837434" y="2066220"/>
+                    <a:ext cx="2517129" cy="418395"/>
+                  </a:xfrm>
+                  <a:prstGeom prst="rect">
+                    <a:avLst/>
+                  </a:prstGeom>
+                  <a:noFill/>
+                </p:spPr>
+                <p:txBody>
+                  <a:bodyPr wrap="square" rtlCol="0">
+                    <a:spAutoFit/>
+                  </a:bodyPr>
+                  <a:lstStyle/>
+                  <a:p>
+                    <a:r>
+                      <a:rPr lang="pt-BR" sz="1400" b="1" dirty="0">
+                        <a:latin typeface="+mj-lt"/>
+                      </a:rPr>
+                      <a:t>Sensor Virtual</a:t>
+                    </a:r>
+                  </a:p>
+                </p:txBody>
+              </p:sp>
+            </p:grpSp>
+            <p:pic>
+              <p:nvPicPr>
+                <p:cNvPr id="6" name="Imagem 5">
+                  <a:extLst>
+                    <a:ext uri="{FF2B5EF4-FFF2-40B4-BE49-F238E27FC236}">
+                      <a16:creationId xmlns:a16="http://schemas.microsoft.com/office/drawing/2014/main" id="{2D6C8577-A497-4BD5-9B29-ED7FAE2A7991}"/>
+                    </a:ext>
+                  </a:extLst>
+                </p:cNvPr>
+                <p:cNvPicPr>
+                  <a:picLocks noChangeAspect="1"/>
+                </p:cNvPicPr>
+                <p:nvPr/>
+              </p:nvPicPr>
+              <p:blipFill rotWithShape="1">
+                <a:blip r:embed="rId11" cstate="print">
+                  <a:extLst>
+                    <a:ext uri="{BEBA8EAE-BF5A-486C-A8C5-ECC9F3942E4B}">
+                      <a14:imgProps xmlns:a14="http://schemas.microsoft.com/office/drawing/2010/main">
+                        <a14:imgLayer r:embed="rId12">
+                          <a14:imgEffect>
+                            <a14:backgroundRemoval t="21852" b="77870" l="30400" r="71000">
+                              <a14:foregroundMark x1="50300" y1="35926" x2="50300" y2="35926"/>
+                              <a14:foregroundMark x1="39700" y1="33056" x2="44500" y2="31204"/>
+                              <a14:foregroundMark x1="45700" y1="30833" x2="49900" y2="30278"/>
+                              <a14:foregroundMark x1="51700" y1="30463" x2="55200" y2="30648"/>
+                              <a14:foregroundMark x1="36200" y1="27222" x2="41000" y2="25278"/>
+                              <a14:foregroundMark x1="43500" y1="56296" x2="50300" y2="56852"/>
+                              <a14:foregroundMark x1="45300" y1="72593" x2="45300" y2="72593"/>
+                              <a14:foregroundMark x1="48000" y1="73241" x2="48000" y2="73241"/>
+                              <a14:foregroundMark x1="50800" y1="73426" x2="50800" y2="73426"/>
+                              <a14:foregroundMark x1="53000" y1="73981" x2="53000" y2="73981"/>
+                              <a14:foregroundMark x1="55800" y1="73704" x2="55800" y2="73704"/>
+                              <a14:foregroundMark x1="44600" y1="74259" x2="44600" y2="74259"/>
+                              <a14:backgroundMark x1="53700" y1="73981" x2="53700" y2="73981"/>
+                              <a14:backgroundMark x1="56500" y1="73056" x2="56500" y2="73056"/>
+                            </a14:backgroundRemoval>
+                          </a14:imgEffect>
+                        </a14:imgLayer>
+                      </a14:imgProps>
+                    </a:ext>
+                    <a:ext uri="{28A0092B-C50C-407E-A947-70E740481C1C}">
+                      <a14:useLocalDpi xmlns:a14="http://schemas.microsoft.com/office/drawing/2010/main" val="0"/>
+                    </a:ext>
+                  </a:extLst>
+                </a:blip>
+                <a:srcRect l="30757" t="21786" r="29000" b="33665"/>
+                <a:stretch/>
+              </p:blipFill>
+              <p:spPr>
+                <a:xfrm>
+                  <a:off x="2160873" y="2276172"/>
+                  <a:ext cx="1480230" cy="1769719"/>
+                </a:xfrm>
+                <a:prstGeom prst="rect">
+                  <a:avLst/>
+                </a:prstGeom>
+              </p:spPr>
+            </p:pic>
+          </p:grpSp>
+          <p:sp>
+            <p:nvSpPr>
+              <p:cNvPr id="19" name="Retângulo arredondado 50">
+                <a:extLst>
+                  <a:ext uri="{FF2B5EF4-FFF2-40B4-BE49-F238E27FC236}">
+                    <a16:creationId xmlns:a16="http://schemas.microsoft.com/office/drawing/2014/main" id="{B2088FF4-0C9A-41C5-86E9-CD021C87CE42}"/>
+                  </a:ext>
+                </a:extLst>
+              </p:cNvPr>
+              <p:cNvSpPr/>
+              <p:nvPr/>
+            </p:nvSpPr>
+            <p:spPr>
+              <a:xfrm>
+                <a:off x="70755" y="2565280"/>
+                <a:ext cx="6025243" cy="3941656"/>
+              </a:xfrm>
+              <a:prstGeom prst="roundRect">
+                <a:avLst/>
+              </a:prstGeom>
+              <a:noFill/>
+              <a:ln w="28575" cmpd="sng">
+                <a:solidFill>
+                  <a:schemeClr val="tx1"/>
+                </a:solidFill>
+                <a:prstDash val="solid"/>
+              </a:ln>
+            </p:spPr>
+            <p:style>
+              <a:lnRef idx="2">
+                <a:schemeClr val="accent1">
+                  <a:shade val="50000"/>
+                </a:schemeClr>
+              </a:lnRef>
+              <a:fillRef idx="1">
+                <a:schemeClr val="accent1"/>
+              </a:fillRef>
+              <a:effectRef idx="0">
+                <a:schemeClr val="accent1"/>
+              </a:effectRef>
+              <a:fontRef idx="minor">
+                <a:schemeClr val="lt1"/>
+              </a:fontRef>
+            </p:style>
+            <p:txBody>
+              <a:bodyPr rtlCol="0" anchor="ctr"/>
+              <a:lstStyle/>
+              <a:p>
+                <a:pPr algn="ctr"/>
+                <a:endParaRPr lang="pt-BR" altLang="en-US" dirty="0"/>
+              </a:p>
+            </p:txBody>
+          </p:sp>
+          <p:sp>
+            <p:nvSpPr>
+              <p:cNvPr id="21" name="CaixaDeTexto 20">
+                <a:extLst>
+                  <a:ext uri="{FF2B5EF4-FFF2-40B4-BE49-F238E27FC236}">
+                    <a16:creationId xmlns:a16="http://schemas.microsoft.com/office/drawing/2014/main" id="{DD2E2F45-82D3-4CCD-A6DE-E86EC8744FEA}"/>
+                  </a:ext>
+                </a:extLst>
+              </p:cNvPr>
+              <p:cNvSpPr txBox="1"/>
+              <p:nvPr/>
+            </p:nvSpPr>
+            <p:spPr>
+              <a:xfrm>
+                <a:off x="5240579" y="2694005"/>
+                <a:ext cx="855419" cy="307777"/>
+              </a:xfrm>
+              <a:prstGeom prst="rect">
+                <a:avLst/>
+              </a:prstGeom>
+              <a:noFill/>
+            </p:spPr>
+            <p:txBody>
+              <a:bodyPr wrap="square" rtlCol="0">
+                <a:spAutoFit/>
+              </a:bodyPr>
+              <a:lstStyle/>
+              <a:p>
+                <a:r>
+                  <a:rPr lang="pt-BR" sz="1400" b="1" dirty="0">
+                    <a:latin typeface="+mj-lt"/>
+                  </a:rPr>
+                  <a:t>Cloud</a:t>
+                </a:r>
+              </a:p>
+            </p:txBody>
+          </p:sp>
+          <p:cxnSp>
+            <p:nvCxnSpPr>
+              <p:cNvPr id="22" name="Conector de Seta Reta 21">
+                <a:extLst>
+                  <a:ext uri="{FF2B5EF4-FFF2-40B4-BE49-F238E27FC236}">
+                    <a16:creationId xmlns:a16="http://schemas.microsoft.com/office/drawing/2014/main" id="{91E3B499-98D4-47AB-A77F-C109053568E6}"/>
+                  </a:ext>
+                </a:extLst>
+              </p:cNvPr>
+              <p:cNvCxnSpPr>
+                <a:cxnSpLocks/>
+                <a:stCxn id="17" idx="2"/>
+              </p:cNvCxnSpPr>
+              <p:nvPr/>
+            </p:nvCxnSpPr>
+            <p:spPr>
+              <a:xfrm>
+                <a:off x="5139215" y="1769516"/>
+                <a:ext cx="0" cy="1047163"/>
+              </a:xfrm>
+              <a:prstGeom prst="straightConnector1">
+                <a:avLst/>
+              </a:prstGeom>
+              <a:ln w="28575" cmpd="sng">
+                <a:solidFill>
+                  <a:schemeClr val="tx1"/>
+                </a:solidFill>
+                <a:prstDash val="sysDash"/>
+                <a:tailEnd type="arrow"/>
+              </a:ln>
+            </p:spPr>
+            <p:style>
+              <a:lnRef idx="1">
+                <a:schemeClr val="accent1"/>
+              </a:lnRef>
+              <a:fillRef idx="0">
+                <a:schemeClr val="accent1"/>
+              </a:fillRef>
+              <a:effectRef idx="0">
+                <a:schemeClr val="accent1"/>
+              </a:effectRef>
+              <a:fontRef idx="minor">
+                <a:schemeClr val="tx1"/>
+              </a:fontRef>
+            </p:style>
+          </p:cxnSp>
+          <p:sp>
+            <p:nvSpPr>
+              <p:cNvPr id="27" name="CaixaDeTexto 26">
+                <a:extLst>
+                  <a:ext uri="{FF2B5EF4-FFF2-40B4-BE49-F238E27FC236}">
+                    <a16:creationId xmlns:a16="http://schemas.microsoft.com/office/drawing/2014/main" id="{3E088906-E52B-4140-B5BB-9AD9F8327DA0}"/>
+                  </a:ext>
+                </a:extLst>
+              </p:cNvPr>
+              <p:cNvSpPr txBox="1"/>
+              <p:nvPr/>
+            </p:nvSpPr>
+            <p:spPr>
+              <a:xfrm>
+                <a:off x="5102114" y="1796614"/>
+                <a:ext cx="493235" cy="261610"/>
+              </a:xfrm>
+              <a:prstGeom prst="rect">
+                <a:avLst/>
+              </a:prstGeom>
+              <a:noFill/>
+            </p:spPr>
+            <p:txBody>
+              <a:bodyPr wrap="square" rtlCol="0">
+                <a:spAutoFit/>
+              </a:bodyPr>
+              <a:lstStyle/>
+              <a:p>
+                <a:r>
+                  <a:rPr lang="pt-BR" sz="1100" dirty="0"/>
+                  <a:t>API</a:t>
+                </a:r>
+              </a:p>
+            </p:txBody>
+          </p:sp>
+          <p:pic>
+            <p:nvPicPr>
+              <p:cNvPr id="29" name="Imagem 28">
+                <a:extLst>
+                  <a:ext uri="{FF2B5EF4-FFF2-40B4-BE49-F238E27FC236}">
+                    <a16:creationId xmlns:a16="http://schemas.microsoft.com/office/drawing/2014/main" id="{372E2E04-86E1-4681-9CDE-88604A697242}"/>
+                  </a:ext>
+                </a:extLst>
+              </p:cNvPr>
+              <p:cNvPicPr>
+                <a:picLocks noChangeAspect="1"/>
+              </p:cNvPicPr>
+              <p:nvPr/>
+            </p:nvPicPr>
+            <p:blipFill>
+              <a:blip r:embed="rId13" cstate="print">
+                <a:extLst>
+                  <a:ext uri="{28A0092B-C50C-407E-A947-70E740481C1C}">
+                    <a14:useLocalDpi xmlns:a14="http://schemas.microsoft.com/office/drawing/2010/main" val="0"/>
+                  </a:ext>
+                </a:extLst>
+              </a:blip>
+              <a:stretch>
+                <a:fillRect/>
+              </a:stretch>
+            </p:blipFill>
+            <p:spPr>
+              <a:xfrm>
+                <a:off x="3805454" y="2596807"/>
+                <a:ext cx="1417414" cy="809951"/>
+              </a:xfrm>
+              <a:prstGeom prst="rect">
+                <a:avLst/>
+              </a:prstGeom>
+            </p:spPr>
+          </p:pic>
+          <p:sp>
+            <p:nvSpPr>
+              <p:cNvPr id="55" name="Retângulo arredondado 50">
+                <a:extLst>
+                  <a:ext uri="{FF2B5EF4-FFF2-40B4-BE49-F238E27FC236}">
+                    <a16:creationId xmlns:a16="http://schemas.microsoft.com/office/drawing/2014/main" id="{C38B4AE0-0EC1-46E1-A309-B5E54D53385A}"/>
+                  </a:ext>
+                </a:extLst>
+              </p:cNvPr>
+              <p:cNvSpPr/>
+              <p:nvPr/>
+            </p:nvSpPr>
+            <p:spPr>
+              <a:xfrm>
+                <a:off x="6753093" y="2849714"/>
+                <a:ext cx="5273472" cy="3003940"/>
+              </a:xfrm>
+              <a:prstGeom prst="roundRect">
+                <a:avLst/>
+              </a:prstGeom>
+              <a:noFill/>
+              <a:ln w="28575" cmpd="sng">
+                <a:solidFill>
+                  <a:schemeClr val="tx1"/>
+                </a:solidFill>
+                <a:prstDash val="solid"/>
+              </a:ln>
+            </p:spPr>
+            <p:style>
+              <a:lnRef idx="2">
+                <a:schemeClr val="accent1">
+                  <a:shade val="50000"/>
+                </a:schemeClr>
+              </a:lnRef>
+              <a:fillRef idx="1">
+                <a:schemeClr val="accent1"/>
+              </a:fillRef>
+              <a:effectRef idx="0">
+                <a:schemeClr val="accent1"/>
+              </a:effectRef>
+              <a:fontRef idx="minor">
+                <a:schemeClr val="lt1"/>
+              </a:fontRef>
+            </p:style>
+            <p:txBody>
+              <a:bodyPr rtlCol="0" anchor="ctr"/>
+              <a:lstStyle/>
+              <a:p>
+                <a:pPr algn="ctr"/>
+                <a:endParaRPr lang="pt-BR" altLang="en-US" dirty="0"/>
+              </a:p>
+            </p:txBody>
+          </p:sp>
+          <p:cxnSp>
+            <p:nvCxnSpPr>
+              <p:cNvPr id="56" name="Conector de Seta Reta 55">
+                <a:extLst>
+                  <a:ext uri="{FF2B5EF4-FFF2-40B4-BE49-F238E27FC236}">
+                    <a16:creationId xmlns:a16="http://schemas.microsoft.com/office/drawing/2014/main" id="{79CEC7DC-B7BB-4850-81F4-15414FE03C99}"/>
+                  </a:ext>
+                </a:extLst>
+              </p:cNvPr>
+              <p:cNvCxnSpPr>
+                <a:cxnSpLocks/>
+              </p:cNvCxnSpPr>
+              <p:nvPr/>
+            </p:nvCxnSpPr>
+            <p:spPr>
+              <a:xfrm>
+                <a:off x="5987984" y="4556859"/>
+                <a:ext cx="1008809" cy="0"/>
+              </a:xfrm>
+              <a:prstGeom prst="straightConnector1">
+                <a:avLst/>
+              </a:prstGeom>
+              <a:ln w="28575" cmpd="sng">
+                <a:solidFill>
+                  <a:schemeClr val="tx1"/>
+                </a:solidFill>
+                <a:prstDash val="sysDash"/>
+                <a:tailEnd type="arrow"/>
+              </a:ln>
+            </p:spPr>
+            <p:style>
+              <a:lnRef idx="1">
+                <a:schemeClr val="accent1"/>
+              </a:lnRef>
+              <a:fillRef idx="0">
+                <a:schemeClr val="accent1"/>
+              </a:fillRef>
+              <a:effectRef idx="0">
+                <a:schemeClr val="accent1"/>
+              </a:effectRef>
+              <a:fontRef idx="minor">
+                <a:schemeClr val="tx1"/>
+              </a:fontRef>
+            </p:style>
+          </p:cxnSp>
+          <p:sp>
+            <p:nvSpPr>
+              <p:cNvPr id="62" name="CaixaDeTexto 61">
+                <a:extLst>
+                  <a:ext uri="{FF2B5EF4-FFF2-40B4-BE49-F238E27FC236}">
+                    <a16:creationId xmlns:a16="http://schemas.microsoft.com/office/drawing/2014/main" id="{7298DBB2-30D4-4C62-B080-C08316E37037}"/>
+                  </a:ext>
+                </a:extLst>
+              </p:cNvPr>
+              <p:cNvSpPr txBox="1"/>
+              <p:nvPr/>
+            </p:nvSpPr>
+            <p:spPr>
+              <a:xfrm>
+                <a:off x="11055853" y="2920139"/>
+                <a:ext cx="855419" cy="307777"/>
+              </a:xfrm>
+              <a:prstGeom prst="rect">
+                <a:avLst/>
+              </a:prstGeom>
+              <a:noFill/>
+            </p:spPr>
+            <p:txBody>
+              <a:bodyPr wrap="square" rtlCol="0">
+                <a:spAutoFit/>
+              </a:bodyPr>
+              <a:lstStyle/>
+              <a:p>
+                <a:r>
+                  <a:rPr lang="pt-BR" sz="1400" b="1" dirty="0">
+                    <a:latin typeface="+mj-lt"/>
+                  </a:rPr>
+                  <a:t>Usuário</a:t>
+                </a:r>
+              </a:p>
+            </p:txBody>
+          </p:sp>
+          <p:grpSp>
+            <p:nvGrpSpPr>
+              <p:cNvPr id="68" name="Agrupar 67">
+                <a:extLst>
+                  <a:ext uri="{FF2B5EF4-FFF2-40B4-BE49-F238E27FC236}">
+                    <a16:creationId xmlns:a16="http://schemas.microsoft.com/office/drawing/2014/main" id="{7085491E-FFE0-4120-81F7-41EB84C9A77E}"/>
+                  </a:ext>
+                </a:extLst>
+              </p:cNvPr>
+              <p:cNvGrpSpPr/>
+              <p:nvPr/>
+            </p:nvGrpSpPr>
+            <p:grpSpPr>
+              <a:xfrm>
+                <a:off x="7015931" y="2920139"/>
+                <a:ext cx="2711431" cy="1826733"/>
+                <a:chOff x="7015931" y="2920139"/>
+                <a:chExt cx="2711431" cy="1826733"/>
+              </a:xfrm>
+            </p:grpSpPr>
+            <p:pic>
+              <p:nvPicPr>
+                <p:cNvPr id="64" name="Imagem 63" descr="icon_pc">
+                  <a:extLst>
+                    <a:ext uri="{FF2B5EF4-FFF2-40B4-BE49-F238E27FC236}">
+                      <a16:creationId xmlns:a16="http://schemas.microsoft.com/office/drawing/2014/main" id="{1B190E78-4C81-4519-A682-78F0FB066844}"/>
+                    </a:ext>
+                  </a:extLst>
+                </p:cNvPr>
+                <p:cNvPicPr>
+                  <a:picLocks noChangeAspect="1"/>
+                </p:cNvPicPr>
+                <p:nvPr/>
+              </p:nvPicPr>
+              <p:blipFill>
+                <a:blip r:embed="rId9"/>
+                <a:stretch>
+                  <a:fillRect/>
+                </a:stretch>
+              </p:blipFill>
+              <p:spPr>
+                <a:xfrm>
+                  <a:off x="7015931" y="2920139"/>
+                  <a:ext cx="2711431" cy="1826733"/>
+                </a:xfrm>
+                <a:prstGeom prst="rect">
+                  <a:avLst/>
+                </a:prstGeom>
+              </p:spPr>
+            </p:pic>
+            <p:pic>
+              <p:nvPicPr>
+                <p:cNvPr id="65" name="Imagem 64" descr="icon_mapa">
+                  <a:extLst>
+                    <a:ext uri="{FF2B5EF4-FFF2-40B4-BE49-F238E27FC236}">
+                      <a16:creationId xmlns:a16="http://schemas.microsoft.com/office/drawing/2014/main" id="{5385C365-51CE-4DD2-95EC-4460B7179C77}"/>
+                    </a:ext>
+                  </a:extLst>
+                </p:cNvPr>
+                <p:cNvPicPr>
+                  <a:picLocks noChangeAspect="1"/>
+                </p:cNvPicPr>
+                <p:nvPr/>
+              </p:nvPicPr>
+              <p:blipFill>
+                <a:blip r:embed="rId14"/>
+                <a:stretch>
+                  <a:fillRect/>
+                </a:stretch>
+              </p:blipFill>
+              <p:spPr>
+                <a:xfrm>
+                  <a:off x="7845724" y="3108575"/>
+                  <a:ext cx="1540449" cy="944188"/>
+                </a:xfrm>
+                <a:prstGeom prst="roundRect">
+                  <a:avLst/>
+                </a:prstGeom>
+                <a:ln w="0">
+                  <a:solidFill>
+                    <a:schemeClr val="tx1"/>
+                  </a:solidFill>
+                </a:ln>
+              </p:spPr>
+            </p:pic>
+          </p:grpSp>
+          <p:grpSp>
+            <p:nvGrpSpPr>
+              <p:cNvPr id="69" name="Agrupar 68">
+                <a:extLst>
+                  <a:ext uri="{FF2B5EF4-FFF2-40B4-BE49-F238E27FC236}">
+                    <a16:creationId xmlns:a16="http://schemas.microsoft.com/office/drawing/2014/main" id="{F742872A-F291-4DE2-AF2A-8E33381C3AA8}"/>
+                  </a:ext>
+                </a:extLst>
+              </p:cNvPr>
+              <p:cNvGrpSpPr/>
+              <p:nvPr/>
+            </p:nvGrpSpPr>
+            <p:grpSpPr>
+              <a:xfrm>
+                <a:off x="10154360" y="3971584"/>
+                <a:ext cx="1564555" cy="1691420"/>
+                <a:chOff x="10154360" y="3971584"/>
+                <a:chExt cx="1564555" cy="1691420"/>
+              </a:xfrm>
+            </p:grpSpPr>
+            <p:pic>
+              <p:nvPicPr>
+                <p:cNvPr id="66" name="Imagem 65" descr="icon_celular">
+                  <a:extLst>
+                    <a:ext uri="{FF2B5EF4-FFF2-40B4-BE49-F238E27FC236}">
+                      <a16:creationId xmlns:a16="http://schemas.microsoft.com/office/drawing/2014/main" id="{D2F6249B-DE76-42C7-BD52-F66916BCE960}"/>
+                    </a:ext>
+                  </a:extLst>
+                </p:cNvPr>
+                <p:cNvPicPr>
+                  <a:picLocks noChangeAspect="1"/>
+                </p:cNvPicPr>
+                <p:nvPr/>
+              </p:nvPicPr>
+              <p:blipFill>
+                <a:blip r:embed="rId15">
+                  <a:clrChange>
+                    <a:clrFrom>
+                      <a:srgbClr val="FFFFFF">
+                        <a:alpha val="100000"/>
+                      </a:srgbClr>
+                    </a:clrFrom>
+                    <a:clrTo>
+                      <a:srgbClr val="FFFFFF">
+                        <a:alpha val="100000"/>
+                        <a:alpha val="0"/>
+                      </a:srgbClr>
+                    </a:clrTo>
+                  </a:clrChange>
+                </a:blip>
+                <a:stretch>
+                  <a:fillRect/>
+                </a:stretch>
+              </p:blipFill>
+              <p:spPr>
+                <a:xfrm>
+                  <a:off x="10154360" y="3971584"/>
+                  <a:ext cx="1564555" cy="1691420"/>
+                </a:xfrm>
+                <a:prstGeom prst="rect">
+                  <a:avLst/>
+                </a:prstGeom>
+              </p:spPr>
+            </p:pic>
+            <p:pic>
+              <p:nvPicPr>
+                <p:cNvPr id="67" name="Imagem 66" descr="icon_mapa">
+                  <a:extLst>
+                    <a:ext uri="{FF2B5EF4-FFF2-40B4-BE49-F238E27FC236}">
+                      <a16:creationId xmlns:a16="http://schemas.microsoft.com/office/drawing/2014/main" id="{FC6CBAC3-6980-459B-B871-5464B8D57CD6}"/>
+                    </a:ext>
+                  </a:extLst>
+                </p:cNvPr>
+                <p:cNvPicPr>
+                  <a:picLocks noChangeAspect="1"/>
+                </p:cNvPicPr>
+                <p:nvPr/>
+              </p:nvPicPr>
+              <p:blipFill>
+                <a:blip r:embed="rId14"/>
+                <a:stretch>
+                  <a:fillRect/>
+                </a:stretch>
+              </p:blipFill>
+              <p:spPr>
+                <a:xfrm>
+                  <a:off x="10593826" y="4153004"/>
+                  <a:ext cx="691649" cy="1173720"/>
+                </a:xfrm>
+                <a:prstGeom prst="rect">
+                  <a:avLst/>
+                </a:prstGeom>
+                <a:ln w="0">
+                  <a:solidFill>
+                    <a:schemeClr val="tx1"/>
+                  </a:solidFill>
+                </a:ln>
+              </p:spPr>
+            </p:pic>
+          </p:grpSp>
+        </p:grpSp>
+      </p:grpSp>
+    </p:spTree>
+    <p:extLst>
+      <p:ext uri="{BB962C8B-B14F-4D97-AF65-F5344CB8AC3E}">
+        <p14:creationId xmlns:p14="http://schemas.microsoft.com/office/powerpoint/2010/main" val="3248713380"/>
+      </p:ext>
+    </p:extLst>
   </p:cSld>
   <p:clrMapOvr>
     <a:masterClrMapping/>

--- a/documentação/img projeto/HLE_LLD.pptx
+++ b/documentação/img projeto/HLE_LLD.pptx
@@ -7,9 +7,9 @@
   <p:sldIdLst>
     <p:sldId id="258" r:id="rId2"/>
     <p:sldId id="256" r:id="rId3"/>
-    <p:sldId id="261" r:id="rId4"/>
-    <p:sldId id="262" r:id="rId5"/>
-    <p:sldId id="263" r:id="rId6"/>
+    <p:sldId id="263" r:id="rId4"/>
+    <p:sldId id="261" r:id="rId5"/>
+    <p:sldId id="262" r:id="rId6"/>
   </p:sldIdLst>
   <p:sldSz cx="12192000" cy="6858000"/>
   <p:notesSz cx="6858000" cy="9144000"/>
@@ -3403,6 +3403,1372 @@
 </file>
 
 <file path=ppt/slides/slide3.xml><?xml version="1.0" encoding="utf-8"?>
+<p:sld xmlns:a="http://schemas.openxmlformats.org/drawingml/2006/main" xmlns:r="http://schemas.openxmlformats.org/officeDocument/2006/relationships" xmlns:p="http://schemas.openxmlformats.org/presentationml/2006/main">
+  <p:cSld>
+    <p:spTree>
+      <p:nvGrpSpPr>
+        <p:cNvPr id="1" name=""/>
+        <p:cNvGrpSpPr/>
+        <p:nvPr/>
+      </p:nvGrpSpPr>
+      <p:grpSpPr>
+        <a:xfrm>
+          <a:off x="0" y="0"/>
+          <a:ext cx="0" cy="0"/>
+          <a:chOff x="0" y="0"/>
+          <a:chExt cx="0" cy="0"/>
+        </a:xfrm>
+      </p:grpSpPr>
+      <p:grpSp>
+        <p:nvGrpSpPr>
+          <p:cNvPr id="82" name="Agrupar 81">
+            <a:extLst>
+              <a:ext uri="{FF2B5EF4-FFF2-40B4-BE49-F238E27FC236}">
+                <a16:creationId xmlns:a16="http://schemas.microsoft.com/office/drawing/2014/main" id="{DC9540FA-7BE5-4838-9C28-C256F4C0C7CB}"/>
+              </a:ext>
+            </a:extLst>
+          </p:cNvPr>
+          <p:cNvGrpSpPr/>
+          <p:nvPr/>
+        </p:nvGrpSpPr>
+        <p:grpSpPr>
+          <a:xfrm>
+            <a:off x="118095" y="257176"/>
+            <a:ext cx="11955810" cy="6950436"/>
+            <a:chOff x="70755" y="167369"/>
+            <a:chExt cx="11955810" cy="6950436"/>
+          </a:xfrm>
+        </p:grpSpPr>
+        <p:grpSp>
+          <p:nvGrpSpPr>
+            <p:cNvPr id="70" name="Agrupar 69">
+              <a:extLst>
+                <a:ext uri="{FF2B5EF4-FFF2-40B4-BE49-F238E27FC236}">
+                  <a16:creationId xmlns:a16="http://schemas.microsoft.com/office/drawing/2014/main" id="{719BE80D-73F9-4BCF-ADA8-E8563FB5E71D}"/>
+                </a:ext>
+              </a:extLst>
+            </p:cNvPr>
+            <p:cNvGrpSpPr/>
+            <p:nvPr/>
+          </p:nvGrpSpPr>
+          <p:grpSpPr>
+            <a:xfrm>
+              <a:off x="280728" y="2367127"/>
+              <a:ext cx="4959851" cy="4750678"/>
+              <a:chOff x="280728" y="2367127"/>
+              <a:chExt cx="4959851" cy="4750678"/>
+            </a:xfrm>
+          </p:grpSpPr>
+          <p:pic>
+            <p:nvPicPr>
+              <p:cNvPr id="35" name="Imagem 34">
+                <a:extLst>
+                  <a:ext uri="{FF2B5EF4-FFF2-40B4-BE49-F238E27FC236}">
+                    <a16:creationId xmlns:a16="http://schemas.microsoft.com/office/drawing/2014/main" id="{460E6642-8724-45C3-8DF4-B6D6A9A119F1}"/>
+                  </a:ext>
+                </a:extLst>
+              </p:cNvPr>
+              <p:cNvPicPr>
+                <a:picLocks noChangeAspect="1"/>
+              </p:cNvPicPr>
+              <p:nvPr/>
+            </p:nvPicPr>
+            <p:blipFill>
+              <a:blip r:embed="rId2">
+                <a:extLst>
+                  <a:ext uri="{28A0092B-C50C-407E-A947-70E740481C1C}">
+                    <a14:useLocalDpi xmlns:a14="http://schemas.microsoft.com/office/drawing/2010/main" val="0"/>
+                  </a:ext>
+                </a:extLst>
+              </a:blip>
+              <a:stretch>
+                <a:fillRect/>
+              </a:stretch>
+            </p:blipFill>
+            <p:spPr>
+              <a:xfrm>
+                <a:off x="280728" y="2367127"/>
+                <a:ext cx="4959851" cy="4750678"/>
+              </a:xfrm>
+              <a:prstGeom prst="rect">
+                <a:avLst/>
+              </a:prstGeom>
+            </p:spPr>
+          </p:pic>
+          <p:grpSp>
+            <p:nvGrpSpPr>
+              <p:cNvPr id="50" name="Agrupar 49">
+                <a:extLst>
+                  <a:ext uri="{FF2B5EF4-FFF2-40B4-BE49-F238E27FC236}">
+                    <a16:creationId xmlns:a16="http://schemas.microsoft.com/office/drawing/2014/main" id="{2F5D4460-A988-40C9-94FA-07520E95E59F}"/>
+                  </a:ext>
+                </a:extLst>
+              </p:cNvPr>
+              <p:cNvGrpSpPr/>
+              <p:nvPr/>
+            </p:nvGrpSpPr>
+            <p:grpSpPr>
+              <a:xfrm>
+                <a:off x="3162799" y="3604911"/>
+                <a:ext cx="1507712" cy="1351935"/>
+                <a:chOff x="3162799" y="3604911"/>
+                <a:chExt cx="1507712" cy="1351935"/>
+              </a:xfrm>
+            </p:grpSpPr>
+            <p:pic>
+              <p:nvPicPr>
+                <p:cNvPr id="46" name="Imagem 45" descr="icon_database">
+                  <a:extLst>
+                    <a:ext uri="{FF2B5EF4-FFF2-40B4-BE49-F238E27FC236}">
+                      <a16:creationId xmlns:a16="http://schemas.microsoft.com/office/drawing/2014/main" id="{2AAB21DD-9A95-4C47-8333-1557052D8152}"/>
+                    </a:ext>
+                  </a:extLst>
+                </p:cNvPr>
+                <p:cNvPicPr>
+                  <a:picLocks noChangeAspect="1"/>
+                </p:cNvPicPr>
+                <p:nvPr/>
+              </p:nvPicPr>
+              <p:blipFill>
+                <a:blip r:embed="rId3">
+                  <a:lum bright="-100000"/>
+                </a:blip>
+                <a:stretch>
+                  <a:fillRect/>
+                </a:stretch>
+              </p:blipFill>
+              <p:spPr>
+                <a:xfrm>
+                  <a:off x="3162799" y="3604911"/>
+                  <a:ext cx="762067" cy="926922"/>
+                </a:xfrm>
+                <a:prstGeom prst="rect">
+                  <a:avLst/>
+                </a:prstGeom>
+              </p:spPr>
+            </p:pic>
+            <p:pic>
+              <p:nvPicPr>
+                <p:cNvPr id="49" name="Imagem 48">
+                  <a:extLst>
+                    <a:ext uri="{FF2B5EF4-FFF2-40B4-BE49-F238E27FC236}">
+                      <a16:creationId xmlns:a16="http://schemas.microsoft.com/office/drawing/2014/main" id="{F1A57FAA-9CE7-4D6C-8284-2203CB317121}"/>
+                    </a:ext>
+                  </a:extLst>
+                </p:cNvPr>
+                <p:cNvPicPr>
+                  <a:picLocks noChangeAspect="1"/>
+                </p:cNvPicPr>
+                <p:nvPr/>
+              </p:nvPicPr>
+              <p:blipFill>
+                <a:blip r:embed="rId4" cstate="print">
+                  <a:extLst>
+                    <a:ext uri="{28A0092B-C50C-407E-A947-70E740481C1C}">
+                      <a14:useLocalDpi xmlns:a14="http://schemas.microsoft.com/office/drawing/2010/main" val="0"/>
+                    </a:ext>
+                  </a:extLst>
+                </a:blip>
+                <a:srcRect/>
+                <a:stretch/>
+              </p:blipFill>
+              <p:spPr>
+                <a:xfrm>
+                  <a:off x="3179221" y="3746523"/>
+                  <a:ext cx="1491290" cy="1210323"/>
+                </a:xfrm>
+                <a:prstGeom prst="rect">
+                  <a:avLst/>
+                </a:prstGeom>
+              </p:spPr>
+            </p:pic>
+          </p:grpSp>
+          <p:pic>
+            <p:nvPicPr>
+              <p:cNvPr id="52" name="Imagem 51">
+                <a:extLst>
+                  <a:ext uri="{FF2B5EF4-FFF2-40B4-BE49-F238E27FC236}">
+                    <a16:creationId xmlns:a16="http://schemas.microsoft.com/office/drawing/2014/main" id="{8C24D198-38AA-4C48-A8B6-9F81A2BED55B}"/>
+                  </a:ext>
+                </a:extLst>
+              </p:cNvPr>
+              <p:cNvPicPr>
+                <a:picLocks noChangeAspect="1"/>
+              </p:cNvPicPr>
+              <p:nvPr/>
+            </p:nvPicPr>
+            <p:blipFill>
+              <a:blip r:embed="rId5">
+                <a:extLst>
+                  <a:ext uri="{28A0092B-C50C-407E-A947-70E740481C1C}">
+                    <a14:useLocalDpi xmlns:a14="http://schemas.microsoft.com/office/drawing/2010/main" val="0"/>
+                  </a:ext>
+                </a:extLst>
+              </a:blip>
+              <a:stretch>
+                <a:fillRect/>
+              </a:stretch>
+            </p:blipFill>
+            <p:spPr>
+              <a:xfrm>
+                <a:off x="942343" y="4068372"/>
+                <a:ext cx="1381459" cy="1381459"/>
+              </a:xfrm>
+              <a:prstGeom prst="rect">
+                <a:avLst/>
+              </a:prstGeom>
+            </p:spPr>
+          </p:pic>
+          <p:pic>
+            <p:nvPicPr>
+              <p:cNvPr id="54" name="Imagem 53">
+                <a:extLst>
+                  <a:ext uri="{FF2B5EF4-FFF2-40B4-BE49-F238E27FC236}">
+                    <a16:creationId xmlns:a16="http://schemas.microsoft.com/office/drawing/2014/main" id="{194F2AA7-3940-4866-ABA9-4448E3B2401A}"/>
+                  </a:ext>
+                </a:extLst>
+              </p:cNvPr>
+              <p:cNvPicPr>
+                <a:picLocks noChangeAspect="1"/>
+              </p:cNvPicPr>
+              <p:nvPr/>
+            </p:nvPicPr>
+            <p:blipFill>
+              <a:blip r:embed="rId6" cstate="print">
+                <a:extLst>
+                  <a:ext uri="{28A0092B-C50C-407E-A947-70E740481C1C}">
+                    <a14:useLocalDpi xmlns:a14="http://schemas.microsoft.com/office/drawing/2010/main" val="0"/>
+                  </a:ext>
+                </a:extLst>
+              </a:blip>
+              <a:stretch>
+                <a:fillRect/>
+              </a:stretch>
+            </p:blipFill>
+            <p:spPr>
+              <a:xfrm>
+                <a:off x="2255399" y="4996070"/>
+                <a:ext cx="1027223" cy="1027223"/>
+              </a:xfrm>
+              <a:prstGeom prst="rect">
+                <a:avLst/>
+              </a:prstGeom>
+            </p:spPr>
+          </p:pic>
+        </p:grpSp>
+        <p:grpSp>
+          <p:nvGrpSpPr>
+            <p:cNvPr id="79" name="Agrupar 78">
+              <a:extLst>
+                <a:ext uri="{FF2B5EF4-FFF2-40B4-BE49-F238E27FC236}">
+                  <a16:creationId xmlns:a16="http://schemas.microsoft.com/office/drawing/2014/main" id="{036A7F85-FC15-4E87-BDD4-E3F1550FC24F}"/>
+                </a:ext>
+              </a:extLst>
+            </p:cNvPr>
+            <p:cNvGrpSpPr/>
+            <p:nvPr/>
+          </p:nvGrpSpPr>
+          <p:grpSpPr>
+            <a:xfrm>
+              <a:off x="70755" y="167369"/>
+              <a:ext cx="11955810" cy="6339567"/>
+              <a:chOff x="70755" y="167369"/>
+              <a:chExt cx="11955810" cy="6339567"/>
+            </a:xfrm>
+          </p:grpSpPr>
+          <p:grpSp>
+            <p:nvGrpSpPr>
+              <p:cNvPr id="4" name="Agrupar 3">
+                <a:extLst>
+                  <a:ext uri="{FF2B5EF4-FFF2-40B4-BE49-F238E27FC236}">
+                    <a16:creationId xmlns:a16="http://schemas.microsoft.com/office/drawing/2014/main" id="{878DE1DE-BC3D-4063-8B14-25C9344C77FD}"/>
+                  </a:ext>
+                </a:extLst>
+              </p:cNvPr>
+              <p:cNvGrpSpPr/>
+              <p:nvPr/>
+            </p:nvGrpSpPr>
+            <p:grpSpPr>
+              <a:xfrm>
+                <a:off x="70757" y="167369"/>
+                <a:ext cx="6110026" cy="1930852"/>
+                <a:chOff x="1948543" y="1939019"/>
+                <a:chExt cx="8411633" cy="2624818"/>
+              </a:xfrm>
+            </p:grpSpPr>
+            <p:grpSp>
+              <p:nvGrpSpPr>
+                <p:cNvPr id="5" name="Agrupar 4">
+                  <a:extLst>
+                    <a:ext uri="{FF2B5EF4-FFF2-40B4-BE49-F238E27FC236}">
+                      <a16:creationId xmlns:a16="http://schemas.microsoft.com/office/drawing/2014/main" id="{97D44B02-D2A1-4F7D-A41B-C2FA14E78FD0}"/>
+                    </a:ext>
+                  </a:extLst>
+                </p:cNvPr>
+                <p:cNvGrpSpPr/>
+                <p:nvPr/>
+              </p:nvGrpSpPr>
+              <p:grpSpPr>
+                <a:xfrm>
+                  <a:off x="1948543" y="1939019"/>
+                  <a:ext cx="8411633" cy="2624818"/>
+                  <a:chOff x="1948543" y="2016580"/>
+                  <a:chExt cx="8411633" cy="2624818"/>
+                </a:xfrm>
+              </p:grpSpPr>
+              <p:sp>
+                <p:nvSpPr>
+                  <p:cNvPr id="7" name="Retângulo arredondado 50">
+                    <a:extLst>
+                      <a:ext uri="{FF2B5EF4-FFF2-40B4-BE49-F238E27FC236}">
+                        <a16:creationId xmlns:a16="http://schemas.microsoft.com/office/drawing/2014/main" id="{166A7AB2-1228-4F71-894D-B2886540C7B4}"/>
+                      </a:ext>
+                    </a:extLst>
+                  </p:cNvPr>
+                  <p:cNvSpPr/>
+                  <p:nvPr/>
+                </p:nvSpPr>
+                <p:spPr>
+                  <a:xfrm>
+                    <a:off x="1948543" y="2016580"/>
+                    <a:ext cx="8294913" cy="2624818"/>
+                  </a:xfrm>
+                  <a:prstGeom prst="roundRect">
+                    <a:avLst/>
+                  </a:prstGeom>
+                  <a:noFill/>
+                  <a:ln w="28575" cmpd="sng">
+                    <a:solidFill>
+                      <a:schemeClr val="tx1"/>
+                    </a:solidFill>
+                    <a:prstDash val="solid"/>
+                  </a:ln>
+                </p:spPr>
+                <p:style>
+                  <a:lnRef idx="2">
+                    <a:schemeClr val="accent1">
+                      <a:shade val="50000"/>
+                    </a:schemeClr>
+                  </a:lnRef>
+                  <a:fillRef idx="1">
+                    <a:schemeClr val="accent1"/>
+                  </a:fillRef>
+                  <a:effectRef idx="0">
+                    <a:schemeClr val="accent1"/>
+                  </a:effectRef>
+                  <a:fontRef idx="minor">
+                    <a:schemeClr val="lt1"/>
+                  </a:fontRef>
+                </p:style>
+                <p:txBody>
+                  <a:bodyPr rtlCol="0" anchor="ctr"/>
+                  <a:lstStyle/>
+                  <a:p>
+                    <a:pPr algn="ctr"/>
+                    <a:endParaRPr lang="pt-BR" altLang="en-US" dirty="0"/>
+                  </a:p>
+                </p:txBody>
+              </p:sp>
+              <p:grpSp>
+                <p:nvGrpSpPr>
+                  <p:cNvPr id="8" name="Agrupar 7">
+                    <a:extLst>
+                      <a:ext uri="{FF2B5EF4-FFF2-40B4-BE49-F238E27FC236}">
+                        <a16:creationId xmlns:a16="http://schemas.microsoft.com/office/drawing/2014/main" id="{CD43C392-574E-4F5B-B2DF-67A046DBDFCF}"/>
+                      </a:ext>
+                    </a:extLst>
+                  </p:cNvPr>
+                  <p:cNvGrpSpPr/>
+                  <p:nvPr/>
+                </p:nvGrpSpPr>
+                <p:grpSpPr>
+                  <a:xfrm>
+                    <a:off x="2160873" y="2539529"/>
+                    <a:ext cx="7870253" cy="1769719"/>
+                    <a:chOff x="2160873" y="2539529"/>
+                    <a:chExt cx="7870253" cy="1769719"/>
+                  </a:xfrm>
+                </p:grpSpPr>
+                <p:pic>
+                  <p:nvPicPr>
+                    <p:cNvPr id="11" name="Imagem 10">
+                      <a:extLst>
+                        <a:ext uri="{FF2B5EF4-FFF2-40B4-BE49-F238E27FC236}">
+                          <a16:creationId xmlns:a16="http://schemas.microsoft.com/office/drawing/2014/main" id="{A39C3845-7E6E-4F43-92F3-286FF6FF622F}"/>
+                        </a:ext>
+                      </a:extLst>
+                    </p:cNvPr>
+                    <p:cNvPicPr>
+                      <a:picLocks noChangeAspect="1"/>
+                    </p:cNvPicPr>
+                    <p:nvPr/>
+                  </p:nvPicPr>
+                  <p:blipFill rotWithShape="1">
+                    <a:blip r:embed="rId7" cstate="print">
+                      <a:extLst>
+                        <a:ext uri="{BEBA8EAE-BF5A-486C-A8C5-ECC9F3942E4B}">
+                          <a14:imgProps xmlns:a14="http://schemas.microsoft.com/office/drawing/2010/main">
+                            <a14:imgLayer r:embed="rId8">
+                              <a14:imgEffect>
+                                <a14:backgroundRemoval t="21852" b="77870" l="30400" r="71000">
+                                  <a14:foregroundMark x1="50300" y1="35926" x2="50300" y2="35926"/>
+                                  <a14:foregroundMark x1="39700" y1="33056" x2="44500" y2="31204"/>
+                                  <a14:foregroundMark x1="45700" y1="30833" x2="49900" y2="30278"/>
+                                  <a14:foregroundMark x1="51700" y1="30463" x2="55200" y2="30648"/>
+                                  <a14:foregroundMark x1="36200" y1="27222" x2="41000" y2="25278"/>
+                                  <a14:foregroundMark x1="43500" y1="56296" x2="50300" y2="56852"/>
+                                  <a14:foregroundMark x1="45300" y1="72593" x2="45300" y2="72593"/>
+                                  <a14:foregroundMark x1="48000" y1="73241" x2="48000" y2="73241"/>
+                                  <a14:foregroundMark x1="50800" y1="73426" x2="50800" y2="73426"/>
+                                  <a14:foregroundMark x1="53000" y1="73981" x2="53000" y2="73981"/>
+                                  <a14:foregroundMark x1="55800" y1="73704" x2="55800" y2="73704"/>
+                                  <a14:foregroundMark x1="44600" y1="74259" x2="44600" y2="74259"/>
+                                  <a14:backgroundMark x1="53700" y1="73981" x2="53700" y2="73981"/>
+                                  <a14:backgroundMark x1="56500" y1="73056" x2="56500" y2="73056"/>
+                                </a14:backgroundRemoval>
+                              </a14:imgEffect>
+                            </a14:imgLayer>
+                          </a14:imgProps>
+                        </a:ext>
+                        <a:ext uri="{28A0092B-C50C-407E-A947-70E740481C1C}">
+                          <a14:useLocalDpi xmlns:a14="http://schemas.microsoft.com/office/drawing/2010/main" val="0"/>
+                        </a:ext>
+                      </a:extLst>
+                    </a:blip>
+                    <a:srcRect l="30757" t="69152" r="26553" b="23094"/>
+                    <a:stretch/>
+                  </p:blipFill>
+                  <p:spPr>
+                    <a:xfrm>
+                      <a:off x="2160873" y="3969427"/>
+                      <a:ext cx="1570206" cy="308050"/>
+                    </a:xfrm>
+                    <a:prstGeom prst="rect">
+                      <a:avLst/>
+                    </a:prstGeom>
+                  </p:spPr>
+                </p:pic>
+                <p:grpSp>
+                  <p:nvGrpSpPr>
+                    <p:cNvPr id="12" name="Agrupar 11">
+                      <a:extLst>
+                        <a:ext uri="{FF2B5EF4-FFF2-40B4-BE49-F238E27FC236}">
+                          <a16:creationId xmlns:a16="http://schemas.microsoft.com/office/drawing/2014/main" id="{74A51819-BFD5-403C-8A87-EB7E1082CA6A}"/>
+                        </a:ext>
+                      </a:extLst>
+                    </p:cNvPr>
+                    <p:cNvGrpSpPr/>
+                    <p:nvPr/>
+                  </p:nvGrpSpPr>
+                  <p:grpSpPr>
+                    <a:xfrm>
+                      <a:off x="7821385" y="2651505"/>
+                      <a:ext cx="2209741" cy="1543050"/>
+                      <a:chOff x="7669044" y="2669721"/>
+                      <a:chExt cx="2209741" cy="1543050"/>
+                    </a:xfrm>
+                  </p:grpSpPr>
+                  <p:pic>
+                    <p:nvPicPr>
+                      <p:cNvPr id="17" name="Imagem 16">
+                        <a:extLst>
+                          <a:ext uri="{FF2B5EF4-FFF2-40B4-BE49-F238E27FC236}">
+                            <a16:creationId xmlns:a16="http://schemas.microsoft.com/office/drawing/2014/main" id="{CB01797E-A91A-4FFD-AA2B-28F7A4F2DD09}"/>
+                          </a:ext>
+                        </a:extLst>
+                      </p:cNvPr>
+                      <p:cNvPicPr>
+                        <a:picLocks noChangeAspect="1"/>
+                      </p:cNvPicPr>
+                      <p:nvPr/>
+                    </p:nvPicPr>
+                    <p:blipFill rotWithShape="1">
+                      <a:blip r:embed="rId9">
+                        <a:extLst>
+                          <a:ext uri="{28A0092B-C50C-407E-A947-70E740481C1C}">
+                            <a14:useLocalDpi xmlns:a14="http://schemas.microsoft.com/office/drawing/2010/main" val="0"/>
+                          </a:ext>
+                        </a:extLst>
+                      </a:blip>
+                      <a:srcRect l="4378" t="7096" r="5364" b="5712"/>
+                      <a:stretch/>
+                    </p:blipFill>
+                    <p:spPr>
+                      <a:xfrm>
+                        <a:off x="7669044" y="2669721"/>
+                        <a:ext cx="2209741" cy="1543050"/>
+                      </a:xfrm>
+                      <a:prstGeom prst="rect">
+                        <a:avLst/>
+                      </a:prstGeom>
+                    </p:spPr>
+                  </p:pic>
+                  <p:pic>
+                    <p:nvPicPr>
+                      <p:cNvPr id="18" name="Imagem 17">
+                        <a:extLst>
+                          <a:ext uri="{FF2B5EF4-FFF2-40B4-BE49-F238E27FC236}">
+                            <a16:creationId xmlns:a16="http://schemas.microsoft.com/office/drawing/2014/main" id="{304E74CF-4952-48FD-8218-D21EFD7C92A4}"/>
+                          </a:ext>
+                        </a:extLst>
+                      </p:cNvPr>
+                      <p:cNvPicPr>
+                        <a:picLocks noChangeAspect="1"/>
+                      </p:cNvPicPr>
+                      <p:nvPr/>
+                    </p:nvPicPr>
+                    <p:blipFill rotWithShape="1">
+                      <a:blip r:embed="rId5">
+                        <a:extLst>
+                          <a:ext uri="{28A0092B-C50C-407E-A947-70E740481C1C}">
+                            <a14:useLocalDpi xmlns:a14="http://schemas.microsoft.com/office/drawing/2010/main" val="0"/>
+                          </a:ext>
+                        </a:extLst>
+                      </a:blip>
+                      <a:srcRect t="20701" b="32849"/>
+                      <a:stretch/>
+                    </p:blipFill>
+                    <p:spPr>
+                      <a:xfrm>
+                        <a:off x="8485947" y="2886596"/>
+                        <a:ext cx="1152820" cy="524016"/>
+                      </a:xfrm>
+                      <a:prstGeom prst="rect">
+                        <a:avLst/>
+                      </a:prstGeom>
+                    </p:spPr>
+                  </p:pic>
+                </p:grpSp>
+                <p:grpSp>
+                  <p:nvGrpSpPr>
+                    <p:cNvPr id="13" name="Agrupar 12">
+                      <a:extLst>
+                        <a:ext uri="{FF2B5EF4-FFF2-40B4-BE49-F238E27FC236}">
+                          <a16:creationId xmlns:a16="http://schemas.microsoft.com/office/drawing/2014/main" id="{D31F9704-CA69-4685-ADB5-7510CB57616D}"/>
+                        </a:ext>
+                      </a:extLst>
+                    </p:cNvPr>
+                    <p:cNvGrpSpPr/>
+                    <p:nvPr/>
+                  </p:nvGrpSpPr>
+                  <p:grpSpPr>
+                    <a:xfrm>
+                      <a:off x="3641104" y="2539529"/>
+                      <a:ext cx="4180281" cy="1769719"/>
+                      <a:chOff x="3641104" y="2539529"/>
+                      <a:chExt cx="4180281" cy="1769719"/>
+                    </a:xfrm>
+                  </p:grpSpPr>
+                  <p:pic>
+                    <p:nvPicPr>
+                      <p:cNvPr id="14" name="Imagem 13">
+                        <a:extLst>
+                          <a:ext uri="{FF2B5EF4-FFF2-40B4-BE49-F238E27FC236}">
+                            <a16:creationId xmlns:a16="http://schemas.microsoft.com/office/drawing/2014/main" id="{530E4512-3A3C-4E70-875D-36824CBF6CC2}"/>
+                          </a:ext>
+                        </a:extLst>
+                      </p:cNvPr>
+                      <p:cNvPicPr>
+                        <a:picLocks noChangeAspect="1"/>
+                      </p:cNvPicPr>
+                      <p:nvPr/>
+                    </p:nvPicPr>
+                    <p:blipFill>
+                      <a:blip r:embed="rId10" cstate="print">
+                        <a:extLst>
+                          <a:ext uri="{28A0092B-C50C-407E-A947-70E740481C1C}">
+                            <a14:useLocalDpi xmlns:a14="http://schemas.microsoft.com/office/drawing/2010/main" val="0"/>
+                          </a:ext>
+                        </a:extLst>
+                      </a:blip>
+                      <a:stretch>
+                        <a:fillRect/>
+                      </a:stretch>
+                    </p:blipFill>
+                    <p:spPr>
+                      <a:xfrm>
+                        <a:off x="4699861" y="2539529"/>
+                        <a:ext cx="2317381" cy="1769719"/>
+                      </a:xfrm>
+                      <a:prstGeom prst="rect">
+                        <a:avLst/>
+                      </a:prstGeom>
+                    </p:spPr>
+                  </p:pic>
+                  <p:cxnSp>
+                    <p:nvCxnSpPr>
+                      <p:cNvPr id="15" name="Conector de Seta Reta 14">
+                        <a:extLst>
+                          <a:ext uri="{FF2B5EF4-FFF2-40B4-BE49-F238E27FC236}">
+                            <a16:creationId xmlns:a16="http://schemas.microsoft.com/office/drawing/2014/main" id="{3843516F-45DA-4D29-B594-6AA6E1191197}"/>
+                          </a:ext>
+                        </a:extLst>
+                      </p:cNvPr>
+                      <p:cNvCxnSpPr>
+                        <a:cxnSpLocks/>
+                        <a:stCxn id="14" idx="3"/>
+                        <a:endCxn id="17" idx="1"/>
+                      </p:cNvCxnSpPr>
+                      <p:nvPr/>
+                    </p:nvCxnSpPr>
+                    <p:spPr>
+                      <a:xfrm flipV="1">
+                        <a:off x="7017242" y="3423030"/>
+                        <a:ext cx="804143" cy="1359"/>
+                      </a:xfrm>
+                      <a:prstGeom prst="straightConnector1">
+                        <a:avLst/>
+                      </a:prstGeom>
+                      <a:ln w="28575" cmpd="sng">
+                        <a:solidFill>
+                          <a:schemeClr val="tx1"/>
+                        </a:solidFill>
+                        <a:prstDash val="sysDash"/>
+                        <a:tailEnd type="arrow"/>
+                      </a:ln>
+                    </p:spPr>
+                    <p:style>
+                      <a:lnRef idx="1">
+                        <a:schemeClr val="accent1"/>
+                      </a:lnRef>
+                      <a:fillRef idx="0">
+                        <a:schemeClr val="accent1"/>
+                      </a:fillRef>
+                      <a:effectRef idx="0">
+                        <a:schemeClr val="accent1"/>
+                      </a:effectRef>
+                      <a:fontRef idx="minor">
+                        <a:schemeClr val="tx1"/>
+                      </a:fontRef>
+                    </p:style>
+                  </p:cxnSp>
+                  <p:cxnSp>
+                    <p:nvCxnSpPr>
+                      <p:cNvPr id="16" name="Conector de Seta Reta 15">
+                        <a:extLst>
+                          <a:ext uri="{FF2B5EF4-FFF2-40B4-BE49-F238E27FC236}">
+                            <a16:creationId xmlns:a16="http://schemas.microsoft.com/office/drawing/2014/main" id="{1DCCE984-010F-47A4-82C1-C8FBD7A68CB1}"/>
+                          </a:ext>
+                        </a:extLst>
+                      </p:cNvPr>
+                      <p:cNvCxnSpPr>
+                        <a:cxnSpLocks/>
+                        <a:endCxn id="14" idx="1"/>
+                      </p:cNvCxnSpPr>
+                      <p:nvPr/>
+                    </p:nvCxnSpPr>
+                    <p:spPr>
+                      <a:xfrm>
+                        <a:off x="3641104" y="3424389"/>
+                        <a:ext cx="1058757" cy="0"/>
+                      </a:xfrm>
+                      <a:prstGeom prst="straightConnector1">
+                        <a:avLst/>
+                      </a:prstGeom>
+                      <a:ln w="28575" cmpd="sng">
+                        <a:solidFill>
+                          <a:schemeClr val="tx1"/>
+                        </a:solidFill>
+                        <a:prstDash val="sysDash"/>
+                        <a:tailEnd type="arrow"/>
+                      </a:ln>
+                    </p:spPr>
+                    <p:style>
+                      <a:lnRef idx="1">
+                        <a:schemeClr val="accent1"/>
+                      </a:lnRef>
+                      <a:fillRef idx="0">
+                        <a:schemeClr val="accent1"/>
+                      </a:fillRef>
+                      <a:effectRef idx="0">
+                        <a:schemeClr val="accent1"/>
+                      </a:effectRef>
+                      <a:fontRef idx="minor">
+                        <a:schemeClr val="tx1"/>
+                      </a:fontRef>
+                    </p:style>
+                  </p:cxnSp>
+                </p:grpSp>
+              </p:grpSp>
+              <p:sp>
+                <p:nvSpPr>
+                  <p:cNvPr id="9" name="CaixaDeTexto 8">
+                    <a:extLst>
+                      <a:ext uri="{FF2B5EF4-FFF2-40B4-BE49-F238E27FC236}">
+                        <a16:creationId xmlns:a16="http://schemas.microsoft.com/office/drawing/2014/main" id="{21BC4FE9-68AA-4A99-ADAD-8FF6F247579D}"/>
+                      </a:ext>
+                    </a:extLst>
+                  </p:cNvPr>
+                  <p:cNvSpPr txBox="1"/>
+                  <p:nvPr/>
+                </p:nvSpPr>
+                <p:spPr>
+                  <a:xfrm>
+                    <a:off x="9182526" y="2065918"/>
+                    <a:ext cx="1177650" cy="418395"/>
+                  </a:xfrm>
+                  <a:prstGeom prst="rect">
+                    <a:avLst/>
+                  </a:prstGeom>
+                  <a:noFill/>
+                </p:spPr>
+                <p:txBody>
+                  <a:bodyPr wrap="square" rtlCol="0">
+                    <a:spAutoFit/>
+                  </a:bodyPr>
+                  <a:lstStyle/>
+                  <a:p>
+                    <a:r>
+                      <a:rPr lang="pt-BR" sz="1400" b="1" dirty="0">
+                        <a:latin typeface="+mj-lt"/>
+                      </a:rPr>
+                      <a:t>Local</a:t>
+                    </a:r>
+                  </a:p>
+                </p:txBody>
+              </p:sp>
+              <p:sp>
+                <p:nvSpPr>
+                  <p:cNvPr id="10" name="CaixaDeTexto 9">
+                    <a:extLst>
+                      <a:ext uri="{FF2B5EF4-FFF2-40B4-BE49-F238E27FC236}">
+                        <a16:creationId xmlns:a16="http://schemas.microsoft.com/office/drawing/2014/main" id="{1DFCE42B-53AB-4A57-9AC5-F7ABE714A789}"/>
+                      </a:ext>
+                    </a:extLst>
+                  </p:cNvPr>
+                  <p:cNvSpPr txBox="1"/>
+                  <p:nvPr/>
+                </p:nvSpPr>
+                <p:spPr>
+                  <a:xfrm>
+                    <a:off x="4837434" y="2066220"/>
+                    <a:ext cx="2517129" cy="418395"/>
+                  </a:xfrm>
+                  <a:prstGeom prst="rect">
+                    <a:avLst/>
+                  </a:prstGeom>
+                  <a:noFill/>
+                </p:spPr>
+                <p:txBody>
+                  <a:bodyPr wrap="square" rtlCol="0">
+                    <a:spAutoFit/>
+                  </a:bodyPr>
+                  <a:lstStyle/>
+                  <a:p>
+                    <a:r>
+                      <a:rPr lang="pt-BR" sz="1400" b="1" dirty="0">
+                        <a:latin typeface="+mj-lt"/>
+                      </a:rPr>
+                      <a:t>Sensor Virtual</a:t>
+                    </a:r>
+                  </a:p>
+                </p:txBody>
+              </p:sp>
+            </p:grpSp>
+            <p:pic>
+              <p:nvPicPr>
+                <p:cNvPr id="6" name="Imagem 5">
+                  <a:extLst>
+                    <a:ext uri="{FF2B5EF4-FFF2-40B4-BE49-F238E27FC236}">
+                      <a16:creationId xmlns:a16="http://schemas.microsoft.com/office/drawing/2014/main" id="{2D6C8577-A497-4BD5-9B29-ED7FAE2A7991}"/>
+                    </a:ext>
+                  </a:extLst>
+                </p:cNvPr>
+                <p:cNvPicPr>
+                  <a:picLocks noChangeAspect="1"/>
+                </p:cNvPicPr>
+                <p:nvPr/>
+              </p:nvPicPr>
+              <p:blipFill rotWithShape="1">
+                <a:blip r:embed="rId11" cstate="print">
+                  <a:extLst>
+                    <a:ext uri="{BEBA8EAE-BF5A-486C-A8C5-ECC9F3942E4B}">
+                      <a14:imgProps xmlns:a14="http://schemas.microsoft.com/office/drawing/2010/main">
+                        <a14:imgLayer r:embed="rId12">
+                          <a14:imgEffect>
+                            <a14:backgroundRemoval t="21852" b="77870" l="30400" r="71000">
+                              <a14:foregroundMark x1="50300" y1="35926" x2="50300" y2="35926"/>
+                              <a14:foregroundMark x1="39700" y1="33056" x2="44500" y2="31204"/>
+                              <a14:foregroundMark x1="45700" y1="30833" x2="49900" y2="30278"/>
+                              <a14:foregroundMark x1="51700" y1="30463" x2="55200" y2="30648"/>
+                              <a14:foregroundMark x1="36200" y1="27222" x2="41000" y2="25278"/>
+                              <a14:foregroundMark x1="43500" y1="56296" x2="50300" y2="56852"/>
+                              <a14:foregroundMark x1="45300" y1="72593" x2="45300" y2="72593"/>
+                              <a14:foregroundMark x1="48000" y1="73241" x2="48000" y2="73241"/>
+                              <a14:foregroundMark x1="50800" y1="73426" x2="50800" y2="73426"/>
+                              <a14:foregroundMark x1="53000" y1="73981" x2="53000" y2="73981"/>
+                              <a14:foregroundMark x1="55800" y1="73704" x2="55800" y2="73704"/>
+                              <a14:foregroundMark x1="44600" y1="74259" x2="44600" y2="74259"/>
+                              <a14:backgroundMark x1="53700" y1="73981" x2="53700" y2="73981"/>
+                              <a14:backgroundMark x1="56500" y1="73056" x2="56500" y2="73056"/>
+                            </a14:backgroundRemoval>
+                          </a14:imgEffect>
+                        </a14:imgLayer>
+                      </a14:imgProps>
+                    </a:ext>
+                    <a:ext uri="{28A0092B-C50C-407E-A947-70E740481C1C}">
+                      <a14:useLocalDpi xmlns:a14="http://schemas.microsoft.com/office/drawing/2010/main" val="0"/>
+                    </a:ext>
+                  </a:extLst>
+                </a:blip>
+                <a:srcRect l="30757" t="21786" r="29000" b="33665"/>
+                <a:stretch/>
+              </p:blipFill>
+              <p:spPr>
+                <a:xfrm>
+                  <a:off x="2160873" y="2276172"/>
+                  <a:ext cx="1480230" cy="1769719"/>
+                </a:xfrm>
+                <a:prstGeom prst="rect">
+                  <a:avLst/>
+                </a:prstGeom>
+              </p:spPr>
+            </p:pic>
+          </p:grpSp>
+          <p:sp>
+            <p:nvSpPr>
+              <p:cNvPr id="19" name="Retângulo arredondado 50">
+                <a:extLst>
+                  <a:ext uri="{FF2B5EF4-FFF2-40B4-BE49-F238E27FC236}">
+                    <a16:creationId xmlns:a16="http://schemas.microsoft.com/office/drawing/2014/main" id="{B2088FF4-0C9A-41C5-86E9-CD021C87CE42}"/>
+                  </a:ext>
+                </a:extLst>
+              </p:cNvPr>
+              <p:cNvSpPr/>
+              <p:nvPr/>
+            </p:nvSpPr>
+            <p:spPr>
+              <a:xfrm>
+                <a:off x="70755" y="2565280"/>
+                <a:ext cx="6025243" cy="3941656"/>
+              </a:xfrm>
+              <a:prstGeom prst="roundRect">
+                <a:avLst/>
+              </a:prstGeom>
+              <a:noFill/>
+              <a:ln w="28575" cmpd="sng">
+                <a:solidFill>
+                  <a:schemeClr val="tx1"/>
+                </a:solidFill>
+                <a:prstDash val="solid"/>
+              </a:ln>
+            </p:spPr>
+            <p:style>
+              <a:lnRef idx="2">
+                <a:schemeClr val="accent1">
+                  <a:shade val="50000"/>
+                </a:schemeClr>
+              </a:lnRef>
+              <a:fillRef idx="1">
+                <a:schemeClr val="accent1"/>
+              </a:fillRef>
+              <a:effectRef idx="0">
+                <a:schemeClr val="accent1"/>
+              </a:effectRef>
+              <a:fontRef idx="minor">
+                <a:schemeClr val="lt1"/>
+              </a:fontRef>
+            </p:style>
+            <p:txBody>
+              <a:bodyPr rtlCol="0" anchor="ctr"/>
+              <a:lstStyle/>
+              <a:p>
+                <a:pPr algn="ctr"/>
+                <a:endParaRPr lang="pt-BR" altLang="en-US" dirty="0"/>
+              </a:p>
+            </p:txBody>
+          </p:sp>
+          <p:sp>
+            <p:nvSpPr>
+              <p:cNvPr id="21" name="CaixaDeTexto 20">
+                <a:extLst>
+                  <a:ext uri="{FF2B5EF4-FFF2-40B4-BE49-F238E27FC236}">
+                    <a16:creationId xmlns:a16="http://schemas.microsoft.com/office/drawing/2014/main" id="{DD2E2F45-82D3-4CCD-A6DE-E86EC8744FEA}"/>
+                  </a:ext>
+                </a:extLst>
+              </p:cNvPr>
+              <p:cNvSpPr txBox="1"/>
+              <p:nvPr/>
+            </p:nvSpPr>
+            <p:spPr>
+              <a:xfrm>
+                <a:off x="5240579" y="2694005"/>
+                <a:ext cx="855419" cy="307777"/>
+              </a:xfrm>
+              <a:prstGeom prst="rect">
+                <a:avLst/>
+              </a:prstGeom>
+              <a:noFill/>
+            </p:spPr>
+            <p:txBody>
+              <a:bodyPr wrap="square" rtlCol="0">
+                <a:spAutoFit/>
+              </a:bodyPr>
+              <a:lstStyle/>
+              <a:p>
+                <a:r>
+                  <a:rPr lang="pt-BR" sz="1400" b="1" dirty="0">
+                    <a:latin typeface="+mj-lt"/>
+                  </a:rPr>
+                  <a:t>Cloud</a:t>
+                </a:r>
+              </a:p>
+            </p:txBody>
+          </p:sp>
+          <p:cxnSp>
+            <p:nvCxnSpPr>
+              <p:cNvPr id="22" name="Conector de Seta Reta 21">
+                <a:extLst>
+                  <a:ext uri="{FF2B5EF4-FFF2-40B4-BE49-F238E27FC236}">
+                    <a16:creationId xmlns:a16="http://schemas.microsoft.com/office/drawing/2014/main" id="{91E3B499-98D4-47AB-A77F-C109053568E6}"/>
+                  </a:ext>
+                </a:extLst>
+              </p:cNvPr>
+              <p:cNvCxnSpPr>
+                <a:cxnSpLocks/>
+                <a:stCxn id="17" idx="2"/>
+              </p:cNvCxnSpPr>
+              <p:nvPr/>
+            </p:nvCxnSpPr>
+            <p:spPr>
+              <a:xfrm>
+                <a:off x="5139215" y="1769516"/>
+                <a:ext cx="0" cy="1047163"/>
+              </a:xfrm>
+              <a:prstGeom prst="straightConnector1">
+                <a:avLst/>
+              </a:prstGeom>
+              <a:ln w="28575" cmpd="sng">
+                <a:solidFill>
+                  <a:schemeClr val="tx1"/>
+                </a:solidFill>
+                <a:prstDash val="sysDash"/>
+                <a:tailEnd type="arrow"/>
+              </a:ln>
+            </p:spPr>
+            <p:style>
+              <a:lnRef idx="1">
+                <a:schemeClr val="accent1"/>
+              </a:lnRef>
+              <a:fillRef idx="0">
+                <a:schemeClr val="accent1"/>
+              </a:fillRef>
+              <a:effectRef idx="0">
+                <a:schemeClr val="accent1"/>
+              </a:effectRef>
+              <a:fontRef idx="minor">
+                <a:schemeClr val="tx1"/>
+              </a:fontRef>
+            </p:style>
+          </p:cxnSp>
+          <p:sp>
+            <p:nvSpPr>
+              <p:cNvPr id="27" name="CaixaDeTexto 26">
+                <a:extLst>
+                  <a:ext uri="{FF2B5EF4-FFF2-40B4-BE49-F238E27FC236}">
+                    <a16:creationId xmlns:a16="http://schemas.microsoft.com/office/drawing/2014/main" id="{3E088906-E52B-4140-B5BB-9AD9F8327DA0}"/>
+                  </a:ext>
+                </a:extLst>
+              </p:cNvPr>
+              <p:cNvSpPr txBox="1"/>
+              <p:nvPr/>
+            </p:nvSpPr>
+            <p:spPr>
+              <a:xfrm>
+                <a:off x="5102114" y="1796614"/>
+                <a:ext cx="493235" cy="261610"/>
+              </a:xfrm>
+              <a:prstGeom prst="rect">
+                <a:avLst/>
+              </a:prstGeom>
+              <a:noFill/>
+            </p:spPr>
+            <p:txBody>
+              <a:bodyPr wrap="square" rtlCol="0">
+                <a:spAutoFit/>
+              </a:bodyPr>
+              <a:lstStyle/>
+              <a:p>
+                <a:r>
+                  <a:rPr lang="pt-BR" sz="1100" dirty="0"/>
+                  <a:t>API</a:t>
+                </a:r>
+              </a:p>
+            </p:txBody>
+          </p:sp>
+          <p:pic>
+            <p:nvPicPr>
+              <p:cNvPr id="29" name="Imagem 28">
+                <a:extLst>
+                  <a:ext uri="{FF2B5EF4-FFF2-40B4-BE49-F238E27FC236}">
+                    <a16:creationId xmlns:a16="http://schemas.microsoft.com/office/drawing/2014/main" id="{372E2E04-86E1-4681-9CDE-88604A697242}"/>
+                  </a:ext>
+                </a:extLst>
+              </p:cNvPr>
+              <p:cNvPicPr>
+                <a:picLocks noChangeAspect="1"/>
+              </p:cNvPicPr>
+              <p:nvPr/>
+            </p:nvPicPr>
+            <p:blipFill>
+              <a:blip r:embed="rId13" cstate="print">
+                <a:extLst>
+                  <a:ext uri="{28A0092B-C50C-407E-A947-70E740481C1C}">
+                    <a14:useLocalDpi xmlns:a14="http://schemas.microsoft.com/office/drawing/2010/main" val="0"/>
+                  </a:ext>
+                </a:extLst>
+              </a:blip>
+              <a:stretch>
+                <a:fillRect/>
+              </a:stretch>
+            </p:blipFill>
+            <p:spPr>
+              <a:xfrm>
+                <a:off x="3805454" y="2596807"/>
+                <a:ext cx="1417414" cy="809951"/>
+              </a:xfrm>
+              <a:prstGeom prst="rect">
+                <a:avLst/>
+              </a:prstGeom>
+            </p:spPr>
+          </p:pic>
+          <p:sp>
+            <p:nvSpPr>
+              <p:cNvPr id="55" name="Retângulo arredondado 50">
+                <a:extLst>
+                  <a:ext uri="{FF2B5EF4-FFF2-40B4-BE49-F238E27FC236}">
+                    <a16:creationId xmlns:a16="http://schemas.microsoft.com/office/drawing/2014/main" id="{C38B4AE0-0EC1-46E1-A309-B5E54D53385A}"/>
+                  </a:ext>
+                </a:extLst>
+              </p:cNvPr>
+              <p:cNvSpPr/>
+              <p:nvPr/>
+            </p:nvSpPr>
+            <p:spPr>
+              <a:xfrm>
+                <a:off x="6753093" y="2849714"/>
+                <a:ext cx="5273472" cy="3003940"/>
+              </a:xfrm>
+              <a:prstGeom prst="roundRect">
+                <a:avLst/>
+              </a:prstGeom>
+              <a:noFill/>
+              <a:ln w="28575" cmpd="sng">
+                <a:solidFill>
+                  <a:schemeClr val="tx1"/>
+                </a:solidFill>
+                <a:prstDash val="solid"/>
+              </a:ln>
+            </p:spPr>
+            <p:style>
+              <a:lnRef idx="2">
+                <a:schemeClr val="accent1">
+                  <a:shade val="50000"/>
+                </a:schemeClr>
+              </a:lnRef>
+              <a:fillRef idx="1">
+                <a:schemeClr val="accent1"/>
+              </a:fillRef>
+              <a:effectRef idx="0">
+                <a:schemeClr val="accent1"/>
+              </a:effectRef>
+              <a:fontRef idx="minor">
+                <a:schemeClr val="lt1"/>
+              </a:fontRef>
+            </p:style>
+            <p:txBody>
+              <a:bodyPr rtlCol="0" anchor="ctr"/>
+              <a:lstStyle/>
+              <a:p>
+                <a:pPr algn="ctr"/>
+                <a:endParaRPr lang="pt-BR" altLang="en-US" dirty="0"/>
+              </a:p>
+            </p:txBody>
+          </p:sp>
+          <p:cxnSp>
+            <p:nvCxnSpPr>
+              <p:cNvPr id="56" name="Conector de Seta Reta 55">
+                <a:extLst>
+                  <a:ext uri="{FF2B5EF4-FFF2-40B4-BE49-F238E27FC236}">
+                    <a16:creationId xmlns:a16="http://schemas.microsoft.com/office/drawing/2014/main" id="{79CEC7DC-B7BB-4850-81F4-15414FE03C99}"/>
+                  </a:ext>
+                </a:extLst>
+              </p:cNvPr>
+              <p:cNvCxnSpPr>
+                <a:cxnSpLocks/>
+              </p:cNvCxnSpPr>
+              <p:nvPr/>
+            </p:nvCxnSpPr>
+            <p:spPr>
+              <a:xfrm>
+                <a:off x="5987984" y="4556859"/>
+                <a:ext cx="1008809" cy="0"/>
+              </a:xfrm>
+              <a:prstGeom prst="straightConnector1">
+                <a:avLst/>
+              </a:prstGeom>
+              <a:ln w="28575" cmpd="sng">
+                <a:solidFill>
+                  <a:schemeClr val="tx1"/>
+                </a:solidFill>
+                <a:prstDash val="sysDash"/>
+                <a:tailEnd type="arrow"/>
+              </a:ln>
+            </p:spPr>
+            <p:style>
+              <a:lnRef idx="1">
+                <a:schemeClr val="accent1"/>
+              </a:lnRef>
+              <a:fillRef idx="0">
+                <a:schemeClr val="accent1"/>
+              </a:fillRef>
+              <a:effectRef idx="0">
+                <a:schemeClr val="accent1"/>
+              </a:effectRef>
+              <a:fontRef idx="minor">
+                <a:schemeClr val="tx1"/>
+              </a:fontRef>
+            </p:style>
+          </p:cxnSp>
+          <p:sp>
+            <p:nvSpPr>
+              <p:cNvPr id="62" name="CaixaDeTexto 61">
+                <a:extLst>
+                  <a:ext uri="{FF2B5EF4-FFF2-40B4-BE49-F238E27FC236}">
+                    <a16:creationId xmlns:a16="http://schemas.microsoft.com/office/drawing/2014/main" id="{7298DBB2-30D4-4C62-B080-C08316E37037}"/>
+                  </a:ext>
+                </a:extLst>
+              </p:cNvPr>
+              <p:cNvSpPr txBox="1"/>
+              <p:nvPr/>
+            </p:nvSpPr>
+            <p:spPr>
+              <a:xfrm>
+                <a:off x="11055853" y="2920139"/>
+                <a:ext cx="855419" cy="307777"/>
+              </a:xfrm>
+              <a:prstGeom prst="rect">
+                <a:avLst/>
+              </a:prstGeom>
+              <a:noFill/>
+            </p:spPr>
+            <p:txBody>
+              <a:bodyPr wrap="square" rtlCol="0">
+                <a:spAutoFit/>
+              </a:bodyPr>
+              <a:lstStyle/>
+              <a:p>
+                <a:r>
+                  <a:rPr lang="pt-BR" sz="1400" b="1" dirty="0">
+                    <a:latin typeface="+mj-lt"/>
+                  </a:rPr>
+                  <a:t>Usuário</a:t>
+                </a:r>
+              </a:p>
+            </p:txBody>
+          </p:sp>
+          <p:grpSp>
+            <p:nvGrpSpPr>
+              <p:cNvPr id="68" name="Agrupar 67">
+                <a:extLst>
+                  <a:ext uri="{FF2B5EF4-FFF2-40B4-BE49-F238E27FC236}">
+                    <a16:creationId xmlns:a16="http://schemas.microsoft.com/office/drawing/2014/main" id="{7085491E-FFE0-4120-81F7-41EB84C9A77E}"/>
+                  </a:ext>
+                </a:extLst>
+              </p:cNvPr>
+              <p:cNvGrpSpPr/>
+              <p:nvPr/>
+            </p:nvGrpSpPr>
+            <p:grpSpPr>
+              <a:xfrm>
+                <a:off x="7015931" y="2920139"/>
+                <a:ext cx="2711431" cy="1826733"/>
+                <a:chOff x="7015931" y="2920139"/>
+                <a:chExt cx="2711431" cy="1826733"/>
+              </a:xfrm>
+            </p:grpSpPr>
+            <p:pic>
+              <p:nvPicPr>
+                <p:cNvPr id="64" name="Imagem 63" descr="icon_pc">
+                  <a:extLst>
+                    <a:ext uri="{FF2B5EF4-FFF2-40B4-BE49-F238E27FC236}">
+                      <a16:creationId xmlns:a16="http://schemas.microsoft.com/office/drawing/2014/main" id="{1B190E78-4C81-4519-A682-78F0FB066844}"/>
+                    </a:ext>
+                  </a:extLst>
+                </p:cNvPr>
+                <p:cNvPicPr>
+                  <a:picLocks noChangeAspect="1"/>
+                </p:cNvPicPr>
+                <p:nvPr/>
+              </p:nvPicPr>
+              <p:blipFill>
+                <a:blip r:embed="rId9"/>
+                <a:stretch>
+                  <a:fillRect/>
+                </a:stretch>
+              </p:blipFill>
+              <p:spPr>
+                <a:xfrm>
+                  <a:off x="7015931" y="2920139"/>
+                  <a:ext cx="2711431" cy="1826733"/>
+                </a:xfrm>
+                <a:prstGeom prst="rect">
+                  <a:avLst/>
+                </a:prstGeom>
+              </p:spPr>
+            </p:pic>
+            <p:pic>
+              <p:nvPicPr>
+                <p:cNvPr id="65" name="Imagem 64" descr="icon_mapa">
+                  <a:extLst>
+                    <a:ext uri="{FF2B5EF4-FFF2-40B4-BE49-F238E27FC236}">
+                      <a16:creationId xmlns:a16="http://schemas.microsoft.com/office/drawing/2014/main" id="{5385C365-51CE-4DD2-95EC-4460B7179C77}"/>
+                    </a:ext>
+                  </a:extLst>
+                </p:cNvPr>
+                <p:cNvPicPr>
+                  <a:picLocks noChangeAspect="1"/>
+                </p:cNvPicPr>
+                <p:nvPr/>
+              </p:nvPicPr>
+              <p:blipFill>
+                <a:blip r:embed="rId14"/>
+                <a:stretch>
+                  <a:fillRect/>
+                </a:stretch>
+              </p:blipFill>
+              <p:spPr>
+                <a:xfrm>
+                  <a:off x="7845724" y="3108575"/>
+                  <a:ext cx="1540449" cy="944188"/>
+                </a:xfrm>
+                <a:prstGeom prst="roundRect">
+                  <a:avLst/>
+                </a:prstGeom>
+                <a:ln w="0">
+                  <a:solidFill>
+                    <a:schemeClr val="tx1"/>
+                  </a:solidFill>
+                </a:ln>
+              </p:spPr>
+            </p:pic>
+          </p:grpSp>
+          <p:grpSp>
+            <p:nvGrpSpPr>
+              <p:cNvPr id="69" name="Agrupar 68">
+                <a:extLst>
+                  <a:ext uri="{FF2B5EF4-FFF2-40B4-BE49-F238E27FC236}">
+                    <a16:creationId xmlns:a16="http://schemas.microsoft.com/office/drawing/2014/main" id="{F742872A-F291-4DE2-AF2A-8E33381C3AA8}"/>
+                  </a:ext>
+                </a:extLst>
+              </p:cNvPr>
+              <p:cNvGrpSpPr/>
+              <p:nvPr/>
+            </p:nvGrpSpPr>
+            <p:grpSpPr>
+              <a:xfrm>
+                <a:off x="10154360" y="3971584"/>
+                <a:ext cx="1564555" cy="1691420"/>
+                <a:chOff x="10154360" y="3971584"/>
+                <a:chExt cx="1564555" cy="1691420"/>
+              </a:xfrm>
+            </p:grpSpPr>
+            <p:pic>
+              <p:nvPicPr>
+                <p:cNvPr id="66" name="Imagem 65" descr="icon_celular">
+                  <a:extLst>
+                    <a:ext uri="{FF2B5EF4-FFF2-40B4-BE49-F238E27FC236}">
+                      <a16:creationId xmlns:a16="http://schemas.microsoft.com/office/drawing/2014/main" id="{D2F6249B-DE76-42C7-BD52-F66916BCE960}"/>
+                    </a:ext>
+                  </a:extLst>
+                </p:cNvPr>
+                <p:cNvPicPr>
+                  <a:picLocks noChangeAspect="1"/>
+                </p:cNvPicPr>
+                <p:nvPr/>
+              </p:nvPicPr>
+              <p:blipFill>
+                <a:blip r:embed="rId15">
+                  <a:clrChange>
+                    <a:clrFrom>
+                      <a:srgbClr val="FFFFFF">
+                        <a:alpha val="100000"/>
+                      </a:srgbClr>
+                    </a:clrFrom>
+                    <a:clrTo>
+                      <a:srgbClr val="FFFFFF">
+                        <a:alpha val="100000"/>
+                        <a:alpha val="0"/>
+                      </a:srgbClr>
+                    </a:clrTo>
+                  </a:clrChange>
+                </a:blip>
+                <a:stretch>
+                  <a:fillRect/>
+                </a:stretch>
+              </p:blipFill>
+              <p:spPr>
+                <a:xfrm>
+                  <a:off x="10154360" y="3971584"/>
+                  <a:ext cx="1564555" cy="1691420"/>
+                </a:xfrm>
+                <a:prstGeom prst="rect">
+                  <a:avLst/>
+                </a:prstGeom>
+              </p:spPr>
+            </p:pic>
+            <p:pic>
+              <p:nvPicPr>
+                <p:cNvPr id="67" name="Imagem 66" descr="icon_mapa">
+                  <a:extLst>
+                    <a:ext uri="{FF2B5EF4-FFF2-40B4-BE49-F238E27FC236}">
+                      <a16:creationId xmlns:a16="http://schemas.microsoft.com/office/drawing/2014/main" id="{FC6CBAC3-6980-459B-B871-5464B8D57CD6}"/>
+                    </a:ext>
+                  </a:extLst>
+                </p:cNvPr>
+                <p:cNvPicPr>
+                  <a:picLocks noChangeAspect="1"/>
+                </p:cNvPicPr>
+                <p:nvPr/>
+              </p:nvPicPr>
+              <p:blipFill>
+                <a:blip r:embed="rId14"/>
+                <a:stretch>
+                  <a:fillRect/>
+                </a:stretch>
+              </p:blipFill>
+              <p:spPr>
+                <a:xfrm>
+                  <a:off x="10593826" y="4153004"/>
+                  <a:ext cx="691649" cy="1173720"/>
+                </a:xfrm>
+                <a:prstGeom prst="rect">
+                  <a:avLst/>
+                </a:prstGeom>
+                <a:ln w="0">
+                  <a:solidFill>
+                    <a:schemeClr val="tx1"/>
+                  </a:solidFill>
+                </a:ln>
+              </p:spPr>
+            </p:pic>
+          </p:grpSp>
+        </p:grpSp>
+      </p:grpSp>
+    </p:spTree>
+    <p:extLst>
+      <p:ext uri="{BB962C8B-B14F-4D97-AF65-F5344CB8AC3E}">
+        <p14:creationId xmlns:p14="http://schemas.microsoft.com/office/powerpoint/2010/main" val="3248713380"/>
+      </p:ext>
+    </p:extLst>
+  </p:cSld>
+  <p:clrMapOvr>
+    <a:masterClrMapping/>
+  </p:clrMapOvr>
+</p:sld>
+</file>
+
+<file path=ppt/slides/slide4.xml><?xml version="1.0" encoding="utf-8"?>
 <p:sld xmlns:a="http://schemas.openxmlformats.org/drawingml/2006/main" xmlns:r="http://schemas.openxmlformats.org/officeDocument/2006/relationships" xmlns:p="http://schemas.openxmlformats.org/presentationml/2006/main">
   <p:cSld>
     <p:spTree>
@@ -5177,7 +6543,7 @@
 </p:sld>
 </file>
 
-<file path=ppt/slides/slide4.xml><?xml version="1.0" encoding="utf-8"?>
+<file path=ppt/slides/slide5.xml><?xml version="1.0" encoding="utf-8"?>
 <p:sld xmlns:a="http://schemas.openxmlformats.org/drawingml/2006/main" xmlns:r="http://schemas.openxmlformats.org/officeDocument/2006/relationships" xmlns:p="http://schemas.openxmlformats.org/presentationml/2006/main">
   <p:cSld>
     <p:spTree>
@@ -5678,1372 +7044,6 @@
     <p:extLst>
       <p:ext uri="{BB962C8B-B14F-4D97-AF65-F5344CB8AC3E}">
         <p14:creationId xmlns:p14="http://schemas.microsoft.com/office/powerpoint/2010/main" val="2265591422"/>
-      </p:ext>
-    </p:extLst>
-  </p:cSld>
-  <p:clrMapOvr>
-    <a:masterClrMapping/>
-  </p:clrMapOvr>
-</p:sld>
-</file>
-
-<file path=ppt/slides/slide5.xml><?xml version="1.0" encoding="utf-8"?>
-<p:sld xmlns:a="http://schemas.openxmlformats.org/drawingml/2006/main" xmlns:r="http://schemas.openxmlformats.org/officeDocument/2006/relationships" xmlns:p="http://schemas.openxmlformats.org/presentationml/2006/main">
-  <p:cSld>
-    <p:spTree>
-      <p:nvGrpSpPr>
-        <p:cNvPr id="1" name=""/>
-        <p:cNvGrpSpPr/>
-        <p:nvPr/>
-      </p:nvGrpSpPr>
-      <p:grpSpPr>
-        <a:xfrm>
-          <a:off x="0" y="0"/>
-          <a:ext cx="0" cy="0"/>
-          <a:chOff x="0" y="0"/>
-          <a:chExt cx="0" cy="0"/>
-        </a:xfrm>
-      </p:grpSpPr>
-      <p:grpSp>
-        <p:nvGrpSpPr>
-          <p:cNvPr id="82" name="Agrupar 81">
-            <a:extLst>
-              <a:ext uri="{FF2B5EF4-FFF2-40B4-BE49-F238E27FC236}">
-                <a16:creationId xmlns:a16="http://schemas.microsoft.com/office/drawing/2014/main" id="{DC9540FA-7BE5-4838-9C28-C256F4C0C7CB}"/>
-              </a:ext>
-            </a:extLst>
-          </p:cNvPr>
-          <p:cNvGrpSpPr/>
-          <p:nvPr/>
-        </p:nvGrpSpPr>
-        <p:grpSpPr>
-          <a:xfrm>
-            <a:off x="118095" y="257176"/>
-            <a:ext cx="11955810" cy="6950436"/>
-            <a:chOff x="70755" y="167369"/>
-            <a:chExt cx="11955810" cy="6950436"/>
-          </a:xfrm>
-        </p:grpSpPr>
-        <p:grpSp>
-          <p:nvGrpSpPr>
-            <p:cNvPr id="70" name="Agrupar 69">
-              <a:extLst>
-                <a:ext uri="{FF2B5EF4-FFF2-40B4-BE49-F238E27FC236}">
-                  <a16:creationId xmlns:a16="http://schemas.microsoft.com/office/drawing/2014/main" id="{719BE80D-73F9-4BCF-ADA8-E8563FB5E71D}"/>
-                </a:ext>
-              </a:extLst>
-            </p:cNvPr>
-            <p:cNvGrpSpPr/>
-            <p:nvPr/>
-          </p:nvGrpSpPr>
-          <p:grpSpPr>
-            <a:xfrm>
-              <a:off x="280728" y="2367127"/>
-              <a:ext cx="4959851" cy="4750678"/>
-              <a:chOff x="280728" y="2367127"/>
-              <a:chExt cx="4959851" cy="4750678"/>
-            </a:xfrm>
-          </p:grpSpPr>
-          <p:pic>
-            <p:nvPicPr>
-              <p:cNvPr id="35" name="Imagem 34">
-                <a:extLst>
-                  <a:ext uri="{FF2B5EF4-FFF2-40B4-BE49-F238E27FC236}">
-                    <a16:creationId xmlns:a16="http://schemas.microsoft.com/office/drawing/2014/main" id="{460E6642-8724-45C3-8DF4-B6D6A9A119F1}"/>
-                  </a:ext>
-                </a:extLst>
-              </p:cNvPr>
-              <p:cNvPicPr>
-                <a:picLocks noChangeAspect="1"/>
-              </p:cNvPicPr>
-              <p:nvPr/>
-            </p:nvPicPr>
-            <p:blipFill>
-              <a:blip r:embed="rId2">
-                <a:extLst>
-                  <a:ext uri="{28A0092B-C50C-407E-A947-70E740481C1C}">
-                    <a14:useLocalDpi xmlns:a14="http://schemas.microsoft.com/office/drawing/2010/main" val="0"/>
-                  </a:ext>
-                </a:extLst>
-              </a:blip>
-              <a:stretch>
-                <a:fillRect/>
-              </a:stretch>
-            </p:blipFill>
-            <p:spPr>
-              <a:xfrm>
-                <a:off x="280728" y="2367127"/>
-                <a:ext cx="4959851" cy="4750678"/>
-              </a:xfrm>
-              <a:prstGeom prst="rect">
-                <a:avLst/>
-              </a:prstGeom>
-            </p:spPr>
-          </p:pic>
-          <p:grpSp>
-            <p:nvGrpSpPr>
-              <p:cNvPr id="50" name="Agrupar 49">
-                <a:extLst>
-                  <a:ext uri="{FF2B5EF4-FFF2-40B4-BE49-F238E27FC236}">
-                    <a16:creationId xmlns:a16="http://schemas.microsoft.com/office/drawing/2014/main" id="{2F5D4460-A988-40C9-94FA-07520E95E59F}"/>
-                  </a:ext>
-                </a:extLst>
-              </p:cNvPr>
-              <p:cNvGrpSpPr/>
-              <p:nvPr/>
-            </p:nvGrpSpPr>
-            <p:grpSpPr>
-              <a:xfrm>
-                <a:off x="3162799" y="3604911"/>
-                <a:ext cx="1507712" cy="1351935"/>
-                <a:chOff x="3162799" y="3604911"/>
-                <a:chExt cx="1507712" cy="1351935"/>
-              </a:xfrm>
-            </p:grpSpPr>
-            <p:pic>
-              <p:nvPicPr>
-                <p:cNvPr id="46" name="Imagem 45" descr="icon_database">
-                  <a:extLst>
-                    <a:ext uri="{FF2B5EF4-FFF2-40B4-BE49-F238E27FC236}">
-                      <a16:creationId xmlns:a16="http://schemas.microsoft.com/office/drawing/2014/main" id="{2AAB21DD-9A95-4C47-8333-1557052D8152}"/>
-                    </a:ext>
-                  </a:extLst>
-                </p:cNvPr>
-                <p:cNvPicPr>
-                  <a:picLocks noChangeAspect="1"/>
-                </p:cNvPicPr>
-                <p:nvPr/>
-              </p:nvPicPr>
-              <p:blipFill>
-                <a:blip r:embed="rId3">
-                  <a:lum bright="-100000"/>
-                </a:blip>
-                <a:stretch>
-                  <a:fillRect/>
-                </a:stretch>
-              </p:blipFill>
-              <p:spPr>
-                <a:xfrm>
-                  <a:off x="3162799" y="3604911"/>
-                  <a:ext cx="762067" cy="926922"/>
-                </a:xfrm>
-                <a:prstGeom prst="rect">
-                  <a:avLst/>
-                </a:prstGeom>
-              </p:spPr>
-            </p:pic>
-            <p:pic>
-              <p:nvPicPr>
-                <p:cNvPr id="49" name="Imagem 48">
-                  <a:extLst>
-                    <a:ext uri="{FF2B5EF4-FFF2-40B4-BE49-F238E27FC236}">
-                      <a16:creationId xmlns:a16="http://schemas.microsoft.com/office/drawing/2014/main" id="{F1A57FAA-9CE7-4D6C-8284-2203CB317121}"/>
-                    </a:ext>
-                  </a:extLst>
-                </p:cNvPr>
-                <p:cNvPicPr>
-                  <a:picLocks noChangeAspect="1"/>
-                </p:cNvPicPr>
-                <p:nvPr/>
-              </p:nvPicPr>
-              <p:blipFill>
-                <a:blip r:embed="rId4" cstate="print">
-                  <a:extLst>
-                    <a:ext uri="{28A0092B-C50C-407E-A947-70E740481C1C}">
-                      <a14:useLocalDpi xmlns:a14="http://schemas.microsoft.com/office/drawing/2010/main" val="0"/>
-                    </a:ext>
-                  </a:extLst>
-                </a:blip>
-                <a:srcRect/>
-                <a:stretch/>
-              </p:blipFill>
-              <p:spPr>
-                <a:xfrm>
-                  <a:off x="3179221" y="3746523"/>
-                  <a:ext cx="1491290" cy="1210323"/>
-                </a:xfrm>
-                <a:prstGeom prst="rect">
-                  <a:avLst/>
-                </a:prstGeom>
-              </p:spPr>
-            </p:pic>
-          </p:grpSp>
-          <p:pic>
-            <p:nvPicPr>
-              <p:cNvPr id="52" name="Imagem 51">
-                <a:extLst>
-                  <a:ext uri="{FF2B5EF4-FFF2-40B4-BE49-F238E27FC236}">
-                    <a16:creationId xmlns:a16="http://schemas.microsoft.com/office/drawing/2014/main" id="{8C24D198-38AA-4C48-A8B6-9F81A2BED55B}"/>
-                  </a:ext>
-                </a:extLst>
-              </p:cNvPr>
-              <p:cNvPicPr>
-                <a:picLocks noChangeAspect="1"/>
-              </p:cNvPicPr>
-              <p:nvPr/>
-            </p:nvPicPr>
-            <p:blipFill>
-              <a:blip r:embed="rId5">
-                <a:extLst>
-                  <a:ext uri="{28A0092B-C50C-407E-A947-70E740481C1C}">
-                    <a14:useLocalDpi xmlns:a14="http://schemas.microsoft.com/office/drawing/2010/main" val="0"/>
-                  </a:ext>
-                </a:extLst>
-              </a:blip>
-              <a:stretch>
-                <a:fillRect/>
-              </a:stretch>
-            </p:blipFill>
-            <p:spPr>
-              <a:xfrm>
-                <a:off x="942343" y="4068372"/>
-                <a:ext cx="1381459" cy="1381459"/>
-              </a:xfrm>
-              <a:prstGeom prst="rect">
-                <a:avLst/>
-              </a:prstGeom>
-            </p:spPr>
-          </p:pic>
-          <p:pic>
-            <p:nvPicPr>
-              <p:cNvPr id="54" name="Imagem 53">
-                <a:extLst>
-                  <a:ext uri="{FF2B5EF4-FFF2-40B4-BE49-F238E27FC236}">
-                    <a16:creationId xmlns:a16="http://schemas.microsoft.com/office/drawing/2014/main" id="{194F2AA7-3940-4866-ABA9-4448E3B2401A}"/>
-                  </a:ext>
-                </a:extLst>
-              </p:cNvPr>
-              <p:cNvPicPr>
-                <a:picLocks noChangeAspect="1"/>
-              </p:cNvPicPr>
-              <p:nvPr/>
-            </p:nvPicPr>
-            <p:blipFill>
-              <a:blip r:embed="rId6" cstate="print">
-                <a:extLst>
-                  <a:ext uri="{28A0092B-C50C-407E-A947-70E740481C1C}">
-                    <a14:useLocalDpi xmlns:a14="http://schemas.microsoft.com/office/drawing/2010/main" val="0"/>
-                  </a:ext>
-                </a:extLst>
-              </a:blip>
-              <a:stretch>
-                <a:fillRect/>
-              </a:stretch>
-            </p:blipFill>
-            <p:spPr>
-              <a:xfrm>
-                <a:off x="2255399" y="4996070"/>
-                <a:ext cx="1027223" cy="1027223"/>
-              </a:xfrm>
-              <a:prstGeom prst="rect">
-                <a:avLst/>
-              </a:prstGeom>
-            </p:spPr>
-          </p:pic>
-        </p:grpSp>
-        <p:grpSp>
-          <p:nvGrpSpPr>
-            <p:cNvPr id="79" name="Agrupar 78">
-              <a:extLst>
-                <a:ext uri="{FF2B5EF4-FFF2-40B4-BE49-F238E27FC236}">
-                  <a16:creationId xmlns:a16="http://schemas.microsoft.com/office/drawing/2014/main" id="{036A7F85-FC15-4E87-BDD4-E3F1550FC24F}"/>
-                </a:ext>
-              </a:extLst>
-            </p:cNvPr>
-            <p:cNvGrpSpPr/>
-            <p:nvPr/>
-          </p:nvGrpSpPr>
-          <p:grpSpPr>
-            <a:xfrm>
-              <a:off x="70755" y="167369"/>
-              <a:ext cx="11955810" cy="6339567"/>
-              <a:chOff x="70755" y="167369"/>
-              <a:chExt cx="11955810" cy="6339567"/>
-            </a:xfrm>
-          </p:grpSpPr>
-          <p:grpSp>
-            <p:nvGrpSpPr>
-              <p:cNvPr id="4" name="Agrupar 3">
-                <a:extLst>
-                  <a:ext uri="{FF2B5EF4-FFF2-40B4-BE49-F238E27FC236}">
-                    <a16:creationId xmlns:a16="http://schemas.microsoft.com/office/drawing/2014/main" id="{878DE1DE-BC3D-4063-8B14-25C9344C77FD}"/>
-                  </a:ext>
-                </a:extLst>
-              </p:cNvPr>
-              <p:cNvGrpSpPr/>
-              <p:nvPr/>
-            </p:nvGrpSpPr>
-            <p:grpSpPr>
-              <a:xfrm>
-                <a:off x="70757" y="167369"/>
-                <a:ext cx="6110026" cy="1930852"/>
-                <a:chOff x="1948543" y="1939019"/>
-                <a:chExt cx="8411633" cy="2624818"/>
-              </a:xfrm>
-            </p:grpSpPr>
-            <p:grpSp>
-              <p:nvGrpSpPr>
-                <p:cNvPr id="5" name="Agrupar 4">
-                  <a:extLst>
-                    <a:ext uri="{FF2B5EF4-FFF2-40B4-BE49-F238E27FC236}">
-                      <a16:creationId xmlns:a16="http://schemas.microsoft.com/office/drawing/2014/main" id="{97D44B02-D2A1-4F7D-A41B-C2FA14E78FD0}"/>
-                    </a:ext>
-                  </a:extLst>
-                </p:cNvPr>
-                <p:cNvGrpSpPr/>
-                <p:nvPr/>
-              </p:nvGrpSpPr>
-              <p:grpSpPr>
-                <a:xfrm>
-                  <a:off x="1948543" y="1939019"/>
-                  <a:ext cx="8411633" cy="2624818"/>
-                  <a:chOff x="1948543" y="2016580"/>
-                  <a:chExt cx="8411633" cy="2624818"/>
-                </a:xfrm>
-              </p:grpSpPr>
-              <p:sp>
-                <p:nvSpPr>
-                  <p:cNvPr id="7" name="Retângulo arredondado 50">
-                    <a:extLst>
-                      <a:ext uri="{FF2B5EF4-FFF2-40B4-BE49-F238E27FC236}">
-                        <a16:creationId xmlns:a16="http://schemas.microsoft.com/office/drawing/2014/main" id="{166A7AB2-1228-4F71-894D-B2886540C7B4}"/>
-                      </a:ext>
-                    </a:extLst>
-                  </p:cNvPr>
-                  <p:cNvSpPr/>
-                  <p:nvPr/>
-                </p:nvSpPr>
-                <p:spPr>
-                  <a:xfrm>
-                    <a:off x="1948543" y="2016580"/>
-                    <a:ext cx="8294913" cy="2624818"/>
-                  </a:xfrm>
-                  <a:prstGeom prst="roundRect">
-                    <a:avLst/>
-                  </a:prstGeom>
-                  <a:noFill/>
-                  <a:ln w="28575" cmpd="sng">
-                    <a:solidFill>
-                      <a:schemeClr val="tx1"/>
-                    </a:solidFill>
-                    <a:prstDash val="solid"/>
-                  </a:ln>
-                </p:spPr>
-                <p:style>
-                  <a:lnRef idx="2">
-                    <a:schemeClr val="accent1">
-                      <a:shade val="50000"/>
-                    </a:schemeClr>
-                  </a:lnRef>
-                  <a:fillRef idx="1">
-                    <a:schemeClr val="accent1"/>
-                  </a:fillRef>
-                  <a:effectRef idx="0">
-                    <a:schemeClr val="accent1"/>
-                  </a:effectRef>
-                  <a:fontRef idx="minor">
-                    <a:schemeClr val="lt1"/>
-                  </a:fontRef>
-                </p:style>
-                <p:txBody>
-                  <a:bodyPr rtlCol="0" anchor="ctr"/>
-                  <a:lstStyle/>
-                  <a:p>
-                    <a:pPr algn="ctr"/>
-                    <a:endParaRPr lang="pt-BR" altLang="en-US" dirty="0"/>
-                  </a:p>
-                </p:txBody>
-              </p:sp>
-              <p:grpSp>
-                <p:nvGrpSpPr>
-                  <p:cNvPr id="8" name="Agrupar 7">
-                    <a:extLst>
-                      <a:ext uri="{FF2B5EF4-FFF2-40B4-BE49-F238E27FC236}">
-                        <a16:creationId xmlns:a16="http://schemas.microsoft.com/office/drawing/2014/main" id="{CD43C392-574E-4F5B-B2DF-67A046DBDFCF}"/>
-                      </a:ext>
-                    </a:extLst>
-                  </p:cNvPr>
-                  <p:cNvGrpSpPr/>
-                  <p:nvPr/>
-                </p:nvGrpSpPr>
-                <p:grpSpPr>
-                  <a:xfrm>
-                    <a:off x="2160873" y="2539529"/>
-                    <a:ext cx="7870253" cy="1769719"/>
-                    <a:chOff x="2160873" y="2539529"/>
-                    <a:chExt cx="7870253" cy="1769719"/>
-                  </a:xfrm>
-                </p:grpSpPr>
-                <p:pic>
-                  <p:nvPicPr>
-                    <p:cNvPr id="11" name="Imagem 10">
-                      <a:extLst>
-                        <a:ext uri="{FF2B5EF4-FFF2-40B4-BE49-F238E27FC236}">
-                          <a16:creationId xmlns:a16="http://schemas.microsoft.com/office/drawing/2014/main" id="{A39C3845-7E6E-4F43-92F3-286FF6FF622F}"/>
-                        </a:ext>
-                      </a:extLst>
-                    </p:cNvPr>
-                    <p:cNvPicPr>
-                      <a:picLocks noChangeAspect="1"/>
-                    </p:cNvPicPr>
-                    <p:nvPr/>
-                  </p:nvPicPr>
-                  <p:blipFill rotWithShape="1">
-                    <a:blip r:embed="rId7" cstate="print">
-                      <a:extLst>
-                        <a:ext uri="{BEBA8EAE-BF5A-486C-A8C5-ECC9F3942E4B}">
-                          <a14:imgProps xmlns:a14="http://schemas.microsoft.com/office/drawing/2010/main">
-                            <a14:imgLayer r:embed="rId8">
-                              <a14:imgEffect>
-                                <a14:backgroundRemoval t="21852" b="77870" l="30400" r="71000">
-                                  <a14:foregroundMark x1="50300" y1="35926" x2="50300" y2="35926"/>
-                                  <a14:foregroundMark x1="39700" y1="33056" x2="44500" y2="31204"/>
-                                  <a14:foregroundMark x1="45700" y1="30833" x2="49900" y2="30278"/>
-                                  <a14:foregroundMark x1="51700" y1="30463" x2="55200" y2="30648"/>
-                                  <a14:foregroundMark x1="36200" y1="27222" x2="41000" y2="25278"/>
-                                  <a14:foregroundMark x1="43500" y1="56296" x2="50300" y2="56852"/>
-                                  <a14:foregroundMark x1="45300" y1="72593" x2="45300" y2="72593"/>
-                                  <a14:foregroundMark x1="48000" y1="73241" x2="48000" y2="73241"/>
-                                  <a14:foregroundMark x1="50800" y1="73426" x2="50800" y2="73426"/>
-                                  <a14:foregroundMark x1="53000" y1="73981" x2="53000" y2="73981"/>
-                                  <a14:foregroundMark x1="55800" y1="73704" x2="55800" y2="73704"/>
-                                  <a14:foregroundMark x1="44600" y1="74259" x2="44600" y2="74259"/>
-                                  <a14:backgroundMark x1="53700" y1="73981" x2="53700" y2="73981"/>
-                                  <a14:backgroundMark x1="56500" y1="73056" x2="56500" y2="73056"/>
-                                </a14:backgroundRemoval>
-                              </a14:imgEffect>
-                            </a14:imgLayer>
-                          </a14:imgProps>
-                        </a:ext>
-                        <a:ext uri="{28A0092B-C50C-407E-A947-70E740481C1C}">
-                          <a14:useLocalDpi xmlns:a14="http://schemas.microsoft.com/office/drawing/2010/main" val="0"/>
-                        </a:ext>
-                      </a:extLst>
-                    </a:blip>
-                    <a:srcRect l="30757" t="69152" r="26553" b="23094"/>
-                    <a:stretch/>
-                  </p:blipFill>
-                  <p:spPr>
-                    <a:xfrm>
-                      <a:off x="2160873" y="3969427"/>
-                      <a:ext cx="1570206" cy="308050"/>
-                    </a:xfrm>
-                    <a:prstGeom prst="rect">
-                      <a:avLst/>
-                    </a:prstGeom>
-                  </p:spPr>
-                </p:pic>
-                <p:grpSp>
-                  <p:nvGrpSpPr>
-                    <p:cNvPr id="12" name="Agrupar 11">
-                      <a:extLst>
-                        <a:ext uri="{FF2B5EF4-FFF2-40B4-BE49-F238E27FC236}">
-                          <a16:creationId xmlns:a16="http://schemas.microsoft.com/office/drawing/2014/main" id="{74A51819-BFD5-403C-8A87-EB7E1082CA6A}"/>
-                        </a:ext>
-                      </a:extLst>
-                    </p:cNvPr>
-                    <p:cNvGrpSpPr/>
-                    <p:nvPr/>
-                  </p:nvGrpSpPr>
-                  <p:grpSpPr>
-                    <a:xfrm>
-                      <a:off x="7821385" y="2651505"/>
-                      <a:ext cx="2209741" cy="1543050"/>
-                      <a:chOff x="7669044" y="2669721"/>
-                      <a:chExt cx="2209741" cy="1543050"/>
-                    </a:xfrm>
-                  </p:grpSpPr>
-                  <p:pic>
-                    <p:nvPicPr>
-                      <p:cNvPr id="17" name="Imagem 16">
-                        <a:extLst>
-                          <a:ext uri="{FF2B5EF4-FFF2-40B4-BE49-F238E27FC236}">
-                            <a16:creationId xmlns:a16="http://schemas.microsoft.com/office/drawing/2014/main" id="{CB01797E-A91A-4FFD-AA2B-28F7A4F2DD09}"/>
-                          </a:ext>
-                        </a:extLst>
-                      </p:cNvPr>
-                      <p:cNvPicPr>
-                        <a:picLocks noChangeAspect="1"/>
-                      </p:cNvPicPr>
-                      <p:nvPr/>
-                    </p:nvPicPr>
-                    <p:blipFill rotWithShape="1">
-                      <a:blip r:embed="rId9">
-                        <a:extLst>
-                          <a:ext uri="{28A0092B-C50C-407E-A947-70E740481C1C}">
-                            <a14:useLocalDpi xmlns:a14="http://schemas.microsoft.com/office/drawing/2010/main" val="0"/>
-                          </a:ext>
-                        </a:extLst>
-                      </a:blip>
-                      <a:srcRect l="4378" t="7096" r="5364" b="5712"/>
-                      <a:stretch/>
-                    </p:blipFill>
-                    <p:spPr>
-                      <a:xfrm>
-                        <a:off x="7669044" y="2669721"/>
-                        <a:ext cx="2209741" cy="1543050"/>
-                      </a:xfrm>
-                      <a:prstGeom prst="rect">
-                        <a:avLst/>
-                      </a:prstGeom>
-                    </p:spPr>
-                  </p:pic>
-                  <p:pic>
-                    <p:nvPicPr>
-                      <p:cNvPr id="18" name="Imagem 17">
-                        <a:extLst>
-                          <a:ext uri="{FF2B5EF4-FFF2-40B4-BE49-F238E27FC236}">
-                            <a16:creationId xmlns:a16="http://schemas.microsoft.com/office/drawing/2014/main" id="{304E74CF-4952-48FD-8218-D21EFD7C92A4}"/>
-                          </a:ext>
-                        </a:extLst>
-                      </p:cNvPr>
-                      <p:cNvPicPr>
-                        <a:picLocks noChangeAspect="1"/>
-                      </p:cNvPicPr>
-                      <p:nvPr/>
-                    </p:nvPicPr>
-                    <p:blipFill rotWithShape="1">
-                      <a:blip r:embed="rId5">
-                        <a:extLst>
-                          <a:ext uri="{28A0092B-C50C-407E-A947-70E740481C1C}">
-                            <a14:useLocalDpi xmlns:a14="http://schemas.microsoft.com/office/drawing/2010/main" val="0"/>
-                          </a:ext>
-                        </a:extLst>
-                      </a:blip>
-                      <a:srcRect t="20701" b="32849"/>
-                      <a:stretch/>
-                    </p:blipFill>
-                    <p:spPr>
-                      <a:xfrm>
-                        <a:off x="8485947" y="2886596"/>
-                        <a:ext cx="1152820" cy="524016"/>
-                      </a:xfrm>
-                      <a:prstGeom prst="rect">
-                        <a:avLst/>
-                      </a:prstGeom>
-                    </p:spPr>
-                  </p:pic>
-                </p:grpSp>
-                <p:grpSp>
-                  <p:nvGrpSpPr>
-                    <p:cNvPr id="13" name="Agrupar 12">
-                      <a:extLst>
-                        <a:ext uri="{FF2B5EF4-FFF2-40B4-BE49-F238E27FC236}">
-                          <a16:creationId xmlns:a16="http://schemas.microsoft.com/office/drawing/2014/main" id="{D31F9704-CA69-4685-ADB5-7510CB57616D}"/>
-                        </a:ext>
-                      </a:extLst>
-                    </p:cNvPr>
-                    <p:cNvGrpSpPr/>
-                    <p:nvPr/>
-                  </p:nvGrpSpPr>
-                  <p:grpSpPr>
-                    <a:xfrm>
-                      <a:off x="3641104" y="2539529"/>
-                      <a:ext cx="4180281" cy="1769719"/>
-                      <a:chOff x="3641104" y="2539529"/>
-                      <a:chExt cx="4180281" cy="1769719"/>
-                    </a:xfrm>
-                  </p:grpSpPr>
-                  <p:pic>
-                    <p:nvPicPr>
-                      <p:cNvPr id="14" name="Imagem 13">
-                        <a:extLst>
-                          <a:ext uri="{FF2B5EF4-FFF2-40B4-BE49-F238E27FC236}">
-                            <a16:creationId xmlns:a16="http://schemas.microsoft.com/office/drawing/2014/main" id="{530E4512-3A3C-4E70-875D-36824CBF6CC2}"/>
-                          </a:ext>
-                        </a:extLst>
-                      </p:cNvPr>
-                      <p:cNvPicPr>
-                        <a:picLocks noChangeAspect="1"/>
-                      </p:cNvPicPr>
-                      <p:nvPr/>
-                    </p:nvPicPr>
-                    <p:blipFill>
-                      <a:blip r:embed="rId10" cstate="print">
-                        <a:extLst>
-                          <a:ext uri="{28A0092B-C50C-407E-A947-70E740481C1C}">
-                            <a14:useLocalDpi xmlns:a14="http://schemas.microsoft.com/office/drawing/2010/main" val="0"/>
-                          </a:ext>
-                        </a:extLst>
-                      </a:blip>
-                      <a:stretch>
-                        <a:fillRect/>
-                      </a:stretch>
-                    </p:blipFill>
-                    <p:spPr>
-                      <a:xfrm>
-                        <a:off x="4699861" y="2539529"/>
-                        <a:ext cx="2317381" cy="1769719"/>
-                      </a:xfrm>
-                      <a:prstGeom prst="rect">
-                        <a:avLst/>
-                      </a:prstGeom>
-                    </p:spPr>
-                  </p:pic>
-                  <p:cxnSp>
-                    <p:nvCxnSpPr>
-                      <p:cNvPr id="15" name="Conector de Seta Reta 14">
-                        <a:extLst>
-                          <a:ext uri="{FF2B5EF4-FFF2-40B4-BE49-F238E27FC236}">
-                            <a16:creationId xmlns:a16="http://schemas.microsoft.com/office/drawing/2014/main" id="{3843516F-45DA-4D29-B594-6AA6E1191197}"/>
-                          </a:ext>
-                        </a:extLst>
-                      </p:cNvPr>
-                      <p:cNvCxnSpPr>
-                        <a:cxnSpLocks/>
-                        <a:stCxn id="14" idx="3"/>
-                        <a:endCxn id="17" idx="1"/>
-                      </p:cNvCxnSpPr>
-                      <p:nvPr/>
-                    </p:nvCxnSpPr>
-                    <p:spPr>
-                      <a:xfrm flipV="1">
-                        <a:off x="7017242" y="3423030"/>
-                        <a:ext cx="804143" cy="1359"/>
-                      </a:xfrm>
-                      <a:prstGeom prst="straightConnector1">
-                        <a:avLst/>
-                      </a:prstGeom>
-                      <a:ln w="28575" cmpd="sng">
-                        <a:solidFill>
-                          <a:schemeClr val="tx1"/>
-                        </a:solidFill>
-                        <a:prstDash val="sysDash"/>
-                        <a:tailEnd type="arrow"/>
-                      </a:ln>
-                    </p:spPr>
-                    <p:style>
-                      <a:lnRef idx="1">
-                        <a:schemeClr val="accent1"/>
-                      </a:lnRef>
-                      <a:fillRef idx="0">
-                        <a:schemeClr val="accent1"/>
-                      </a:fillRef>
-                      <a:effectRef idx="0">
-                        <a:schemeClr val="accent1"/>
-                      </a:effectRef>
-                      <a:fontRef idx="minor">
-                        <a:schemeClr val="tx1"/>
-                      </a:fontRef>
-                    </p:style>
-                  </p:cxnSp>
-                  <p:cxnSp>
-                    <p:nvCxnSpPr>
-                      <p:cNvPr id="16" name="Conector de Seta Reta 15">
-                        <a:extLst>
-                          <a:ext uri="{FF2B5EF4-FFF2-40B4-BE49-F238E27FC236}">
-                            <a16:creationId xmlns:a16="http://schemas.microsoft.com/office/drawing/2014/main" id="{1DCCE984-010F-47A4-82C1-C8FBD7A68CB1}"/>
-                          </a:ext>
-                        </a:extLst>
-                      </p:cNvPr>
-                      <p:cNvCxnSpPr>
-                        <a:cxnSpLocks/>
-                        <a:endCxn id="14" idx="1"/>
-                      </p:cNvCxnSpPr>
-                      <p:nvPr/>
-                    </p:nvCxnSpPr>
-                    <p:spPr>
-                      <a:xfrm>
-                        <a:off x="3641104" y="3424389"/>
-                        <a:ext cx="1058757" cy="0"/>
-                      </a:xfrm>
-                      <a:prstGeom prst="straightConnector1">
-                        <a:avLst/>
-                      </a:prstGeom>
-                      <a:ln w="28575" cmpd="sng">
-                        <a:solidFill>
-                          <a:schemeClr val="tx1"/>
-                        </a:solidFill>
-                        <a:prstDash val="sysDash"/>
-                        <a:tailEnd type="arrow"/>
-                      </a:ln>
-                    </p:spPr>
-                    <p:style>
-                      <a:lnRef idx="1">
-                        <a:schemeClr val="accent1"/>
-                      </a:lnRef>
-                      <a:fillRef idx="0">
-                        <a:schemeClr val="accent1"/>
-                      </a:fillRef>
-                      <a:effectRef idx="0">
-                        <a:schemeClr val="accent1"/>
-                      </a:effectRef>
-                      <a:fontRef idx="minor">
-                        <a:schemeClr val="tx1"/>
-                      </a:fontRef>
-                    </p:style>
-                  </p:cxnSp>
-                </p:grpSp>
-              </p:grpSp>
-              <p:sp>
-                <p:nvSpPr>
-                  <p:cNvPr id="9" name="CaixaDeTexto 8">
-                    <a:extLst>
-                      <a:ext uri="{FF2B5EF4-FFF2-40B4-BE49-F238E27FC236}">
-                        <a16:creationId xmlns:a16="http://schemas.microsoft.com/office/drawing/2014/main" id="{21BC4FE9-68AA-4A99-ADAD-8FF6F247579D}"/>
-                      </a:ext>
-                    </a:extLst>
-                  </p:cNvPr>
-                  <p:cNvSpPr txBox="1"/>
-                  <p:nvPr/>
-                </p:nvSpPr>
-                <p:spPr>
-                  <a:xfrm>
-                    <a:off x="9182526" y="2065918"/>
-                    <a:ext cx="1177650" cy="418395"/>
-                  </a:xfrm>
-                  <a:prstGeom prst="rect">
-                    <a:avLst/>
-                  </a:prstGeom>
-                  <a:noFill/>
-                </p:spPr>
-                <p:txBody>
-                  <a:bodyPr wrap="square" rtlCol="0">
-                    <a:spAutoFit/>
-                  </a:bodyPr>
-                  <a:lstStyle/>
-                  <a:p>
-                    <a:r>
-                      <a:rPr lang="pt-BR" sz="1400" b="1" dirty="0">
-                        <a:latin typeface="+mj-lt"/>
-                      </a:rPr>
-                      <a:t>Local</a:t>
-                    </a:r>
-                  </a:p>
-                </p:txBody>
-              </p:sp>
-              <p:sp>
-                <p:nvSpPr>
-                  <p:cNvPr id="10" name="CaixaDeTexto 9">
-                    <a:extLst>
-                      <a:ext uri="{FF2B5EF4-FFF2-40B4-BE49-F238E27FC236}">
-                        <a16:creationId xmlns:a16="http://schemas.microsoft.com/office/drawing/2014/main" id="{1DFCE42B-53AB-4A57-9AC5-F7ABE714A789}"/>
-                      </a:ext>
-                    </a:extLst>
-                  </p:cNvPr>
-                  <p:cNvSpPr txBox="1"/>
-                  <p:nvPr/>
-                </p:nvSpPr>
-                <p:spPr>
-                  <a:xfrm>
-                    <a:off x="4837434" y="2066220"/>
-                    <a:ext cx="2517129" cy="418395"/>
-                  </a:xfrm>
-                  <a:prstGeom prst="rect">
-                    <a:avLst/>
-                  </a:prstGeom>
-                  <a:noFill/>
-                </p:spPr>
-                <p:txBody>
-                  <a:bodyPr wrap="square" rtlCol="0">
-                    <a:spAutoFit/>
-                  </a:bodyPr>
-                  <a:lstStyle/>
-                  <a:p>
-                    <a:r>
-                      <a:rPr lang="pt-BR" sz="1400" b="1" dirty="0">
-                        <a:latin typeface="+mj-lt"/>
-                      </a:rPr>
-                      <a:t>Sensor Virtual</a:t>
-                    </a:r>
-                  </a:p>
-                </p:txBody>
-              </p:sp>
-            </p:grpSp>
-            <p:pic>
-              <p:nvPicPr>
-                <p:cNvPr id="6" name="Imagem 5">
-                  <a:extLst>
-                    <a:ext uri="{FF2B5EF4-FFF2-40B4-BE49-F238E27FC236}">
-                      <a16:creationId xmlns:a16="http://schemas.microsoft.com/office/drawing/2014/main" id="{2D6C8577-A497-4BD5-9B29-ED7FAE2A7991}"/>
-                    </a:ext>
-                  </a:extLst>
-                </p:cNvPr>
-                <p:cNvPicPr>
-                  <a:picLocks noChangeAspect="1"/>
-                </p:cNvPicPr>
-                <p:nvPr/>
-              </p:nvPicPr>
-              <p:blipFill rotWithShape="1">
-                <a:blip r:embed="rId11" cstate="print">
-                  <a:extLst>
-                    <a:ext uri="{BEBA8EAE-BF5A-486C-A8C5-ECC9F3942E4B}">
-                      <a14:imgProps xmlns:a14="http://schemas.microsoft.com/office/drawing/2010/main">
-                        <a14:imgLayer r:embed="rId12">
-                          <a14:imgEffect>
-                            <a14:backgroundRemoval t="21852" b="77870" l="30400" r="71000">
-                              <a14:foregroundMark x1="50300" y1="35926" x2="50300" y2="35926"/>
-                              <a14:foregroundMark x1="39700" y1="33056" x2="44500" y2="31204"/>
-                              <a14:foregroundMark x1="45700" y1="30833" x2="49900" y2="30278"/>
-                              <a14:foregroundMark x1="51700" y1="30463" x2="55200" y2="30648"/>
-                              <a14:foregroundMark x1="36200" y1="27222" x2="41000" y2="25278"/>
-                              <a14:foregroundMark x1="43500" y1="56296" x2="50300" y2="56852"/>
-                              <a14:foregroundMark x1="45300" y1="72593" x2="45300" y2="72593"/>
-                              <a14:foregroundMark x1="48000" y1="73241" x2="48000" y2="73241"/>
-                              <a14:foregroundMark x1="50800" y1="73426" x2="50800" y2="73426"/>
-                              <a14:foregroundMark x1="53000" y1="73981" x2="53000" y2="73981"/>
-                              <a14:foregroundMark x1="55800" y1="73704" x2="55800" y2="73704"/>
-                              <a14:foregroundMark x1="44600" y1="74259" x2="44600" y2="74259"/>
-                              <a14:backgroundMark x1="53700" y1="73981" x2="53700" y2="73981"/>
-                              <a14:backgroundMark x1="56500" y1="73056" x2="56500" y2="73056"/>
-                            </a14:backgroundRemoval>
-                          </a14:imgEffect>
-                        </a14:imgLayer>
-                      </a14:imgProps>
-                    </a:ext>
-                    <a:ext uri="{28A0092B-C50C-407E-A947-70E740481C1C}">
-                      <a14:useLocalDpi xmlns:a14="http://schemas.microsoft.com/office/drawing/2010/main" val="0"/>
-                    </a:ext>
-                  </a:extLst>
-                </a:blip>
-                <a:srcRect l="30757" t="21786" r="29000" b="33665"/>
-                <a:stretch/>
-              </p:blipFill>
-              <p:spPr>
-                <a:xfrm>
-                  <a:off x="2160873" y="2276172"/>
-                  <a:ext cx="1480230" cy="1769719"/>
-                </a:xfrm>
-                <a:prstGeom prst="rect">
-                  <a:avLst/>
-                </a:prstGeom>
-              </p:spPr>
-            </p:pic>
-          </p:grpSp>
-          <p:sp>
-            <p:nvSpPr>
-              <p:cNvPr id="19" name="Retângulo arredondado 50">
-                <a:extLst>
-                  <a:ext uri="{FF2B5EF4-FFF2-40B4-BE49-F238E27FC236}">
-                    <a16:creationId xmlns:a16="http://schemas.microsoft.com/office/drawing/2014/main" id="{B2088FF4-0C9A-41C5-86E9-CD021C87CE42}"/>
-                  </a:ext>
-                </a:extLst>
-              </p:cNvPr>
-              <p:cNvSpPr/>
-              <p:nvPr/>
-            </p:nvSpPr>
-            <p:spPr>
-              <a:xfrm>
-                <a:off x="70755" y="2565280"/>
-                <a:ext cx="6025243" cy="3941656"/>
-              </a:xfrm>
-              <a:prstGeom prst="roundRect">
-                <a:avLst/>
-              </a:prstGeom>
-              <a:noFill/>
-              <a:ln w="28575" cmpd="sng">
-                <a:solidFill>
-                  <a:schemeClr val="tx1"/>
-                </a:solidFill>
-                <a:prstDash val="solid"/>
-              </a:ln>
-            </p:spPr>
-            <p:style>
-              <a:lnRef idx="2">
-                <a:schemeClr val="accent1">
-                  <a:shade val="50000"/>
-                </a:schemeClr>
-              </a:lnRef>
-              <a:fillRef idx="1">
-                <a:schemeClr val="accent1"/>
-              </a:fillRef>
-              <a:effectRef idx="0">
-                <a:schemeClr val="accent1"/>
-              </a:effectRef>
-              <a:fontRef idx="minor">
-                <a:schemeClr val="lt1"/>
-              </a:fontRef>
-            </p:style>
-            <p:txBody>
-              <a:bodyPr rtlCol="0" anchor="ctr"/>
-              <a:lstStyle/>
-              <a:p>
-                <a:pPr algn="ctr"/>
-                <a:endParaRPr lang="pt-BR" altLang="en-US" dirty="0"/>
-              </a:p>
-            </p:txBody>
-          </p:sp>
-          <p:sp>
-            <p:nvSpPr>
-              <p:cNvPr id="21" name="CaixaDeTexto 20">
-                <a:extLst>
-                  <a:ext uri="{FF2B5EF4-FFF2-40B4-BE49-F238E27FC236}">
-                    <a16:creationId xmlns:a16="http://schemas.microsoft.com/office/drawing/2014/main" id="{DD2E2F45-82D3-4CCD-A6DE-E86EC8744FEA}"/>
-                  </a:ext>
-                </a:extLst>
-              </p:cNvPr>
-              <p:cNvSpPr txBox="1"/>
-              <p:nvPr/>
-            </p:nvSpPr>
-            <p:spPr>
-              <a:xfrm>
-                <a:off x="5240579" y="2694005"/>
-                <a:ext cx="855419" cy="307777"/>
-              </a:xfrm>
-              <a:prstGeom prst="rect">
-                <a:avLst/>
-              </a:prstGeom>
-              <a:noFill/>
-            </p:spPr>
-            <p:txBody>
-              <a:bodyPr wrap="square" rtlCol="0">
-                <a:spAutoFit/>
-              </a:bodyPr>
-              <a:lstStyle/>
-              <a:p>
-                <a:r>
-                  <a:rPr lang="pt-BR" sz="1400" b="1" dirty="0">
-                    <a:latin typeface="+mj-lt"/>
-                  </a:rPr>
-                  <a:t>Cloud</a:t>
-                </a:r>
-              </a:p>
-            </p:txBody>
-          </p:sp>
-          <p:cxnSp>
-            <p:nvCxnSpPr>
-              <p:cNvPr id="22" name="Conector de Seta Reta 21">
-                <a:extLst>
-                  <a:ext uri="{FF2B5EF4-FFF2-40B4-BE49-F238E27FC236}">
-                    <a16:creationId xmlns:a16="http://schemas.microsoft.com/office/drawing/2014/main" id="{91E3B499-98D4-47AB-A77F-C109053568E6}"/>
-                  </a:ext>
-                </a:extLst>
-              </p:cNvPr>
-              <p:cNvCxnSpPr>
-                <a:cxnSpLocks/>
-                <a:stCxn id="17" idx="2"/>
-              </p:cNvCxnSpPr>
-              <p:nvPr/>
-            </p:nvCxnSpPr>
-            <p:spPr>
-              <a:xfrm>
-                <a:off x="5139215" y="1769516"/>
-                <a:ext cx="0" cy="1047163"/>
-              </a:xfrm>
-              <a:prstGeom prst="straightConnector1">
-                <a:avLst/>
-              </a:prstGeom>
-              <a:ln w="28575" cmpd="sng">
-                <a:solidFill>
-                  <a:schemeClr val="tx1"/>
-                </a:solidFill>
-                <a:prstDash val="sysDash"/>
-                <a:tailEnd type="arrow"/>
-              </a:ln>
-            </p:spPr>
-            <p:style>
-              <a:lnRef idx="1">
-                <a:schemeClr val="accent1"/>
-              </a:lnRef>
-              <a:fillRef idx="0">
-                <a:schemeClr val="accent1"/>
-              </a:fillRef>
-              <a:effectRef idx="0">
-                <a:schemeClr val="accent1"/>
-              </a:effectRef>
-              <a:fontRef idx="minor">
-                <a:schemeClr val="tx1"/>
-              </a:fontRef>
-            </p:style>
-          </p:cxnSp>
-          <p:sp>
-            <p:nvSpPr>
-              <p:cNvPr id="27" name="CaixaDeTexto 26">
-                <a:extLst>
-                  <a:ext uri="{FF2B5EF4-FFF2-40B4-BE49-F238E27FC236}">
-                    <a16:creationId xmlns:a16="http://schemas.microsoft.com/office/drawing/2014/main" id="{3E088906-E52B-4140-B5BB-9AD9F8327DA0}"/>
-                  </a:ext>
-                </a:extLst>
-              </p:cNvPr>
-              <p:cNvSpPr txBox="1"/>
-              <p:nvPr/>
-            </p:nvSpPr>
-            <p:spPr>
-              <a:xfrm>
-                <a:off x="5102114" y="1796614"/>
-                <a:ext cx="493235" cy="261610"/>
-              </a:xfrm>
-              <a:prstGeom prst="rect">
-                <a:avLst/>
-              </a:prstGeom>
-              <a:noFill/>
-            </p:spPr>
-            <p:txBody>
-              <a:bodyPr wrap="square" rtlCol="0">
-                <a:spAutoFit/>
-              </a:bodyPr>
-              <a:lstStyle/>
-              <a:p>
-                <a:r>
-                  <a:rPr lang="pt-BR" sz="1100" dirty="0"/>
-                  <a:t>API</a:t>
-                </a:r>
-              </a:p>
-            </p:txBody>
-          </p:sp>
-          <p:pic>
-            <p:nvPicPr>
-              <p:cNvPr id="29" name="Imagem 28">
-                <a:extLst>
-                  <a:ext uri="{FF2B5EF4-FFF2-40B4-BE49-F238E27FC236}">
-                    <a16:creationId xmlns:a16="http://schemas.microsoft.com/office/drawing/2014/main" id="{372E2E04-86E1-4681-9CDE-88604A697242}"/>
-                  </a:ext>
-                </a:extLst>
-              </p:cNvPr>
-              <p:cNvPicPr>
-                <a:picLocks noChangeAspect="1"/>
-              </p:cNvPicPr>
-              <p:nvPr/>
-            </p:nvPicPr>
-            <p:blipFill>
-              <a:blip r:embed="rId13" cstate="print">
-                <a:extLst>
-                  <a:ext uri="{28A0092B-C50C-407E-A947-70E740481C1C}">
-                    <a14:useLocalDpi xmlns:a14="http://schemas.microsoft.com/office/drawing/2010/main" val="0"/>
-                  </a:ext>
-                </a:extLst>
-              </a:blip>
-              <a:stretch>
-                <a:fillRect/>
-              </a:stretch>
-            </p:blipFill>
-            <p:spPr>
-              <a:xfrm>
-                <a:off x="3805454" y="2596807"/>
-                <a:ext cx="1417414" cy="809951"/>
-              </a:xfrm>
-              <a:prstGeom prst="rect">
-                <a:avLst/>
-              </a:prstGeom>
-            </p:spPr>
-          </p:pic>
-          <p:sp>
-            <p:nvSpPr>
-              <p:cNvPr id="55" name="Retângulo arredondado 50">
-                <a:extLst>
-                  <a:ext uri="{FF2B5EF4-FFF2-40B4-BE49-F238E27FC236}">
-                    <a16:creationId xmlns:a16="http://schemas.microsoft.com/office/drawing/2014/main" id="{C38B4AE0-0EC1-46E1-A309-B5E54D53385A}"/>
-                  </a:ext>
-                </a:extLst>
-              </p:cNvPr>
-              <p:cNvSpPr/>
-              <p:nvPr/>
-            </p:nvSpPr>
-            <p:spPr>
-              <a:xfrm>
-                <a:off x="6753093" y="2849714"/>
-                <a:ext cx="5273472" cy="3003940"/>
-              </a:xfrm>
-              <a:prstGeom prst="roundRect">
-                <a:avLst/>
-              </a:prstGeom>
-              <a:noFill/>
-              <a:ln w="28575" cmpd="sng">
-                <a:solidFill>
-                  <a:schemeClr val="tx1"/>
-                </a:solidFill>
-                <a:prstDash val="solid"/>
-              </a:ln>
-            </p:spPr>
-            <p:style>
-              <a:lnRef idx="2">
-                <a:schemeClr val="accent1">
-                  <a:shade val="50000"/>
-                </a:schemeClr>
-              </a:lnRef>
-              <a:fillRef idx="1">
-                <a:schemeClr val="accent1"/>
-              </a:fillRef>
-              <a:effectRef idx="0">
-                <a:schemeClr val="accent1"/>
-              </a:effectRef>
-              <a:fontRef idx="minor">
-                <a:schemeClr val="lt1"/>
-              </a:fontRef>
-            </p:style>
-            <p:txBody>
-              <a:bodyPr rtlCol="0" anchor="ctr"/>
-              <a:lstStyle/>
-              <a:p>
-                <a:pPr algn="ctr"/>
-                <a:endParaRPr lang="pt-BR" altLang="en-US" dirty="0"/>
-              </a:p>
-            </p:txBody>
-          </p:sp>
-          <p:cxnSp>
-            <p:nvCxnSpPr>
-              <p:cNvPr id="56" name="Conector de Seta Reta 55">
-                <a:extLst>
-                  <a:ext uri="{FF2B5EF4-FFF2-40B4-BE49-F238E27FC236}">
-                    <a16:creationId xmlns:a16="http://schemas.microsoft.com/office/drawing/2014/main" id="{79CEC7DC-B7BB-4850-81F4-15414FE03C99}"/>
-                  </a:ext>
-                </a:extLst>
-              </p:cNvPr>
-              <p:cNvCxnSpPr>
-                <a:cxnSpLocks/>
-              </p:cNvCxnSpPr>
-              <p:nvPr/>
-            </p:nvCxnSpPr>
-            <p:spPr>
-              <a:xfrm>
-                <a:off x="5987984" y="4556859"/>
-                <a:ext cx="1008809" cy="0"/>
-              </a:xfrm>
-              <a:prstGeom prst="straightConnector1">
-                <a:avLst/>
-              </a:prstGeom>
-              <a:ln w="28575" cmpd="sng">
-                <a:solidFill>
-                  <a:schemeClr val="tx1"/>
-                </a:solidFill>
-                <a:prstDash val="sysDash"/>
-                <a:tailEnd type="arrow"/>
-              </a:ln>
-            </p:spPr>
-            <p:style>
-              <a:lnRef idx="1">
-                <a:schemeClr val="accent1"/>
-              </a:lnRef>
-              <a:fillRef idx="0">
-                <a:schemeClr val="accent1"/>
-              </a:fillRef>
-              <a:effectRef idx="0">
-                <a:schemeClr val="accent1"/>
-              </a:effectRef>
-              <a:fontRef idx="minor">
-                <a:schemeClr val="tx1"/>
-              </a:fontRef>
-            </p:style>
-          </p:cxnSp>
-          <p:sp>
-            <p:nvSpPr>
-              <p:cNvPr id="62" name="CaixaDeTexto 61">
-                <a:extLst>
-                  <a:ext uri="{FF2B5EF4-FFF2-40B4-BE49-F238E27FC236}">
-                    <a16:creationId xmlns:a16="http://schemas.microsoft.com/office/drawing/2014/main" id="{7298DBB2-30D4-4C62-B080-C08316E37037}"/>
-                  </a:ext>
-                </a:extLst>
-              </p:cNvPr>
-              <p:cNvSpPr txBox="1"/>
-              <p:nvPr/>
-            </p:nvSpPr>
-            <p:spPr>
-              <a:xfrm>
-                <a:off x="11055853" y="2920139"/>
-                <a:ext cx="855419" cy="307777"/>
-              </a:xfrm>
-              <a:prstGeom prst="rect">
-                <a:avLst/>
-              </a:prstGeom>
-              <a:noFill/>
-            </p:spPr>
-            <p:txBody>
-              <a:bodyPr wrap="square" rtlCol="0">
-                <a:spAutoFit/>
-              </a:bodyPr>
-              <a:lstStyle/>
-              <a:p>
-                <a:r>
-                  <a:rPr lang="pt-BR" sz="1400" b="1" dirty="0">
-                    <a:latin typeface="+mj-lt"/>
-                  </a:rPr>
-                  <a:t>Usuário</a:t>
-                </a:r>
-              </a:p>
-            </p:txBody>
-          </p:sp>
-          <p:grpSp>
-            <p:nvGrpSpPr>
-              <p:cNvPr id="68" name="Agrupar 67">
-                <a:extLst>
-                  <a:ext uri="{FF2B5EF4-FFF2-40B4-BE49-F238E27FC236}">
-                    <a16:creationId xmlns:a16="http://schemas.microsoft.com/office/drawing/2014/main" id="{7085491E-FFE0-4120-81F7-41EB84C9A77E}"/>
-                  </a:ext>
-                </a:extLst>
-              </p:cNvPr>
-              <p:cNvGrpSpPr/>
-              <p:nvPr/>
-            </p:nvGrpSpPr>
-            <p:grpSpPr>
-              <a:xfrm>
-                <a:off x="7015931" y="2920139"/>
-                <a:ext cx="2711431" cy="1826733"/>
-                <a:chOff x="7015931" y="2920139"/>
-                <a:chExt cx="2711431" cy="1826733"/>
-              </a:xfrm>
-            </p:grpSpPr>
-            <p:pic>
-              <p:nvPicPr>
-                <p:cNvPr id="64" name="Imagem 63" descr="icon_pc">
-                  <a:extLst>
-                    <a:ext uri="{FF2B5EF4-FFF2-40B4-BE49-F238E27FC236}">
-                      <a16:creationId xmlns:a16="http://schemas.microsoft.com/office/drawing/2014/main" id="{1B190E78-4C81-4519-A682-78F0FB066844}"/>
-                    </a:ext>
-                  </a:extLst>
-                </p:cNvPr>
-                <p:cNvPicPr>
-                  <a:picLocks noChangeAspect="1"/>
-                </p:cNvPicPr>
-                <p:nvPr/>
-              </p:nvPicPr>
-              <p:blipFill>
-                <a:blip r:embed="rId9"/>
-                <a:stretch>
-                  <a:fillRect/>
-                </a:stretch>
-              </p:blipFill>
-              <p:spPr>
-                <a:xfrm>
-                  <a:off x="7015931" y="2920139"/>
-                  <a:ext cx="2711431" cy="1826733"/>
-                </a:xfrm>
-                <a:prstGeom prst="rect">
-                  <a:avLst/>
-                </a:prstGeom>
-              </p:spPr>
-            </p:pic>
-            <p:pic>
-              <p:nvPicPr>
-                <p:cNvPr id="65" name="Imagem 64" descr="icon_mapa">
-                  <a:extLst>
-                    <a:ext uri="{FF2B5EF4-FFF2-40B4-BE49-F238E27FC236}">
-                      <a16:creationId xmlns:a16="http://schemas.microsoft.com/office/drawing/2014/main" id="{5385C365-51CE-4DD2-95EC-4460B7179C77}"/>
-                    </a:ext>
-                  </a:extLst>
-                </p:cNvPr>
-                <p:cNvPicPr>
-                  <a:picLocks noChangeAspect="1"/>
-                </p:cNvPicPr>
-                <p:nvPr/>
-              </p:nvPicPr>
-              <p:blipFill>
-                <a:blip r:embed="rId14"/>
-                <a:stretch>
-                  <a:fillRect/>
-                </a:stretch>
-              </p:blipFill>
-              <p:spPr>
-                <a:xfrm>
-                  <a:off x="7845724" y="3108575"/>
-                  <a:ext cx="1540449" cy="944188"/>
-                </a:xfrm>
-                <a:prstGeom prst="roundRect">
-                  <a:avLst/>
-                </a:prstGeom>
-                <a:ln w="0">
-                  <a:solidFill>
-                    <a:schemeClr val="tx1"/>
-                  </a:solidFill>
-                </a:ln>
-              </p:spPr>
-            </p:pic>
-          </p:grpSp>
-          <p:grpSp>
-            <p:nvGrpSpPr>
-              <p:cNvPr id="69" name="Agrupar 68">
-                <a:extLst>
-                  <a:ext uri="{FF2B5EF4-FFF2-40B4-BE49-F238E27FC236}">
-                    <a16:creationId xmlns:a16="http://schemas.microsoft.com/office/drawing/2014/main" id="{F742872A-F291-4DE2-AF2A-8E33381C3AA8}"/>
-                  </a:ext>
-                </a:extLst>
-              </p:cNvPr>
-              <p:cNvGrpSpPr/>
-              <p:nvPr/>
-            </p:nvGrpSpPr>
-            <p:grpSpPr>
-              <a:xfrm>
-                <a:off x="10154360" y="3971584"/>
-                <a:ext cx="1564555" cy="1691420"/>
-                <a:chOff x="10154360" y="3971584"/>
-                <a:chExt cx="1564555" cy="1691420"/>
-              </a:xfrm>
-            </p:grpSpPr>
-            <p:pic>
-              <p:nvPicPr>
-                <p:cNvPr id="66" name="Imagem 65" descr="icon_celular">
-                  <a:extLst>
-                    <a:ext uri="{FF2B5EF4-FFF2-40B4-BE49-F238E27FC236}">
-                      <a16:creationId xmlns:a16="http://schemas.microsoft.com/office/drawing/2014/main" id="{D2F6249B-DE76-42C7-BD52-F66916BCE960}"/>
-                    </a:ext>
-                  </a:extLst>
-                </p:cNvPr>
-                <p:cNvPicPr>
-                  <a:picLocks noChangeAspect="1"/>
-                </p:cNvPicPr>
-                <p:nvPr/>
-              </p:nvPicPr>
-              <p:blipFill>
-                <a:blip r:embed="rId15">
-                  <a:clrChange>
-                    <a:clrFrom>
-                      <a:srgbClr val="FFFFFF">
-                        <a:alpha val="100000"/>
-                      </a:srgbClr>
-                    </a:clrFrom>
-                    <a:clrTo>
-                      <a:srgbClr val="FFFFFF">
-                        <a:alpha val="100000"/>
-                        <a:alpha val="0"/>
-                      </a:srgbClr>
-                    </a:clrTo>
-                  </a:clrChange>
-                </a:blip>
-                <a:stretch>
-                  <a:fillRect/>
-                </a:stretch>
-              </p:blipFill>
-              <p:spPr>
-                <a:xfrm>
-                  <a:off x="10154360" y="3971584"/>
-                  <a:ext cx="1564555" cy="1691420"/>
-                </a:xfrm>
-                <a:prstGeom prst="rect">
-                  <a:avLst/>
-                </a:prstGeom>
-              </p:spPr>
-            </p:pic>
-            <p:pic>
-              <p:nvPicPr>
-                <p:cNvPr id="67" name="Imagem 66" descr="icon_mapa">
-                  <a:extLst>
-                    <a:ext uri="{FF2B5EF4-FFF2-40B4-BE49-F238E27FC236}">
-                      <a16:creationId xmlns:a16="http://schemas.microsoft.com/office/drawing/2014/main" id="{FC6CBAC3-6980-459B-B871-5464B8D57CD6}"/>
-                    </a:ext>
-                  </a:extLst>
-                </p:cNvPr>
-                <p:cNvPicPr>
-                  <a:picLocks noChangeAspect="1"/>
-                </p:cNvPicPr>
-                <p:nvPr/>
-              </p:nvPicPr>
-              <p:blipFill>
-                <a:blip r:embed="rId14"/>
-                <a:stretch>
-                  <a:fillRect/>
-                </a:stretch>
-              </p:blipFill>
-              <p:spPr>
-                <a:xfrm>
-                  <a:off x="10593826" y="4153004"/>
-                  <a:ext cx="691649" cy="1173720"/>
-                </a:xfrm>
-                <a:prstGeom prst="rect">
-                  <a:avLst/>
-                </a:prstGeom>
-                <a:ln w="0">
-                  <a:solidFill>
-                    <a:schemeClr val="tx1"/>
-                  </a:solidFill>
-                </a:ln>
-              </p:spPr>
-            </p:pic>
-          </p:grpSp>
-        </p:grpSp>
-      </p:grpSp>
-    </p:spTree>
-    <p:extLst>
-      <p:ext uri="{BB962C8B-B14F-4D97-AF65-F5344CB8AC3E}">
-        <p14:creationId xmlns:p14="http://schemas.microsoft.com/office/powerpoint/2010/main" val="3248713380"/>
       </p:ext>
     </p:extLst>
   </p:cSld>
